--- a/file/PPT.pptx
+++ b/file/PPT.pptx
@@ -219,7 +219,7 @@
             <a:fld id="{65771C21-3757-4199-83DE-22960358A2A5}" type="datetimeFigureOut">
               <a:rPr lang="ko-KR" altLang="en-US" smtClean="0"/>
               <a:pPr/>
-              <a:t>2020-06-14</a:t>
+              <a:t>2020-06-15</a:t>
             </a:fld>
             <a:endParaRPr lang="ko-KR" altLang="en-US"/>
           </a:p>
@@ -1893,7 +1893,7 @@
             <a:fld id="{A22FE722-38C7-4231-8BB5-7A27D4E5977D}" type="datetimeFigureOut">
               <a:rPr lang="ko-KR" altLang="en-US" smtClean="0"/>
               <a:pPr/>
-              <a:t>2020-06-14</a:t>
+              <a:t>2020-06-15</a:t>
             </a:fld>
             <a:endParaRPr lang="ko-KR" altLang="en-US"/>
           </a:p>
@@ -2060,7 +2060,7 @@
             <a:fld id="{A22FE722-38C7-4231-8BB5-7A27D4E5977D}" type="datetimeFigureOut">
               <a:rPr lang="ko-KR" altLang="en-US" smtClean="0"/>
               <a:pPr/>
-              <a:t>2020-06-14</a:t>
+              <a:t>2020-06-15</a:t>
             </a:fld>
             <a:endParaRPr lang="ko-KR" altLang="en-US"/>
           </a:p>
@@ -2237,7 +2237,7 @@
             <a:fld id="{A22FE722-38C7-4231-8BB5-7A27D4E5977D}" type="datetimeFigureOut">
               <a:rPr lang="ko-KR" altLang="en-US" smtClean="0"/>
               <a:pPr/>
-              <a:t>2020-06-14</a:t>
+              <a:t>2020-06-15</a:t>
             </a:fld>
             <a:endParaRPr lang="ko-KR" altLang="en-US"/>
           </a:p>
@@ -2404,7 +2404,7 @@
             <a:fld id="{A22FE722-38C7-4231-8BB5-7A27D4E5977D}" type="datetimeFigureOut">
               <a:rPr lang="ko-KR" altLang="en-US" smtClean="0"/>
               <a:pPr/>
-              <a:t>2020-06-14</a:t>
+              <a:t>2020-06-15</a:t>
             </a:fld>
             <a:endParaRPr lang="ko-KR" altLang="en-US"/>
           </a:p>
@@ -2647,7 +2647,7 @@
             <a:fld id="{A22FE722-38C7-4231-8BB5-7A27D4E5977D}" type="datetimeFigureOut">
               <a:rPr lang="ko-KR" altLang="en-US" smtClean="0"/>
               <a:pPr/>
-              <a:t>2020-06-14</a:t>
+              <a:t>2020-06-15</a:t>
             </a:fld>
             <a:endParaRPr lang="ko-KR" altLang="en-US"/>
           </a:p>
@@ -2932,7 +2932,7 @@
             <a:fld id="{A22FE722-38C7-4231-8BB5-7A27D4E5977D}" type="datetimeFigureOut">
               <a:rPr lang="ko-KR" altLang="en-US" smtClean="0"/>
               <a:pPr/>
-              <a:t>2020-06-14</a:t>
+              <a:t>2020-06-15</a:t>
             </a:fld>
             <a:endParaRPr lang="ko-KR" altLang="en-US"/>
           </a:p>
@@ -3351,7 +3351,7 @@
             <a:fld id="{A22FE722-38C7-4231-8BB5-7A27D4E5977D}" type="datetimeFigureOut">
               <a:rPr lang="ko-KR" altLang="en-US" smtClean="0"/>
               <a:pPr/>
-              <a:t>2020-06-14</a:t>
+              <a:t>2020-06-15</a:t>
             </a:fld>
             <a:endParaRPr lang="ko-KR" altLang="en-US"/>
           </a:p>
@@ -3466,7 +3466,7 @@
             <a:fld id="{A22FE722-38C7-4231-8BB5-7A27D4E5977D}" type="datetimeFigureOut">
               <a:rPr lang="ko-KR" altLang="en-US" smtClean="0"/>
               <a:pPr/>
-              <a:t>2020-06-14</a:t>
+              <a:t>2020-06-15</a:t>
             </a:fld>
             <a:endParaRPr lang="ko-KR" altLang="en-US"/>
           </a:p>
@@ -3558,7 +3558,7 @@
             <a:fld id="{A22FE722-38C7-4231-8BB5-7A27D4E5977D}" type="datetimeFigureOut">
               <a:rPr lang="ko-KR" altLang="en-US" smtClean="0"/>
               <a:pPr/>
-              <a:t>2020-06-14</a:t>
+              <a:t>2020-06-15</a:t>
             </a:fld>
             <a:endParaRPr lang="ko-KR" altLang="en-US"/>
           </a:p>
@@ -3832,7 +3832,7 @@
             <a:fld id="{A22FE722-38C7-4231-8BB5-7A27D4E5977D}" type="datetimeFigureOut">
               <a:rPr lang="ko-KR" altLang="en-US" smtClean="0"/>
               <a:pPr/>
-              <a:t>2020-06-14</a:t>
+              <a:t>2020-06-15</a:t>
             </a:fld>
             <a:endParaRPr lang="ko-KR" altLang="en-US"/>
           </a:p>
@@ -4082,7 +4082,7 @@
             <a:fld id="{A22FE722-38C7-4231-8BB5-7A27D4E5977D}" type="datetimeFigureOut">
               <a:rPr lang="ko-KR" altLang="en-US" smtClean="0"/>
               <a:pPr/>
-              <a:t>2020-06-14</a:t>
+              <a:t>2020-06-15</a:t>
             </a:fld>
             <a:endParaRPr lang="ko-KR" altLang="en-US"/>
           </a:p>
@@ -4292,7 +4292,7 @@
             <a:fld id="{A22FE722-38C7-4231-8BB5-7A27D4E5977D}" type="datetimeFigureOut">
               <a:rPr lang="ko-KR" altLang="en-US" smtClean="0"/>
               <a:pPr/>
-              <a:t>2020-06-14</a:t>
+              <a:t>2020-06-15</a:t>
             </a:fld>
             <a:endParaRPr lang="ko-KR" altLang="en-US"/>
           </a:p>
@@ -5266,7 +5266,7 @@
         </p:nvSpPr>
         <p:spPr>
           <a:xfrm>
-            <a:off x="1761014" y="3272269"/>
+            <a:off x="1691680" y="2852936"/>
             <a:ext cx="2618833" cy="523220"/>
           </a:xfrm>
           <a:prstGeom prst="rect">
@@ -5282,7 +5282,7 @@
           <a:p>
             <a:pPr algn="ctr"/>
             <a:r>
-              <a:rPr lang="ko-KR" altLang="en-US" sz="2800" b="1" spc="-150" smtClean="0">
+              <a:rPr lang="ko-KR" altLang="en-US" sz="2800" b="1" spc="-150" dirty="0" smtClean="0">
                 <a:solidFill>
                   <a:schemeClr val="tx1">
                     <a:lumMod val="75000"/>
@@ -5311,8 +5311,8 @@
         </p:nvSpPr>
         <p:spPr>
           <a:xfrm>
-            <a:off x="563818" y="3795489"/>
-            <a:ext cx="3972178" cy="369332"/>
+            <a:off x="467544" y="3717032"/>
+            <a:ext cx="3996444" cy="400110"/>
           </a:xfrm>
           <a:prstGeom prst="rect">
             <a:avLst/>
@@ -5327,7 +5327,7 @@
           <a:p>
             <a:pPr algn="ctr"/>
             <a:r>
-              <a:rPr lang="en-US" altLang="ko-KR" b="1" spc="-150" smtClean="0">
+              <a:rPr lang="en-US" altLang="ko-KR" sz="2000" b="1" spc="-150" dirty="0" smtClean="0">
                 <a:solidFill>
                   <a:schemeClr val="tx1">
                     <a:lumMod val="75000"/>
@@ -5338,7 +5338,7 @@
               <a:t>ex. </a:t>
             </a:r>
             <a:r>
-              <a:rPr lang="ko-KR" altLang="en-US" b="1" spc="-150" smtClean="0">
+              <a:rPr lang="ko-KR" altLang="en-US" sz="2000" b="1" spc="-150" dirty="0" smtClean="0">
                 <a:solidFill>
                   <a:schemeClr val="tx1">
                     <a:lumMod val="75000"/>
@@ -5346,9 +5346,40 @@
                   </a:schemeClr>
                 </a:solidFill>
               </a:rPr>
-              <a:t>고객이 원하는 투어만 참가 가능 </a:t>
-            </a:r>
-            <a:endParaRPr lang="ko-KR" altLang="en-US" b="1" spc="-150" dirty="0">
+              <a:t>고객이 </a:t>
+            </a:r>
+            <a:r>
+              <a:rPr lang="ko-KR" altLang="en-US" sz="2000" b="1" spc="-150" dirty="0" smtClean="0">
+                <a:solidFill>
+                  <a:srgbClr val="FF0000"/>
+                </a:solidFill>
+              </a:rPr>
+              <a:t>원하는 투어</a:t>
+            </a:r>
+            <a:r>
+              <a:rPr lang="ko-KR" altLang="en-US" sz="2000" b="1" spc="-150" dirty="0" smtClean="0"/>
+              <a:t>만</a:t>
+            </a:r>
+            <a:r>
+              <a:rPr lang="ko-KR" altLang="en-US" sz="2000" b="1" spc="-150" dirty="0" smtClean="0">
+                <a:solidFill>
+                  <a:srgbClr val="FF0000"/>
+                </a:solidFill>
+              </a:rPr>
+              <a:t> </a:t>
+            </a:r>
+            <a:r>
+              <a:rPr lang="ko-KR" altLang="en-US" sz="2000" b="1" spc="-150" dirty="0" smtClean="0">
+                <a:solidFill>
+                  <a:schemeClr val="tx1">
+                    <a:lumMod val="75000"/>
+                    <a:lumOff val="25000"/>
+                  </a:schemeClr>
+                </a:solidFill>
+              </a:rPr>
+              <a:t>참가 가능 </a:t>
+            </a:r>
+            <a:endParaRPr lang="ko-KR" altLang="en-US" sz="2000" b="1" spc="-150" dirty="0">
               <a:solidFill>
                 <a:schemeClr val="tx1">
                   <a:lumMod val="75000"/>
@@ -5620,17 +5651,7 @@
                   </a:schemeClr>
                 </a:solidFill>
               </a:rPr>
-              <a:t>발표자 </a:t>
-            </a:r>
-            <a:r>
-              <a:rPr lang="ko-KR" altLang="en-US" sz="1600" b="1" smtClean="0">
-                <a:solidFill>
-                  <a:schemeClr val="tx2">
-                    <a:lumMod val="50000"/>
-                  </a:schemeClr>
-                </a:solidFill>
-              </a:rPr>
-              <a:t>황 하 나</a:t>
+              <a:t>발표자 황 하 나</a:t>
             </a:r>
             <a:endParaRPr lang="ko-KR" altLang="en-US" sz="1600" b="1" dirty="0">
               <a:solidFill>
@@ -5832,44 +5853,14 @@
           <a:lstStyle/>
           <a:p>
             <a:r>
-              <a:rPr lang="en-US" altLang="ko-KR" sz="5400" smtClean="0">
+              <a:rPr lang="en-US" altLang="ko-KR" sz="5400" dirty="0" smtClean="0">
                 <a:solidFill>
                   <a:schemeClr val="bg1"/>
                 </a:solidFill>
                 <a:latin typeface="HY헤드라인M" pitchFamily="18" charset="-127"/>
                 <a:ea typeface="HY헤드라인M" pitchFamily="18" charset="-127"/>
               </a:rPr>
-              <a:t>01    </a:t>
-            </a:r>
-            <a:r>
-              <a:rPr lang="en-US" altLang="ko-KR" sz="5400" smtClean="0">
-                <a:solidFill>
-                  <a:schemeClr val="bg1"/>
-                </a:solidFill>
-                <a:latin typeface="HY헤드라인M" pitchFamily="18" charset="-127"/>
-                <a:ea typeface="HY헤드라인M" pitchFamily="18" charset="-127"/>
-              </a:rPr>
-              <a:t>02    </a:t>
-            </a:r>
-            <a:r>
-              <a:rPr lang="en-US" altLang="ko-KR" sz="5400" dirty="0" smtClean="0">
-                <a:solidFill>
-                  <a:schemeClr val="bg1"/>
-                </a:solidFill>
-                <a:latin typeface="HY헤드라인M" pitchFamily="18" charset="-127"/>
-                <a:ea typeface="HY헤드라인M" pitchFamily="18" charset="-127"/>
-              </a:rPr>
-              <a:t>03    </a:t>
-            </a:r>
-            <a:r>
-              <a:rPr lang="en-US" altLang="ko-KR" sz="5400" smtClean="0">
-                <a:solidFill>
-                  <a:schemeClr val="bg1"/>
-                </a:solidFill>
-                <a:latin typeface="HY헤드라인M" pitchFamily="18" charset="-127"/>
-                <a:ea typeface="HY헤드라인M" pitchFamily="18" charset="-127"/>
-              </a:rPr>
-              <a:t>04   </a:t>
+              <a:t>01    02    03    04   </a:t>
             </a:r>
             <a:endParaRPr lang="ko-KR" altLang="en-US" sz="5400" dirty="0">
               <a:solidFill>
@@ -6073,7 +6064,7 @@
         <p:spPr>
           <a:xfrm>
             <a:off x="395536" y="3429000"/>
-            <a:ext cx="1368152" cy="1015663"/>
+            <a:ext cx="1368152" cy="830997"/>
           </a:xfrm>
           <a:prstGeom prst="rect">
             <a:avLst/>
@@ -6087,25 +6078,24 @@
           <a:lstStyle/>
           <a:p>
             <a:r>
-              <a:rPr lang="en-US" altLang="ko-KR" sz="1200" b="1" spc="-150" smtClean="0"/>
+              <a:rPr lang="en-US" altLang="ko-KR" sz="1200" b="1" spc="-150" dirty="0" smtClean="0"/>
               <a:t>- </a:t>
             </a:r>
             <a:r>
-              <a:rPr lang="ko-KR" altLang="en-US" sz="1200" b="1" spc="-150" smtClean="0"/>
+              <a:rPr lang="ko-KR" altLang="en-US" sz="1200" b="1" spc="-150" dirty="0" smtClean="0"/>
               <a:t>팀 이름</a:t>
             </a:r>
-            <a:endParaRPr lang="ko-KR" altLang="en-US" sz="1200" b="1" spc="-150" dirty="0" smtClean="0"/>
           </a:p>
           <a:p>
             <a:endParaRPr lang="en-US" altLang="ko-KR" sz="1200" b="1" spc="-150" dirty="0" smtClean="0"/>
           </a:p>
           <a:p>
             <a:r>
-              <a:rPr lang="en-US" altLang="ko-KR" sz="1200" b="1" spc="-150" smtClean="0"/>
+              <a:rPr lang="en-US" altLang="ko-KR" sz="1200" b="1" spc="-150" dirty="0" smtClean="0"/>
               <a:t>- </a:t>
             </a:r>
             <a:r>
-              <a:rPr lang="ko-KR" altLang="en-US" sz="1200" b="1" spc="-150" smtClean="0"/>
+              <a:rPr lang="ko-KR" altLang="en-US" sz="1200" b="1" spc="-150" dirty="0" smtClean="0"/>
               <a:t>팀원 소개 </a:t>
             </a:r>
             <a:endParaRPr lang="en-US" altLang="ko-KR" sz="1200" b="1" spc="-150" dirty="0" smtClean="0"/>
@@ -6116,13 +6106,6 @@
               <a:buChar char="-"/>
             </a:pPr>
             <a:endParaRPr lang="en-US" altLang="ko-KR" sz="1200" b="1" spc="-150" dirty="0" smtClean="0"/>
-          </a:p>
-          <a:p>
-            <a:r>
-              <a:rPr lang="en-US" altLang="ko-KR" sz="1200" b="1" spc="-150" smtClean="0"/>
-              <a:t>-</a:t>
-            </a:r>
-            <a:endParaRPr lang="ko-KR" altLang="en-US" sz="1200" b="1" spc="-150" dirty="0" smtClean="0"/>
           </a:p>
         </p:txBody>
       </p:sp>
@@ -6279,7 +6262,7 @@
         <p:spPr>
           <a:xfrm>
             <a:off x="2123728" y="3429000"/>
-            <a:ext cx="1368152" cy="1200329"/>
+            <a:ext cx="1368152" cy="1384995"/>
           </a:xfrm>
           <a:prstGeom prst="rect">
             <a:avLst/>
@@ -6293,36 +6276,50 @@
           <a:lstStyle/>
           <a:p>
             <a:r>
-              <a:rPr lang="en-US" altLang="ko-KR" sz="1200" b="1" spc="-150" smtClean="0"/>
+              <a:rPr lang="en-US" altLang="ko-KR" sz="1200" b="1" spc="-150" dirty="0" smtClean="0"/>
               <a:t>- </a:t>
             </a:r>
             <a:r>
-              <a:rPr lang="ko-KR" altLang="en-US" sz="1200" b="1" spc="-150" smtClean="0"/>
+              <a:rPr lang="ko-KR" altLang="en-US" sz="1200" b="1" spc="-150" dirty="0" smtClean="0"/>
               <a:t>페이지 소개</a:t>
             </a:r>
-            <a:endParaRPr lang="ko-KR" altLang="en-US" sz="1200" b="1" spc="-150" dirty="0" smtClean="0"/>
           </a:p>
           <a:p>
             <a:endParaRPr lang="en-US" altLang="ko-KR" sz="1200" b="1" spc="-150" dirty="0" smtClean="0"/>
           </a:p>
           <a:p>
             <a:r>
-              <a:rPr lang="en-US" altLang="ko-KR" sz="1200" b="1" spc="-150" smtClean="0"/>
+              <a:rPr lang="en-US" altLang="ko-KR" sz="1200" b="1" spc="-150" dirty="0" smtClean="0"/>
               <a:t>- </a:t>
             </a:r>
             <a:r>
-              <a:rPr lang="ko-KR" altLang="en-US" sz="1200" b="1" spc="-150" smtClean="0"/>
-              <a:t>사용한 도구 소개</a:t>
-            </a:r>
-            <a:endParaRPr lang="en-US" altLang="ko-KR" sz="1200" b="1" spc="-150" smtClean="0"/>
-          </a:p>
-          <a:p>
-            <a:r>
-              <a:rPr lang="en-US" altLang="ko-KR" sz="1200" b="1" spc="-150" smtClean="0"/>
+              <a:rPr lang="ko-KR" altLang="en-US" sz="1200" b="1" spc="-150" dirty="0" smtClean="0"/>
+              <a:t>사용한 </a:t>
+            </a:r>
+            <a:r>
+              <a:rPr lang="ko-KR" altLang="en-US" sz="1200" b="1" spc="-150" dirty="0" smtClean="0"/>
+              <a:t>도구 </a:t>
+            </a:r>
+            <a:r>
+              <a:rPr lang="ko-KR" altLang="en-US" sz="1200" b="1" spc="-150" dirty="0" smtClean="0"/>
+              <a:t>소개</a:t>
+            </a:r>
+            <a:endParaRPr lang="en-US" altLang="ko-KR" sz="1200" b="1" spc="-150" dirty="0" smtClean="0"/>
+          </a:p>
+          <a:p>
+            <a:pPr marL="171450" indent="-171450">
+              <a:buFontTx/>
+              <a:buChar char="-"/>
+            </a:pPr>
+            <a:endParaRPr lang="en-US" altLang="ko-KR" sz="1200" b="1" spc="-150" dirty="0" smtClean="0"/>
+          </a:p>
+          <a:p>
+            <a:r>
+              <a:rPr lang="en-US" altLang="ko-KR" sz="1200" b="1" spc="-150" dirty="0" smtClean="0"/>
               <a:t>- DB </a:t>
             </a:r>
             <a:r>
-              <a:rPr lang="ko-KR" altLang="en-US" sz="1200" b="1" spc="-150" smtClean="0"/>
+              <a:rPr lang="ko-KR" altLang="en-US" sz="1200" b="1" spc="-150" dirty="0" smtClean="0"/>
               <a:t>설계</a:t>
             </a:r>
             <a:endParaRPr lang="en-US" altLang="ko-KR" sz="1200" b="1" spc="-150" dirty="0" smtClean="0"/>
@@ -6945,7 +6942,7 @@
           <a:lstStyle/>
           <a:p>
             <a:r>
-              <a:rPr lang="ko-KR" altLang="en-US" sz="1600" smtClean="0">
+              <a:rPr lang="ko-KR" altLang="en-US" sz="1600" dirty="0" smtClean="0">
                 <a:solidFill>
                   <a:schemeClr val="tx1">
                     <a:lumMod val="75000"/>
@@ -7388,7 +7385,7 @@
         </p:nvSpPr>
         <p:spPr>
           <a:xfrm>
-            <a:off x="971600" y="1196752"/>
+            <a:off x="971600" y="1052736"/>
             <a:ext cx="7200800" cy="1015663"/>
           </a:xfrm>
           <a:prstGeom prst="rect">
@@ -7526,7 +7523,7 @@
         </p:nvSpPr>
         <p:spPr>
           <a:xfrm>
-            <a:off x="971600" y="2062589"/>
+            <a:off x="971600" y="1916832"/>
             <a:ext cx="7128792" cy="369332"/>
           </a:xfrm>
           <a:prstGeom prst="rect">
@@ -7542,7 +7539,7 @@
           <a:p>
             <a:pPr algn="ctr"/>
             <a:r>
-              <a:rPr lang="ko-KR" altLang="en-US" b="1" spc="-150" smtClean="0">
+              <a:rPr lang="ko-KR" altLang="en-US" b="1" spc="-150" dirty="0" smtClean="0">
                 <a:solidFill>
                   <a:srgbClr val="C00000"/>
                 </a:solidFill>
@@ -7550,11 +7547,11 @@
               <a:t>패키지 전문 </a:t>
             </a:r>
             <a:r>
-              <a:rPr lang="ko-KR" altLang="en-US" b="1" spc="-150" smtClean="0"/>
+              <a:rPr lang="ko-KR" altLang="en-US" b="1" spc="-150" dirty="0" smtClean="0"/>
               <a:t>여행사 웹 사이트</a:t>
             </a:r>
             <a:r>
-              <a:rPr lang="en-US" altLang="ko-KR" b="1" spc="-150" smtClean="0"/>
+              <a:rPr lang="en-US" altLang="ko-KR" b="1" spc="-150" dirty="0" smtClean="0"/>
               <a:t>.</a:t>
             </a:r>
           </a:p>
@@ -7568,7 +7565,7 @@
         </p:nvSpPr>
         <p:spPr>
           <a:xfrm>
-            <a:off x="2411760" y="1268760"/>
+            <a:off x="2411760" y="1124744"/>
             <a:ext cx="4320480" cy="584775"/>
           </a:xfrm>
           <a:prstGeom prst="rect">
@@ -7584,7 +7581,7 @@
           <a:p>
             <a:pPr algn="ctr"/>
             <a:r>
-              <a:rPr lang="en-US" altLang="ko-KR" sz="3200" b="1" spc="-150" smtClean="0">
+              <a:rPr lang="en-US" altLang="ko-KR" sz="3200" b="1" spc="-150" dirty="0" smtClean="0">
                 <a:solidFill>
                   <a:schemeClr val="tx2">
                     <a:lumMod val="75000"/>
@@ -7615,7 +7612,7 @@
         </p:nvCxnSpPr>
         <p:spPr>
           <a:xfrm>
-            <a:off x="2123728" y="1916832"/>
+            <a:off x="2123728" y="1772816"/>
             <a:ext cx="4824536" cy="0"/>
           </a:xfrm>
           <a:prstGeom prst="line">
@@ -7782,93 +7779,6 @@
       </p:sp>
       <p:sp>
         <p:nvSpPr>
-          <p:cNvPr id="22" name="TextBox 21"/>
-          <p:cNvSpPr txBox="1"/>
-          <p:nvPr/>
-        </p:nvSpPr>
-        <p:spPr>
-          <a:xfrm>
-            <a:off x="3707904" y="5013176"/>
-            <a:ext cx="1872208" cy="430887"/>
-          </a:xfrm>
-          <a:prstGeom prst="rect">
-            <a:avLst/>
-          </a:prstGeom>
-          <a:noFill/>
-        </p:spPr>
-        <p:txBody>
-          <a:bodyPr wrap="square" rtlCol="0">
-            <a:spAutoFit/>
-          </a:bodyPr>
-          <a:lstStyle/>
-          <a:p>
-            <a:pPr algn="ctr"/>
-            <a:r>
-              <a:rPr lang="ko-KR" altLang="en-US" sz="1100" dirty="0" err="1" smtClean="0">
-                <a:solidFill>
-                  <a:schemeClr val="bg1"/>
-                </a:solidFill>
-              </a:rPr>
-              <a:t>우클릭</a:t>
-            </a:r>
-            <a:r>
-              <a:rPr lang="ko-KR" altLang="en-US" sz="1100" dirty="0" smtClean="0">
-                <a:solidFill>
-                  <a:schemeClr val="bg1"/>
-                </a:solidFill>
-              </a:rPr>
-              <a:t> </a:t>
-            </a:r>
-            <a:r>
-              <a:rPr lang="ko-KR" altLang="en-US" sz="1100" dirty="0" err="1" smtClean="0">
-                <a:solidFill>
-                  <a:schemeClr val="bg1"/>
-                </a:solidFill>
-              </a:rPr>
-              <a:t>그림바꾸기로</a:t>
-            </a:r>
-            <a:r>
-              <a:rPr lang="ko-KR" altLang="en-US" sz="1100" dirty="0" smtClean="0">
-                <a:solidFill>
-                  <a:schemeClr val="bg1"/>
-                </a:solidFill>
-              </a:rPr>
-              <a:t> </a:t>
-            </a:r>
-            <a:endParaRPr lang="en-US" altLang="ko-KR" sz="1100" dirty="0" smtClean="0">
-              <a:solidFill>
-                <a:schemeClr val="bg1"/>
-              </a:solidFill>
-            </a:endParaRPr>
-          </a:p>
-          <a:p>
-            <a:pPr algn="ctr"/>
-            <a:r>
-              <a:rPr lang="ko-KR" altLang="en-US" sz="1100" dirty="0" err="1" smtClean="0">
-                <a:solidFill>
-                  <a:schemeClr val="bg1"/>
-                </a:solidFill>
-              </a:rPr>
-              <a:t>그림바꿔주세요</a:t>
-            </a:r>
-            <a:r>
-              <a:rPr lang="ko-KR" altLang="en-US" sz="1100" dirty="0" smtClean="0">
-                <a:solidFill>
-                  <a:schemeClr val="bg1"/>
-                </a:solidFill>
-              </a:rPr>
-              <a:t> </a:t>
-            </a:r>
-            <a:endParaRPr lang="ko-KR" altLang="en-US" sz="1100" dirty="0">
-              <a:solidFill>
-                <a:schemeClr val="bg1"/>
-              </a:solidFill>
-            </a:endParaRPr>
-          </a:p>
-        </p:txBody>
-      </p:sp>
-      <p:sp>
-        <p:nvSpPr>
           <p:cNvPr id="23" name="TextBox 22"/>
           <p:cNvSpPr txBox="1"/>
           <p:nvPr/>
@@ -7976,7 +7886,7 @@
         </p:blipFill>
         <p:spPr>
           <a:xfrm>
-            <a:off x="443439" y="3250591"/>
+            <a:off x="395536" y="3140968"/>
             <a:ext cx="4056553" cy="3271654"/>
           </a:xfrm>
           <a:prstGeom prst="rect">
@@ -8000,7 +7910,7 @@
         </p:blipFill>
         <p:spPr>
           <a:xfrm>
-            <a:off x="4707796" y="3250592"/>
+            <a:off x="4644008" y="3140968"/>
             <a:ext cx="4130823" cy="3148710"/>
           </a:xfrm>
           <a:prstGeom prst="rect">
@@ -8016,7 +7926,7 @@
         </p:nvSpPr>
         <p:spPr>
           <a:xfrm>
-            <a:off x="-21177" y="2797881"/>
+            <a:off x="-108520" y="2564904"/>
             <a:ext cx="2264060" cy="369332"/>
           </a:xfrm>
           <a:prstGeom prst="rect">
@@ -8032,10 +7942,10 @@
           <a:p>
             <a:pPr algn="ctr"/>
             <a:r>
-              <a:rPr lang="ko-KR" altLang="en-US" b="1" spc="-150" smtClean="0"/>
+              <a:rPr lang="ko-KR" altLang="en-US" b="1" spc="-150" dirty="0" smtClean="0"/>
               <a:t>고객 페이지</a:t>
             </a:r>
-            <a:endParaRPr lang="en-US" altLang="ko-KR" b="1" spc="-150" smtClean="0"/>
+            <a:endParaRPr lang="en-US" altLang="ko-KR" b="1" spc="-150" dirty="0" smtClean="0"/>
           </a:p>
         </p:txBody>
       </p:sp>
@@ -8047,7 +7957,7 @@
         </p:nvSpPr>
         <p:spPr>
           <a:xfrm>
-            <a:off x="4323902" y="2791602"/>
+            <a:off x="4211960" y="2564904"/>
             <a:ext cx="2392868" cy="369332"/>
           </a:xfrm>
           <a:prstGeom prst="rect">
@@ -8470,14 +8380,14 @@
       </p:sp>
       <p:sp>
         <p:nvSpPr>
-          <p:cNvPr id="21" name="TextBox 20"/>
+          <p:cNvPr id="22" name="TextBox 21"/>
           <p:cNvSpPr txBox="1"/>
           <p:nvPr/>
         </p:nvSpPr>
         <p:spPr>
           <a:xfrm>
-            <a:off x="1115616" y="5013176"/>
-            <a:ext cx="1872208" cy="430887"/>
+            <a:off x="3707904" y="5013176"/>
+            <a:ext cx="1872208" cy="261610"/>
           </a:xfrm>
           <a:prstGeom prst="rect">
             <a:avLst/>
@@ -8492,147 +8402,12 @@
           <a:p>
             <a:pPr algn="ctr"/>
             <a:r>
-              <a:rPr lang="ko-KR" altLang="en-US" sz="1100" dirty="0" err="1" smtClean="0">
+              <a:rPr lang="ko-KR" altLang="en-US" sz="1100" dirty="0" smtClean="0">
                 <a:solidFill>
                   <a:schemeClr val="bg1"/>
                 </a:solidFill>
               </a:rPr>
-              <a:t>우클릭</a:t>
-            </a:r>
-            <a:r>
-              <a:rPr lang="ko-KR" altLang="en-US" sz="1100" dirty="0" smtClean="0">
-                <a:solidFill>
-                  <a:schemeClr val="bg1"/>
-                </a:solidFill>
-              </a:rPr>
-              <a:t> </a:t>
-            </a:r>
-            <a:r>
-              <a:rPr lang="ko-KR" altLang="en-US" sz="1100" dirty="0" err="1" smtClean="0">
-                <a:solidFill>
-                  <a:schemeClr val="bg1"/>
-                </a:solidFill>
-              </a:rPr>
-              <a:t>그림바꾸기로</a:t>
-            </a:r>
-            <a:r>
-              <a:rPr lang="ko-KR" altLang="en-US" sz="1100" dirty="0" smtClean="0">
-                <a:solidFill>
-                  <a:schemeClr val="bg1"/>
-                </a:solidFill>
-              </a:rPr>
-              <a:t> </a:t>
-            </a:r>
-            <a:endParaRPr lang="en-US" altLang="ko-KR" sz="1100" dirty="0" smtClean="0">
-              <a:solidFill>
-                <a:schemeClr val="bg1"/>
-              </a:solidFill>
-            </a:endParaRPr>
-          </a:p>
-          <a:p>
-            <a:pPr algn="ctr"/>
-            <a:r>
-              <a:rPr lang="ko-KR" altLang="en-US" sz="1100" dirty="0" err="1" smtClean="0">
-                <a:solidFill>
-                  <a:schemeClr val="bg1"/>
-                </a:solidFill>
-              </a:rPr>
-              <a:t>그림바꿔주세요</a:t>
-            </a:r>
-            <a:r>
-              <a:rPr lang="ko-KR" altLang="en-US" sz="1100" dirty="0" smtClean="0">
-                <a:solidFill>
-                  <a:schemeClr val="bg1"/>
-                </a:solidFill>
-              </a:rPr>
-              <a:t> </a:t>
-            </a:r>
-            <a:endParaRPr lang="ko-KR" altLang="en-US" sz="1100" dirty="0">
-              <a:solidFill>
-                <a:schemeClr val="bg1"/>
-              </a:solidFill>
-            </a:endParaRPr>
-          </a:p>
-        </p:txBody>
-      </p:sp>
-      <p:sp>
-        <p:nvSpPr>
-          <p:cNvPr id="22" name="TextBox 21"/>
-          <p:cNvSpPr txBox="1"/>
-          <p:nvPr/>
-        </p:nvSpPr>
-        <p:spPr>
-          <a:xfrm>
-            <a:off x="3707904" y="5013176"/>
-            <a:ext cx="1872208" cy="430887"/>
-          </a:xfrm>
-          <a:prstGeom prst="rect">
-            <a:avLst/>
-          </a:prstGeom>
-          <a:noFill/>
-        </p:spPr>
-        <p:txBody>
-          <a:bodyPr wrap="square" rtlCol="0">
-            <a:spAutoFit/>
-          </a:bodyPr>
-          <a:lstStyle/>
-          <a:p>
-            <a:pPr algn="ctr"/>
-            <a:r>
-              <a:rPr lang="ko-KR" altLang="en-US" sz="1100" dirty="0" err="1" smtClean="0">
-                <a:solidFill>
-                  <a:schemeClr val="bg1"/>
-                </a:solidFill>
-              </a:rPr>
-              <a:t>우클릭</a:t>
-            </a:r>
-            <a:r>
-              <a:rPr lang="ko-KR" altLang="en-US" sz="1100" dirty="0" smtClean="0">
-                <a:solidFill>
-                  <a:schemeClr val="bg1"/>
-                </a:solidFill>
-              </a:rPr>
-              <a:t> </a:t>
-            </a:r>
-            <a:r>
-              <a:rPr lang="ko-KR" altLang="en-US" sz="1100" dirty="0" err="1" smtClean="0">
-                <a:solidFill>
-                  <a:schemeClr val="bg1"/>
-                </a:solidFill>
-              </a:rPr>
-              <a:t>그림바꾸기로</a:t>
-            </a:r>
-            <a:r>
-              <a:rPr lang="ko-KR" altLang="en-US" sz="1100" dirty="0" smtClean="0">
-                <a:solidFill>
-                  <a:schemeClr val="bg1"/>
-                </a:solidFill>
-              </a:rPr>
-              <a:t> </a:t>
-            </a:r>
-            <a:endParaRPr lang="en-US" altLang="ko-KR" sz="1100" dirty="0" smtClean="0">
-              <a:solidFill>
-                <a:schemeClr val="bg1"/>
-              </a:solidFill>
-            </a:endParaRPr>
-          </a:p>
-          <a:p>
-            <a:pPr algn="ctr"/>
-            <a:r>
-              <a:rPr lang="ko-KR" altLang="en-US" sz="1100" dirty="0" err="1" smtClean="0">
-                <a:solidFill>
-                  <a:schemeClr val="bg1"/>
-                </a:solidFill>
-              </a:rPr>
-              <a:t>그림바꿔주세요</a:t>
-            </a:r>
-            <a:r>
-              <a:rPr lang="ko-KR" altLang="en-US" sz="1100" dirty="0" smtClean="0">
-                <a:solidFill>
-                  <a:schemeClr val="bg1"/>
-                </a:solidFill>
-              </a:rPr>
-              <a:t> </a:t>
+              <a:t>클릭</a:t>
             </a:r>
             <a:endParaRPr lang="ko-KR" altLang="en-US" sz="1100" dirty="0">
               <a:solidFill>
@@ -8753,7 +8528,7 @@
         <p:spPr bwMode="auto">
           <a:xfrm>
             <a:off x="1064270" y="4120473"/>
-            <a:ext cx="1263346" cy="1263346"/>
+            <a:ext cx="1154313" cy="1154313"/>
           </a:xfrm>
           <a:prstGeom prst="rect">
             <a:avLst/>
@@ -8827,8 +8602,8 @@
         </p:blipFill>
         <p:spPr>
           <a:xfrm>
-            <a:off x="4574600" y="4150185"/>
-            <a:ext cx="1190983" cy="839545"/>
+            <a:off x="4700692" y="4221088"/>
+            <a:ext cx="1239460" cy="862991"/>
           </a:xfrm>
           <a:prstGeom prst="rect">
             <a:avLst/>
@@ -8899,8 +8674,8 @@
         </p:blipFill>
         <p:spPr bwMode="auto">
           <a:xfrm>
-            <a:off x="5589289" y="3889700"/>
-            <a:ext cx="2817139" cy="1584640"/>
+            <a:off x="5900972" y="3908151"/>
+            <a:ext cx="2291573" cy="1609081"/>
           </a:xfrm>
           <a:prstGeom prst="rect">
             <a:avLst/>
@@ -8940,8 +8715,8 @@
         </p:blipFill>
         <p:spPr bwMode="auto">
           <a:xfrm>
-            <a:off x="2653930" y="4120473"/>
-            <a:ext cx="1457531" cy="752046"/>
+            <a:off x="2751731" y="4293096"/>
+            <a:ext cx="1477596" cy="762399"/>
           </a:xfrm>
           <a:prstGeom prst="rect">
             <a:avLst/>
@@ -8963,7 +8738,7 @@
           <p:cNvPr id="30" name="직사각형 29">
             <a:extLst>
               <a:ext uri="{FF2B5EF4-FFF2-40B4-BE49-F238E27FC236}">
-                <a16:creationId xmlns="" xmlns:a16="http://schemas.microsoft.com/office/drawing/2014/main" id="{3FA00699-5178-465A-9F3F-130CF1431F70}"/>
+                <a16:creationId xmlns:a16="http://schemas.microsoft.com/office/drawing/2014/main" xmlns="" id="{3FA00699-5178-465A-9F3F-130CF1431F70}"/>
               </a:ext>
             </a:extLst>
           </p:cNvPr>
@@ -9024,7 +8799,7 @@
           <p:cNvPr id="31" name="직사각형 30">
             <a:extLst>
               <a:ext uri="{FF2B5EF4-FFF2-40B4-BE49-F238E27FC236}">
-                <a16:creationId xmlns="" xmlns:a16="http://schemas.microsoft.com/office/drawing/2014/main" id="{3FA00699-5178-465A-9F3F-130CF1431F70}"/>
+                <a16:creationId xmlns:a16="http://schemas.microsoft.com/office/drawing/2014/main" xmlns="" id="{3FA00699-5178-465A-9F3F-130CF1431F70}"/>
               </a:ext>
             </a:extLst>
           </p:cNvPr>
@@ -9077,7 +8852,7 @@
           <p:cNvPr id="32" name="직사각형 31">
             <a:extLst>
               <a:ext uri="{FF2B5EF4-FFF2-40B4-BE49-F238E27FC236}">
-                <a16:creationId xmlns="" xmlns:a16="http://schemas.microsoft.com/office/drawing/2014/main" id="{3FA00699-5178-465A-9F3F-130CF1431F70}"/>
+                <a16:creationId xmlns:a16="http://schemas.microsoft.com/office/drawing/2014/main" xmlns="" id="{3FA00699-5178-465A-9F3F-130CF1431F70}"/>
               </a:ext>
             </a:extLst>
           </p:cNvPr>
@@ -9086,8 +8861,8 @@
         </p:nvSpPr>
         <p:spPr>
           <a:xfrm>
-            <a:off x="4520865" y="5283776"/>
-            <a:ext cx="1401283" cy="461665"/>
+            <a:off x="4610877" y="5283776"/>
+            <a:ext cx="1401283" cy="414024"/>
           </a:xfrm>
           <a:prstGeom prst="rect">
             <a:avLst/>
@@ -9131,6 +8906,16 @@
                 </a:solidFill>
               </a:rPr>
               <a:t>ERD</a:t>
+            </a:r>
+            <a:r>
+              <a:rPr lang="en-US" altLang="ko-KR" sz="1600" b="1" dirty="0" smtClean="0">
+                <a:solidFill>
+                  <a:srgbClr val="44546A">
+                    <a:lumMod val="75000"/>
+                  </a:srgbClr>
+                </a:solidFill>
+              </a:rPr>
+              <a:t> </a:t>
             </a:r>
             <a:endParaRPr lang="ko-KR" altLang="en-US" sz="1000" dirty="0">
               <a:solidFill>
@@ -9148,7 +8933,7 @@
           <p:cNvPr id="33" name="직사각형 32">
             <a:extLst>
               <a:ext uri="{FF2B5EF4-FFF2-40B4-BE49-F238E27FC236}">
-                <a16:creationId xmlns="" xmlns:a16="http://schemas.microsoft.com/office/drawing/2014/main" id="{3FA00699-5178-465A-9F3F-130CF1431F70}"/>
+                <a16:creationId xmlns:a16="http://schemas.microsoft.com/office/drawing/2014/main" xmlns="" id="{3FA00699-5178-465A-9F3F-130CF1431F70}"/>
               </a:ext>
             </a:extLst>
           </p:cNvPr>
@@ -9201,7 +8986,7 @@
           <p:cNvPr id="34" name="직사각형 33">
             <a:extLst>
               <a:ext uri="{FF2B5EF4-FFF2-40B4-BE49-F238E27FC236}">
-                <a16:creationId xmlns="" xmlns:a16="http://schemas.microsoft.com/office/drawing/2014/main" id="{3FA00699-5178-465A-9F3F-130CF1431F70}"/>
+                <a16:creationId xmlns:a16="http://schemas.microsoft.com/office/drawing/2014/main" xmlns="" id="{3FA00699-5178-465A-9F3F-130CF1431F70}"/>
               </a:ext>
             </a:extLst>
           </p:cNvPr>
@@ -9259,7 +9044,7 @@
           <p:cNvPr id="35" name="직사각형 34">
             <a:extLst>
               <a:ext uri="{FF2B5EF4-FFF2-40B4-BE49-F238E27FC236}">
-                <a16:creationId xmlns="" xmlns:a16="http://schemas.microsoft.com/office/drawing/2014/main" id="{3FA00699-5178-465A-9F3F-130CF1431F70}"/>
+                <a16:creationId xmlns:a16="http://schemas.microsoft.com/office/drawing/2014/main" xmlns="" id="{3FA00699-5178-465A-9F3F-130CF1431F70}"/>
               </a:ext>
             </a:extLst>
           </p:cNvPr>
@@ -9268,7 +9053,7 @@
         </p:nvSpPr>
         <p:spPr>
           <a:xfrm>
-            <a:off x="6292523" y="5282467"/>
+            <a:off x="6339069" y="5282467"/>
             <a:ext cx="1401283" cy="414024"/>
           </a:xfrm>
           <a:prstGeom prst="rect">
@@ -9296,6 +9081,17 @@
                 </a:solidFill>
               </a:rPr>
               <a:t>Git</a:t>
+            </a:r>
+            <a:r>
+              <a:rPr lang="en-US" altLang="ko-KR" sz="1600" b="1" dirty="0" smtClean="0">
+                <a:solidFill>
+                  <a:schemeClr val="tx1">
+                    <a:lumMod val="95000"/>
+                    <a:lumOff val="5000"/>
+                  </a:schemeClr>
+                </a:solidFill>
+              </a:rPr>
+              <a:t> </a:t>
             </a:r>
             <a:endParaRPr lang="ko-KR" altLang="en-US" sz="1000" dirty="0">
               <a:solidFill>
@@ -9337,7 +9133,7 @@
           <p:cNvPr id="36" name="직사각형 35">
             <a:extLst>
               <a:ext uri="{FF2B5EF4-FFF2-40B4-BE49-F238E27FC236}">
-                <a16:creationId xmlns="" xmlns:a16="http://schemas.microsoft.com/office/drawing/2014/main" id="{3FA00699-5178-465A-9F3F-130CF1431F70}"/>
+                <a16:creationId xmlns:a16="http://schemas.microsoft.com/office/drawing/2014/main" xmlns="" id="{3FA00699-5178-465A-9F3F-130CF1431F70}"/>
               </a:ext>
             </a:extLst>
           </p:cNvPr>
@@ -9414,7 +9210,7 @@
           <p:cNvPr id="37" name="직사각형 36">
             <a:extLst>
               <a:ext uri="{FF2B5EF4-FFF2-40B4-BE49-F238E27FC236}">
-                <a16:creationId xmlns="" xmlns:a16="http://schemas.microsoft.com/office/drawing/2014/main" id="{3FA00699-5178-465A-9F3F-130CF1431F70}"/>
+                <a16:creationId xmlns:a16="http://schemas.microsoft.com/office/drawing/2014/main" xmlns="" id="{3FA00699-5178-465A-9F3F-130CF1431F70}"/>
               </a:ext>
             </a:extLst>
           </p:cNvPr>
@@ -9804,321 +9600,336 @@
           </a:p>
         </p:txBody>
       </p:sp>
-      <p:sp>
-        <p:nvSpPr>
-          <p:cNvPr id="40" name="TextBox 39"/>
-          <p:cNvSpPr txBox="1"/>
-          <p:nvPr/>
-        </p:nvSpPr>
-        <p:spPr>
-          <a:xfrm>
-            <a:off x="5940152" y="3316342"/>
-            <a:ext cx="1305928" cy="369332"/>
-          </a:xfrm>
-          <a:prstGeom prst="rect">
-            <a:avLst/>
-          </a:prstGeom>
-          <a:solidFill>
-            <a:schemeClr val="bg2"/>
-          </a:solidFill>
-        </p:spPr>
-        <p:txBody>
-          <a:bodyPr wrap="square" rtlCol="0">
-            <a:spAutoFit/>
-          </a:bodyPr>
-          <a:lstStyle/>
-          <a:p>
-            <a:pPr algn="ctr"/>
-            <a:r>
-              <a:rPr lang="ko-KR" altLang="en-US" b="1" spc="-150" smtClean="0">
+      <p:grpSp>
+        <p:nvGrpSpPr>
+          <p:cNvPr id="4" name="그룹 3"/>
+          <p:cNvGrpSpPr/>
+          <p:nvPr/>
+        </p:nvGrpSpPr>
+        <p:grpSpPr>
+          <a:xfrm>
+            <a:off x="1401937" y="2295311"/>
+            <a:ext cx="6378042" cy="2627417"/>
+            <a:chOff x="868038" y="2131376"/>
+            <a:chExt cx="6378042" cy="2627417"/>
+          </a:xfrm>
+        </p:grpSpPr>
+        <p:sp>
+          <p:nvSpPr>
+            <p:cNvPr id="40" name="TextBox 39"/>
+            <p:cNvSpPr txBox="1"/>
+            <p:nvPr/>
+          </p:nvSpPr>
+          <p:spPr>
+            <a:xfrm>
+              <a:off x="5940152" y="3316342"/>
+              <a:ext cx="1305928" cy="369332"/>
+            </a:xfrm>
+            <a:prstGeom prst="rect">
+              <a:avLst/>
+            </a:prstGeom>
+            <a:solidFill>
+              <a:schemeClr val="bg2"/>
+            </a:solidFill>
+          </p:spPr>
+          <p:txBody>
+            <a:bodyPr wrap="square" rtlCol="0">
+              <a:spAutoFit/>
+            </a:bodyPr>
+            <a:lstStyle/>
+            <a:p>
+              <a:pPr algn="ctr"/>
+              <a:r>
+                <a:rPr lang="ko-KR" altLang="en-US" b="1" spc="-150" smtClean="0">
+                  <a:solidFill>
+                    <a:schemeClr val="tx1">
+                      <a:lumMod val="75000"/>
+                      <a:lumOff val="25000"/>
+                    </a:schemeClr>
+                  </a:solidFill>
+                </a:rPr>
+                <a:t>상품</a:t>
+              </a:r>
+              <a:endParaRPr lang="ko-KR" altLang="en-US" b="1" spc="-150" dirty="0">
                 <a:solidFill>
                   <a:schemeClr val="tx1">
                     <a:lumMod val="75000"/>
                     <a:lumOff val="25000"/>
                   </a:schemeClr>
                 </a:solidFill>
-              </a:rPr>
-              <a:t>상품</a:t>
-            </a:r>
-            <a:endParaRPr lang="ko-KR" altLang="en-US" b="1" spc="-150" dirty="0">
-              <a:solidFill>
-                <a:schemeClr val="tx1">
-                  <a:lumMod val="75000"/>
-                  <a:lumOff val="25000"/>
-                </a:schemeClr>
-              </a:solidFill>
-            </a:endParaRPr>
-          </a:p>
-        </p:txBody>
-      </p:sp>
-      <p:sp>
-        <p:nvSpPr>
-          <p:cNvPr id="77" name="TextBox 76"/>
-          <p:cNvSpPr txBox="1"/>
-          <p:nvPr/>
-        </p:nvSpPr>
-        <p:spPr>
-          <a:xfrm>
-            <a:off x="868038" y="2131376"/>
-            <a:ext cx="1505346" cy="369332"/>
-          </a:xfrm>
-          <a:prstGeom prst="rect">
-            <a:avLst/>
-          </a:prstGeom>
-          <a:solidFill>
-            <a:schemeClr val="accent5">
-              <a:lumMod val="40000"/>
-              <a:lumOff val="60000"/>
-            </a:schemeClr>
-          </a:solidFill>
-        </p:spPr>
-        <p:txBody>
-          <a:bodyPr wrap="square" rtlCol="0">
-            <a:spAutoFit/>
-          </a:bodyPr>
-          <a:lstStyle/>
-          <a:p>
-            <a:pPr algn="ctr"/>
-            <a:r>
-              <a:rPr lang="ko-KR" altLang="en-US" b="1" spc="-150" smtClean="0">
+              </a:endParaRPr>
+            </a:p>
+          </p:txBody>
+        </p:sp>
+        <p:sp>
+          <p:nvSpPr>
+            <p:cNvPr id="77" name="TextBox 76"/>
+            <p:cNvSpPr txBox="1"/>
+            <p:nvPr/>
+          </p:nvSpPr>
+          <p:spPr>
+            <a:xfrm>
+              <a:off x="868038" y="2131376"/>
+              <a:ext cx="1505346" cy="369332"/>
+            </a:xfrm>
+            <a:prstGeom prst="rect">
+              <a:avLst/>
+            </a:prstGeom>
+            <a:solidFill>
+              <a:schemeClr val="accent5">
+                <a:lumMod val="40000"/>
+                <a:lumOff val="60000"/>
+              </a:schemeClr>
+            </a:solidFill>
+          </p:spPr>
+          <p:txBody>
+            <a:bodyPr wrap="square" rtlCol="0">
+              <a:spAutoFit/>
+            </a:bodyPr>
+            <a:lstStyle/>
+            <a:p>
+              <a:pPr algn="ctr"/>
+              <a:r>
+                <a:rPr lang="ko-KR" altLang="en-US" b="1" spc="-150" dirty="0" smtClean="0">
+                  <a:solidFill>
+                    <a:schemeClr val="tx1">
+                      <a:lumMod val="75000"/>
+                      <a:lumOff val="25000"/>
+                    </a:schemeClr>
+                  </a:solidFill>
+                </a:rPr>
+                <a:t>항공</a:t>
+              </a:r>
+              <a:endParaRPr lang="ko-KR" altLang="en-US" b="1" spc="-150" dirty="0">
                 <a:solidFill>
                   <a:schemeClr val="tx1">
                     <a:lumMod val="75000"/>
                     <a:lumOff val="25000"/>
                   </a:schemeClr>
                 </a:solidFill>
-              </a:rPr>
-              <a:t>항공</a:t>
-            </a:r>
-            <a:endParaRPr lang="ko-KR" altLang="en-US" b="1" spc="-150" dirty="0">
-              <a:solidFill>
-                <a:schemeClr val="tx1">
-                  <a:lumMod val="75000"/>
-                  <a:lumOff val="25000"/>
-                </a:schemeClr>
-              </a:solidFill>
-            </a:endParaRPr>
-          </a:p>
-        </p:txBody>
-      </p:sp>
-      <p:cxnSp>
-        <p:nvCxnSpPr>
-          <p:cNvPr id="78" name="직선 화살표 연결선 77"/>
-          <p:cNvCxnSpPr/>
-          <p:nvPr/>
-        </p:nvCxnSpPr>
-        <p:spPr>
-          <a:xfrm flipV="1">
-            <a:off x="3059832" y="3497276"/>
-            <a:ext cx="2304256" cy="3732"/>
-          </a:xfrm>
-          <a:prstGeom prst="straightConnector1">
-            <a:avLst/>
-          </a:prstGeom>
-          <a:ln>
-            <a:tailEnd type="triangle"/>
-          </a:ln>
-        </p:spPr>
-        <p:style>
-          <a:lnRef idx="1">
-            <a:schemeClr val="accent1"/>
-          </a:lnRef>
-          <a:fillRef idx="0">
-            <a:schemeClr val="accent1"/>
-          </a:fillRef>
-          <a:effectRef idx="0">
-            <a:schemeClr val="accent1"/>
-          </a:effectRef>
-          <a:fontRef idx="minor">
-            <a:schemeClr val="tx1"/>
-          </a:fontRef>
-        </p:style>
-      </p:cxnSp>
-      <p:sp>
-        <p:nvSpPr>
-          <p:cNvPr id="79" name="TextBox 78"/>
-          <p:cNvSpPr txBox="1"/>
-          <p:nvPr/>
-        </p:nvSpPr>
-        <p:spPr>
-          <a:xfrm>
-            <a:off x="868038" y="3616290"/>
-            <a:ext cx="1505346" cy="369332"/>
-          </a:xfrm>
-          <a:prstGeom prst="rect">
-            <a:avLst/>
-          </a:prstGeom>
-          <a:solidFill>
-            <a:schemeClr val="accent5">
-              <a:lumMod val="40000"/>
-              <a:lumOff val="60000"/>
-            </a:schemeClr>
-          </a:solidFill>
-        </p:spPr>
-        <p:txBody>
-          <a:bodyPr wrap="square" rtlCol="0">
-            <a:spAutoFit/>
-          </a:bodyPr>
-          <a:lstStyle/>
-          <a:p>
-            <a:pPr algn="ctr"/>
-            <a:r>
-              <a:rPr lang="ko-KR" altLang="en-US" b="1" spc="-150" smtClean="0">
+              </a:endParaRPr>
+            </a:p>
+          </p:txBody>
+        </p:sp>
+        <p:cxnSp>
+          <p:nvCxnSpPr>
+            <p:cNvPr id="78" name="직선 화살표 연결선 77"/>
+            <p:cNvCxnSpPr/>
+            <p:nvPr/>
+          </p:nvCxnSpPr>
+          <p:spPr>
+            <a:xfrm flipV="1">
+              <a:off x="3059832" y="3497276"/>
+              <a:ext cx="2304256" cy="3732"/>
+            </a:xfrm>
+            <a:prstGeom prst="straightConnector1">
+              <a:avLst/>
+            </a:prstGeom>
+            <a:ln>
+              <a:tailEnd type="triangle"/>
+            </a:ln>
+          </p:spPr>
+          <p:style>
+            <a:lnRef idx="1">
+              <a:schemeClr val="accent1"/>
+            </a:lnRef>
+            <a:fillRef idx="0">
+              <a:schemeClr val="accent1"/>
+            </a:fillRef>
+            <a:effectRef idx="0">
+              <a:schemeClr val="accent1"/>
+            </a:effectRef>
+            <a:fontRef idx="minor">
+              <a:schemeClr val="tx1"/>
+            </a:fontRef>
+          </p:style>
+        </p:cxnSp>
+        <p:sp>
+          <p:nvSpPr>
+            <p:cNvPr id="79" name="TextBox 78"/>
+            <p:cNvSpPr txBox="1"/>
+            <p:nvPr/>
+          </p:nvSpPr>
+          <p:spPr>
+            <a:xfrm>
+              <a:off x="868038" y="3616290"/>
+              <a:ext cx="1505346" cy="369332"/>
+            </a:xfrm>
+            <a:prstGeom prst="rect">
+              <a:avLst/>
+            </a:prstGeom>
+            <a:solidFill>
+              <a:schemeClr val="accent5">
+                <a:lumMod val="40000"/>
+                <a:lumOff val="60000"/>
+              </a:schemeClr>
+            </a:solidFill>
+          </p:spPr>
+          <p:txBody>
+            <a:bodyPr wrap="square" rtlCol="0">
+              <a:spAutoFit/>
+            </a:bodyPr>
+            <a:lstStyle/>
+            <a:p>
+              <a:pPr algn="ctr"/>
+              <a:r>
+                <a:rPr lang="ko-KR" altLang="en-US" b="1" spc="-150" smtClean="0">
+                  <a:solidFill>
+                    <a:schemeClr val="tx1">
+                      <a:lumMod val="75000"/>
+                      <a:lumOff val="25000"/>
+                    </a:schemeClr>
+                  </a:solidFill>
+                </a:rPr>
+                <a:t>현지 투어</a:t>
+              </a:r>
+              <a:endParaRPr lang="ko-KR" altLang="en-US" b="1" spc="-150" dirty="0">
                 <a:solidFill>
                   <a:schemeClr val="tx1">
                     <a:lumMod val="75000"/>
                     <a:lumOff val="25000"/>
                   </a:schemeClr>
                 </a:solidFill>
-              </a:rPr>
-              <a:t>현지 투어</a:t>
-            </a:r>
-            <a:endParaRPr lang="ko-KR" altLang="en-US" b="1" spc="-150" dirty="0">
-              <a:solidFill>
-                <a:schemeClr val="tx1">
-                  <a:lumMod val="75000"/>
-                  <a:lumOff val="25000"/>
-                </a:schemeClr>
-              </a:solidFill>
-            </a:endParaRPr>
-          </a:p>
-        </p:txBody>
-      </p:sp>
-      <p:sp>
-        <p:nvSpPr>
-          <p:cNvPr id="80" name="TextBox 79"/>
-          <p:cNvSpPr txBox="1"/>
-          <p:nvPr/>
-        </p:nvSpPr>
-        <p:spPr>
-          <a:xfrm>
-            <a:off x="868038" y="2876214"/>
-            <a:ext cx="1505346" cy="369332"/>
-          </a:xfrm>
-          <a:prstGeom prst="rect">
-            <a:avLst/>
-          </a:prstGeom>
-          <a:solidFill>
-            <a:schemeClr val="accent5">
-              <a:lumMod val="40000"/>
-              <a:lumOff val="60000"/>
-            </a:schemeClr>
-          </a:solidFill>
-        </p:spPr>
-        <p:txBody>
-          <a:bodyPr wrap="square" rtlCol="0">
-            <a:spAutoFit/>
-          </a:bodyPr>
-          <a:lstStyle/>
-          <a:p>
-            <a:pPr algn="ctr"/>
-            <a:r>
-              <a:rPr lang="ko-KR" altLang="en-US" b="1" spc="-150" smtClean="0">
+              </a:endParaRPr>
+            </a:p>
+          </p:txBody>
+        </p:sp>
+        <p:sp>
+          <p:nvSpPr>
+            <p:cNvPr id="80" name="TextBox 79"/>
+            <p:cNvSpPr txBox="1"/>
+            <p:nvPr/>
+          </p:nvSpPr>
+          <p:spPr>
+            <a:xfrm>
+              <a:off x="868038" y="2876214"/>
+              <a:ext cx="1505346" cy="369332"/>
+            </a:xfrm>
+            <a:prstGeom prst="rect">
+              <a:avLst/>
+            </a:prstGeom>
+            <a:solidFill>
+              <a:schemeClr val="accent5">
+                <a:lumMod val="40000"/>
+                <a:lumOff val="60000"/>
+              </a:schemeClr>
+            </a:solidFill>
+          </p:spPr>
+          <p:txBody>
+            <a:bodyPr wrap="square" rtlCol="0">
+              <a:spAutoFit/>
+            </a:bodyPr>
+            <a:lstStyle/>
+            <a:p>
+              <a:pPr algn="ctr"/>
+              <a:r>
+                <a:rPr lang="ko-KR" altLang="en-US" b="1" spc="-150" smtClean="0">
+                  <a:solidFill>
+                    <a:schemeClr val="tx1">
+                      <a:lumMod val="75000"/>
+                      <a:lumOff val="25000"/>
+                    </a:schemeClr>
+                  </a:solidFill>
+                </a:rPr>
+                <a:t>호텔</a:t>
+              </a:r>
+              <a:endParaRPr lang="ko-KR" altLang="en-US" b="1" spc="-150" dirty="0">
                 <a:solidFill>
                   <a:schemeClr val="tx1">
                     <a:lumMod val="75000"/>
                     <a:lumOff val="25000"/>
                   </a:schemeClr>
                 </a:solidFill>
-              </a:rPr>
-              <a:t>호텔</a:t>
-            </a:r>
-            <a:endParaRPr lang="ko-KR" altLang="en-US" b="1" spc="-150" dirty="0">
-              <a:solidFill>
-                <a:schemeClr val="tx1">
-                  <a:lumMod val="75000"/>
-                  <a:lumOff val="25000"/>
-                </a:schemeClr>
-              </a:solidFill>
-            </a:endParaRPr>
-          </a:p>
-        </p:txBody>
-      </p:sp>
-      <p:sp>
-        <p:nvSpPr>
-          <p:cNvPr id="81" name="TextBox 80"/>
-          <p:cNvSpPr txBox="1"/>
-          <p:nvPr/>
-        </p:nvSpPr>
-        <p:spPr>
-          <a:xfrm>
-            <a:off x="868038" y="4389461"/>
-            <a:ext cx="1505346" cy="369332"/>
-          </a:xfrm>
-          <a:prstGeom prst="rect">
-            <a:avLst/>
-          </a:prstGeom>
-          <a:solidFill>
-            <a:schemeClr val="accent5">
-              <a:lumMod val="40000"/>
-              <a:lumOff val="60000"/>
-            </a:schemeClr>
-          </a:solidFill>
-        </p:spPr>
-        <p:txBody>
-          <a:bodyPr wrap="square" rtlCol="0">
-            <a:spAutoFit/>
-          </a:bodyPr>
-          <a:lstStyle/>
-          <a:p>
-            <a:pPr algn="ctr"/>
-            <a:r>
-              <a:rPr lang="ko-KR" altLang="en-US" b="1" spc="-150" smtClean="0">
+              </a:endParaRPr>
+            </a:p>
+          </p:txBody>
+        </p:sp>
+        <p:sp>
+          <p:nvSpPr>
+            <p:cNvPr id="81" name="TextBox 80"/>
+            <p:cNvSpPr txBox="1"/>
+            <p:nvPr/>
+          </p:nvSpPr>
+          <p:spPr>
+            <a:xfrm>
+              <a:off x="868038" y="4389461"/>
+              <a:ext cx="1505346" cy="369332"/>
+            </a:xfrm>
+            <a:prstGeom prst="rect">
+              <a:avLst/>
+            </a:prstGeom>
+            <a:solidFill>
+              <a:schemeClr val="accent5">
+                <a:lumMod val="40000"/>
+                <a:lumOff val="60000"/>
+              </a:schemeClr>
+            </a:solidFill>
+          </p:spPr>
+          <p:txBody>
+            <a:bodyPr wrap="square" rtlCol="0">
+              <a:spAutoFit/>
+            </a:bodyPr>
+            <a:lstStyle/>
+            <a:p>
+              <a:pPr algn="ctr"/>
+              <a:r>
+                <a:rPr lang="ko-KR" altLang="en-US" b="1" spc="-150" smtClean="0">
+                  <a:solidFill>
+                    <a:schemeClr val="tx1">
+                      <a:lumMod val="75000"/>
+                      <a:lumOff val="25000"/>
+                    </a:schemeClr>
+                  </a:solidFill>
+                </a:rPr>
+                <a:t>렌터카</a:t>
+              </a:r>
+              <a:endParaRPr lang="ko-KR" altLang="en-US" b="1" spc="-150" dirty="0">
                 <a:solidFill>
                   <a:schemeClr val="tx1">
                     <a:lumMod val="75000"/>
                     <a:lumOff val="25000"/>
                   </a:schemeClr>
                 </a:solidFill>
-              </a:rPr>
-              <a:t>렌터카</a:t>
-            </a:r>
-            <a:endParaRPr lang="ko-KR" altLang="en-US" b="1" spc="-150" dirty="0">
-              <a:solidFill>
-                <a:schemeClr val="tx1">
-                  <a:lumMod val="75000"/>
-                  <a:lumOff val="25000"/>
-                </a:schemeClr>
-              </a:solidFill>
-            </a:endParaRPr>
-          </a:p>
-        </p:txBody>
-      </p:sp>
-      <p:sp>
-        <p:nvSpPr>
-          <p:cNvPr id="48" name="TextBox 47"/>
-          <p:cNvSpPr txBox="1"/>
-          <p:nvPr/>
-        </p:nvSpPr>
-        <p:spPr>
-          <a:xfrm>
-            <a:off x="3305933" y="3127944"/>
-            <a:ext cx="1944216" cy="369332"/>
-          </a:xfrm>
-          <a:prstGeom prst="rect">
-            <a:avLst/>
-          </a:prstGeom>
-          <a:noFill/>
-        </p:spPr>
-        <p:txBody>
-          <a:bodyPr wrap="square" rtlCol="0">
-            <a:spAutoFit/>
-          </a:bodyPr>
-          <a:lstStyle/>
-          <a:p>
-            <a:pPr algn="ctr"/>
-            <a:r>
-              <a:rPr lang="ko-KR" altLang="en-US" b="1" spc="-150" smtClean="0">
-                <a:solidFill>
-                  <a:srgbClr val="C00000"/>
-                </a:solidFill>
-              </a:rPr>
-              <a:t>패키지 </a:t>
-            </a:r>
-            <a:endParaRPr lang="en-US" altLang="ko-KR" b="1" spc="-150" smtClean="0"/>
-          </a:p>
-        </p:txBody>
-      </p:sp>
+              </a:endParaRPr>
+            </a:p>
+          </p:txBody>
+        </p:sp>
+        <p:sp>
+          <p:nvSpPr>
+            <p:cNvPr id="48" name="TextBox 47"/>
+            <p:cNvSpPr txBox="1"/>
+            <p:nvPr/>
+          </p:nvSpPr>
+          <p:spPr>
+            <a:xfrm>
+              <a:off x="3305933" y="3127944"/>
+              <a:ext cx="1944216" cy="369332"/>
+            </a:xfrm>
+            <a:prstGeom prst="rect">
+              <a:avLst/>
+            </a:prstGeom>
+            <a:noFill/>
+          </p:spPr>
+          <p:txBody>
+            <a:bodyPr wrap="square" rtlCol="0">
+              <a:spAutoFit/>
+            </a:bodyPr>
+            <a:lstStyle/>
+            <a:p>
+              <a:pPr algn="ctr"/>
+              <a:r>
+                <a:rPr lang="ko-KR" altLang="en-US" b="1" spc="-150" smtClean="0">
+                  <a:solidFill>
+                    <a:srgbClr val="C00000"/>
+                  </a:solidFill>
+                </a:rPr>
+                <a:t>패키지 </a:t>
+              </a:r>
+              <a:endParaRPr lang="en-US" altLang="ko-KR" b="1" spc="-150" smtClean="0"/>
+            </a:p>
+          </p:txBody>
+        </p:sp>
+      </p:grpSp>
       <p:sp>
         <p:nvSpPr>
           <p:cNvPr id="49" name="TextBox 48"/>
@@ -10830,7 +10641,11 @@
             <a:avLst/>
           </a:prstGeom>
           <a:ln>
-            <a:noFill/>
+            <a:solidFill>
+              <a:schemeClr val="accent1">
+                <a:lumMod val="75000"/>
+              </a:schemeClr>
+            </a:solidFill>
           </a:ln>
         </p:spPr>
         <p:style>
@@ -10893,7 +10708,11 @@
             <a:avLst/>
           </a:prstGeom>
           <a:ln>
-            <a:noFill/>
+            <a:solidFill>
+              <a:schemeClr val="accent1">
+                <a:lumMod val="75000"/>
+              </a:schemeClr>
+            </a:solidFill>
           </a:ln>
         </p:spPr>
         <p:style>
@@ -10948,7 +10767,11 @@
             <a:avLst/>
           </a:prstGeom>
           <a:ln>
-            <a:noFill/>
+            <a:solidFill>
+              <a:schemeClr val="accent1">
+                <a:lumMod val="75000"/>
+              </a:schemeClr>
+            </a:solidFill>
           </a:ln>
         </p:spPr>
         <p:style>
@@ -11003,7 +10826,11 @@
             <a:avLst/>
           </a:prstGeom>
           <a:ln>
-            <a:noFill/>
+            <a:solidFill>
+              <a:schemeClr val="accent1">
+                <a:lumMod val="75000"/>
+              </a:schemeClr>
+            </a:solidFill>
           </a:ln>
         </p:spPr>
         <p:style>
@@ -11058,7 +10885,11 @@
             <a:avLst/>
           </a:prstGeom>
           <a:ln>
-            <a:noFill/>
+            <a:solidFill>
+              <a:schemeClr val="accent1">
+                <a:lumMod val="75000"/>
+              </a:schemeClr>
+            </a:solidFill>
           </a:ln>
         </p:spPr>
         <p:style>
@@ -11116,7 +10947,11 @@
             <a:srgbClr val="FFC000"/>
           </a:solidFill>
           <a:ln>
-            <a:noFill/>
+            <a:solidFill>
+              <a:schemeClr val="bg2">
+                <a:lumMod val="50000"/>
+              </a:schemeClr>
+            </a:solidFill>
           </a:ln>
         </p:spPr>
         <p:style>
@@ -11199,7 +11034,11 @@
             <a:avLst/>
           </a:prstGeom>
           <a:ln>
-            <a:noFill/>
+            <a:solidFill>
+              <a:schemeClr val="accent1">
+                <a:lumMod val="75000"/>
+              </a:schemeClr>
+            </a:solidFill>
           </a:ln>
         </p:spPr>
         <p:style>
@@ -11254,7 +11093,11 @@
             <a:avLst/>
           </a:prstGeom>
           <a:ln>
-            <a:noFill/>
+            <a:solidFill>
+              <a:schemeClr val="accent1">
+                <a:lumMod val="75000"/>
+              </a:schemeClr>
+            </a:solidFill>
           </a:ln>
         </p:spPr>
         <p:style>
@@ -11312,7 +11155,11 @@
             <a:srgbClr val="FFC000"/>
           </a:solidFill>
           <a:ln>
-            <a:noFill/>
+            <a:solidFill>
+              <a:schemeClr val="bg2">
+                <a:lumMod val="50000"/>
+              </a:schemeClr>
+            </a:solidFill>
           </a:ln>
         </p:spPr>
         <p:style>
@@ -11395,7 +11242,11 @@
             <a:avLst/>
           </a:prstGeom>
           <a:ln>
-            <a:noFill/>
+            <a:solidFill>
+              <a:schemeClr val="accent1">
+                <a:lumMod val="75000"/>
+              </a:schemeClr>
+            </a:solidFill>
           </a:ln>
         </p:spPr>
         <p:style>
@@ -11450,7 +11301,11 @@
             <a:avLst/>
           </a:prstGeom>
           <a:ln>
-            <a:noFill/>
+            <a:solidFill>
+              <a:schemeClr val="accent1">
+                <a:lumMod val="75000"/>
+              </a:schemeClr>
+            </a:solidFill>
           </a:ln>
         </p:spPr>
         <p:style>
@@ -11505,7 +11360,11 @@
             <a:avLst/>
           </a:prstGeom>
           <a:ln>
-            <a:noFill/>
+            <a:solidFill>
+              <a:schemeClr val="accent1">
+                <a:lumMod val="75000"/>
+              </a:schemeClr>
+            </a:solidFill>
           </a:ln>
         </p:spPr>
         <p:style>
@@ -11560,7 +11419,11 @@
             <a:avLst/>
           </a:prstGeom>
           <a:ln>
-            <a:noFill/>
+            <a:solidFill>
+              <a:schemeClr val="accent1">
+                <a:lumMod val="75000"/>
+              </a:schemeClr>
+            </a:solidFill>
           </a:ln>
         </p:spPr>
         <p:style>
@@ -11608,7 +11471,7 @@
         </p:nvSpPr>
         <p:spPr>
           <a:xfrm>
-            <a:off x="4675239" y="2068152"/>
+            <a:off x="4690446" y="2068152"/>
             <a:ext cx="1177698" cy="253045"/>
           </a:xfrm>
           <a:prstGeom prst="rect">
@@ -11618,7 +11481,11 @@
             <a:srgbClr val="FFC000"/>
           </a:solidFill>
           <a:ln>
-            <a:noFill/>
+            <a:solidFill>
+              <a:schemeClr val="bg2">
+                <a:lumMod val="50000"/>
+              </a:schemeClr>
+            </a:solidFill>
           </a:ln>
         </p:spPr>
         <p:style>
@@ -11699,7 +11566,7 @@
         </p:nvSpPr>
         <p:spPr>
           <a:xfrm>
-            <a:off x="4644008" y="2661595"/>
+            <a:off x="4690446" y="2661595"/>
             <a:ext cx="1177698" cy="253045"/>
           </a:xfrm>
           <a:prstGeom prst="rect">
@@ -11709,7 +11576,11 @@
             <a:srgbClr val="FFC000"/>
           </a:solidFill>
           <a:ln>
-            <a:noFill/>
+            <a:solidFill>
+              <a:schemeClr val="bg2">
+                <a:lumMod val="50000"/>
+              </a:schemeClr>
+            </a:solidFill>
           </a:ln>
         </p:spPr>
         <p:style>
@@ -11786,7 +11657,7 @@
         </p:nvSpPr>
         <p:spPr>
           <a:xfrm>
-            <a:off x="4644008" y="3237297"/>
+            <a:off x="4690446" y="3237297"/>
             <a:ext cx="1177698" cy="253045"/>
           </a:xfrm>
           <a:prstGeom prst="rect">
@@ -11796,7 +11667,11 @@
             <a:srgbClr val="FFC000"/>
           </a:solidFill>
           <a:ln>
-            <a:noFill/>
+            <a:solidFill>
+              <a:schemeClr val="bg2">
+                <a:lumMod val="50000"/>
+              </a:schemeClr>
+            </a:solidFill>
           </a:ln>
         </p:spPr>
         <p:style>
@@ -11874,7 +11749,7 @@
         </p:nvSpPr>
         <p:spPr>
           <a:xfrm>
-            <a:off x="4675239" y="3816649"/>
+            <a:off x="4690446" y="3816649"/>
             <a:ext cx="1177698" cy="253045"/>
           </a:xfrm>
           <a:prstGeom prst="rect">
@@ -11884,7 +11759,11 @@
             <a:srgbClr val="FFC000"/>
           </a:solidFill>
           <a:ln>
-            <a:noFill/>
+            <a:solidFill>
+              <a:schemeClr val="bg2">
+                <a:lumMod val="50000"/>
+              </a:schemeClr>
+            </a:solidFill>
           </a:ln>
         </p:spPr>
         <p:style>
@@ -11909,7 +11788,7 @@
           <a:p>
             <a:pPr algn="ctr"/>
             <a:r>
-              <a:rPr lang="ko-KR" altLang="en-US" sz="1400" b="1">
+              <a:rPr lang="ko-KR" altLang="en-US" sz="1400" b="1" dirty="0">
                 <a:solidFill>
                   <a:schemeClr val="tx1">
                     <a:lumMod val="65000"/>
@@ -11920,7 +11799,7 @@
               <a:t>상품</a:t>
             </a:r>
             <a:r>
-              <a:rPr lang="en-US" altLang="ko-KR" sz="1400" b="1" smtClean="0">
+              <a:rPr lang="en-US" altLang="ko-KR" sz="1400" b="1" dirty="0" smtClean="0">
                 <a:solidFill>
                   <a:schemeClr val="tx1">
                     <a:lumMod val="65000"/>
@@ -11932,7 +11811,7 @@
               <a:t>/</a:t>
             </a:r>
             <a:r>
-              <a:rPr lang="ko-KR" altLang="en-US" sz="1400" b="1" smtClean="0">
+              <a:rPr lang="ko-KR" altLang="en-US" sz="1400" b="1" dirty="0" err="1" smtClean="0">
                 <a:solidFill>
                   <a:schemeClr val="tx1">
                     <a:lumMod val="65000"/>
@@ -11942,7 +11821,7 @@
               </a:rPr>
               <a:t>렌트카</a:t>
             </a:r>
-            <a:endParaRPr lang="ko-KR" altLang="en-US" sz="1400" b="1">
+            <a:endParaRPr lang="ko-KR" altLang="en-US" sz="1400" b="1" dirty="0">
               <a:solidFill>
                 <a:schemeClr val="tx1">
                   <a:lumMod val="65000"/>
@@ -11968,7 +11847,11 @@
             <a:avLst/>
           </a:prstGeom>
           <a:ln>
-            <a:noFill/>
+            <a:solidFill>
+              <a:schemeClr val="accent1">
+                <a:lumMod val="75000"/>
+              </a:schemeClr>
+            </a:solidFill>
           </a:ln>
         </p:spPr>
         <p:style>
@@ -12023,7 +11906,11 @@
             <a:avLst/>
           </a:prstGeom>
           <a:ln>
-            <a:noFill/>
+            <a:solidFill>
+              <a:schemeClr val="accent1">
+                <a:lumMod val="75000"/>
+              </a:schemeClr>
+            </a:solidFill>
           </a:ln>
         </p:spPr>
         <p:style>
@@ -12078,7 +11965,11 @@
             <a:avLst/>
           </a:prstGeom>
           <a:ln>
-            <a:noFill/>
+            <a:solidFill>
+              <a:schemeClr val="accent1">
+                <a:lumMod val="75000"/>
+              </a:schemeClr>
+            </a:solidFill>
           </a:ln>
         </p:spPr>
         <p:style>
@@ -12133,7 +12024,11 @@
             <a:avLst/>
           </a:prstGeom>
           <a:ln>
-            <a:noFill/>
+            <a:solidFill>
+              <a:schemeClr val="accent1">
+                <a:lumMod val="75000"/>
+              </a:schemeClr>
+            </a:solidFill>
           </a:ln>
         </p:spPr>
         <p:style>
@@ -12188,7 +12083,11 @@
             <a:avLst/>
           </a:prstGeom>
           <a:ln>
-            <a:noFill/>
+            <a:solidFill>
+              <a:schemeClr val="accent1">
+                <a:lumMod val="75000"/>
+              </a:schemeClr>
+            </a:solidFill>
           </a:ln>
         </p:spPr>
         <p:style>
@@ -12243,7 +12142,11 @@
             <a:avLst/>
           </a:prstGeom>
           <a:ln>
-            <a:noFill/>
+            <a:solidFill>
+              <a:schemeClr val="accent1">
+                <a:lumMod val="75000"/>
+              </a:schemeClr>
+            </a:solidFill>
           </a:ln>
         </p:spPr>
         <p:style>
@@ -12749,7 +12652,7 @@
         </p:nvSpPr>
         <p:spPr>
           <a:xfrm>
-            <a:off x="467544" y="670622"/>
+            <a:off x="395536" y="683404"/>
             <a:ext cx="1550314" cy="369332"/>
           </a:xfrm>
           <a:prstGeom prst="rect">
@@ -12799,7 +12702,7 @@
         </p:nvSpPr>
         <p:spPr>
           <a:xfrm>
-            <a:off x="479007" y="2139346"/>
+            <a:off x="479007" y="2060848"/>
             <a:ext cx="1932753" cy="369332"/>
           </a:xfrm>
           <a:prstGeom prst="rect">
@@ -12814,7 +12717,7 @@
           <a:lstStyle/>
           <a:p>
             <a:r>
-              <a:rPr lang="en-US" altLang="ko-KR" b="1" spc="-150" smtClean="0">
+              <a:rPr lang="en-US" altLang="ko-KR" b="1" spc="-150" dirty="0" smtClean="0">
                 <a:solidFill>
                   <a:schemeClr val="tx1">
                     <a:lumMod val="75000"/>
@@ -12822,21 +12725,10 @@
                   </a:schemeClr>
                 </a:solidFill>
               </a:rPr>
-              <a:t>1</a:t>
-            </a:r>
-            <a:r>
-              <a:rPr lang="en-US" altLang="ko-KR" b="1" spc="-150" smtClean="0">
-                <a:solidFill>
-                  <a:schemeClr val="tx1">
-                    <a:lumMod val="75000"/>
-                    <a:lumOff val="25000"/>
-                  </a:schemeClr>
-                </a:solidFill>
-              </a:rPr>
-              <a:t>. </a:t>
-            </a:r>
-            <a:r>
-              <a:rPr lang="ko-KR" altLang="en-US" b="1" spc="-150" smtClean="0">
+              <a:t>1. </a:t>
+            </a:r>
+            <a:r>
+              <a:rPr lang="ko-KR" altLang="en-US" b="1" spc="-150" dirty="0" smtClean="0">
                 <a:solidFill>
                   <a:schemeClr val="tx1">
                     <a:lumMod val="75000"/>
@@ -12865,7 +12757,7 @@
         </p:nvSpPr>
         <p:spPr>
           <a:xfrm>
-            <a:off x="479007" y="2520730"/>
+            <a:off x="467544" y="2520730"/>
             <a:ext cx="1932753" cy="369332"/>
           </a:xfrm>
           <a:prstGeom prst="rect">
@@ -12880,15 +12772,15 @@
           <a:lstStyle/>
           <a:p>
             <a:r>
-              <a:rPr lang="en-US" altLang="ko-KR" b="1" spc="-150">
+              <a:rPr lang="en-US" altLang="ko-KR" b="1" spc="-150" dirty="0" smtClean="0">
                 <a:solidFill>
                   <a:srgbClr val="C00000"/>
                 </a:solidFill>
               </a:rPr>
-              <a:t>2</a:t>
-            </a:r>
-            <a:r>
-              <a:rPr lang="en-US" altLang="ko-KR" b="1" spc="-150" smtClean="0">
+              <a:t>    2</a:t>
+            </a:r>
+            <a:r>
+              <a:rPr lang="en-US" altLang="ko-KR" b="1" spc="-150" dirty="0" smtClean="0">
                 <a:solidFill>
                   <a:srgbClr val="C00000"/>
                 </a:solidFill>
@@ -12896,7 +12788,7 @@
               <a:t>. </a:t>
             </a:r>
             <a:r>
-              <a:rPr lang="ko-KR" altLang="en-US" b="1" spc="-150" smtClean="0">
+              <a:rPr lang="ko-KR" altLang="en-US" b="1" spc="-150" dirty="0" smtClean="0">
                 <a:solidFill>
                   <a:srgbClr val="C00000"/>
                 </a:solidFill>
@@ -12919,7 +12811,7 @@
         </p:nvSpPr>
         <p:spPr>
           <a:xfrm>
-            <a:off x="462911" y="2900042"/>
+            <a:off x="479007" y="2987660"/>
             <a:ext cx="1932753" cy="369332"/>
           </a:xfrm>
           <a:prstGeom prst="rect">
@@ -12934,7 +12826,7 @@
           <a:lstStyle/>
           <a:p>
             <a:r>
-              <a:rPr lang="en-US" altLang="ko-KR" b="1" spc="-150" smtClean="0">
+              <a:rPr lang="en-US" altLang="ko-KR" b="1" spc="-150" dirty="0" smtClean="0">
                 <a:solidFill>
                   <a:schemeClr val="tx1">
                     <a:lumMod val="75000"/>
@@ -12945,7 +12837,7 @@
               <a:t>3. </a:t>
             </a:r>
             <a:r>
-              <a:rPr lang="ko-KR" altLang="en-US" b="1" spc="-150" smtClean="0">
+              <a:rPr lang="ko-KR" altLang="en-US" b="1" spc="-150" dirty="0" smtClean="0">
                 <a:solidFill>
                   <a:schemeClr val="tx1">
                     <a:lumMod val="75000"/>
@@ -12974,7 +12866,7 @@
         </p:nvSpPr>
         <p:spPr>
           <a:xfrm>
-            <a:off x="454203" y="3733142"/>
+            <a:off x="479007" y="3851756"/>
             <a:ext cx="1932753" cy="369332"/>
           </a:xfrm>
           <a:prstGeom prst="rect">
@@ -13040,7 +12932,7 @@
         </p:nvSpPr>
         <p:spPr>
           <a:xfrm>
-            <a:off x="456940" y="3319308"/>
+            <a:off x="479007" y="3419708"/>
             <a:ext cx="1932753" cy="369332"/>
           </a:xfrm>
           <a:prstGeom prst="rect">
@@ -13055,7 +12947,7 @@
           <a:lstStyle/>
           <a:p>
             <a:r>
-              <a:rPr lang="en-US" altLang="ko-KR" b="1" spc="-150">
+              <a:rPr lang="en-US" altLang="ko-KR" b="1" spc="-150" dirty="0">
                 <a:solidFill>
                   <a:schemeClr val="tx1">
                     <a:lumMod val="75000"/>
@@ -13066,7 +12958,7 @@
               <a:t>4</a:t>
             </a:r>
             <a:r>
-              <a:rPr lang="en-US" altLang="ko-KR" b="1" spc="-150" smtClean="0">
+              <a:rPr lang="en-US" altLang="ko-KR" b="1" spc="-150" dirty="0" smtClean="0">
                 <a:solidFill>
                   <a:schemeClr val="tx1">
                     <a:lumMod val="75000"/>
@@ -13077,7 +12969,7 @@
               <a:t>. </a:t>
             </a:r>
             <a:r>
-              <a:rPr lang="ko-KR" altLang="en-US" b="1" spc="-150" smtClean="0">
+              <a:rPr lang="ko-KR" altLang="en-US" b="1" spc="-150" dirty="0" smtClean="0">
                 <a:solidFill>
                   <a:schemeClr val="tx1">
                     <a:lumMod val="75000"/>
@@ -13106,7 +12998,7 @@
         </p:nvSpPr>
         <p:spPr>
           <a:xfrm>
-            <a:off x="454203" y="4146080"/>
+            <a:off x="479007" y="4283804"/>
             <a:ext cx="1932753" cy="369332"/>
           </a:xfrm>
           <a:prstGeom prst="rect">
@@ -13172,7 +13064,7 @@
         </p:nvSpPr>
         <p:spPr>
           <a:xfrm>
-            <a:off x="1823049" y="812215"/>
+            <a:off x="1873842" y="899428"/>
             <a:ext cx="1402014" cy="369332"/>
           </a:xfrm>
           <a:prstGeom prst="rect">
@@ -13222,7 +13114,7 @@
         </p:nvSpPr>
         <p:spPr>
           <a:xfrm>
-            <a:off x="3107036" y="1501194"/>
+            <a:off x="3208988" y="1412776"/>
             <a:ext cx="5467468" cy="4973628"/>
           </a:xfrm>
           <a:prstGeom prst="rect">
@@ -13265,7 +13157,7 @@
         </p:nvSpPr>
         <p:spPr>
           <a:xfrm>
-            <a:off x="5040251" y="1143950"/>
+            <a:off x="5159527" y="1052736"/>
             <a:ext cx="1932753" cy="369332"/>
           </a:xfrm>
           <a:prstGeom prst="rect">
@@ -13280,7 +13172,7 @@
           <a:lstStyle/>
           <a:p>
             <a:r>
-              <a:rPr lang="en-US" altLang="ko-KR" b="1" spc="-150" smtClean="0">
+              <a:rPr lang="en-US" altLang="ko-KR" b="1" spc="-150" dirty="0" smtClean="0">
                 <a:solidFill>
                   <a:srgbClr val="C00000"/>
                 </a:solidFill>
@@ -13288,7 +13180,7 @@
               <a:t>* </a:t>
             </a:r>
             <a:r>
-              <a:rPr lang="ko-KR" altLang="en-US" b="1" spc="-150" smtClean="0">
+              <a:rPr lang="ko-KR" altLang="en-US" b="1" spc="-150" dirty="0" smtClean="0">
                 <a:solidFill>
                   <a:srgbClr val="C00000"/>
                 </a:solidFill>
@@ -13303,969 +13195,984 @@
           </a:p>
         </p:txBody>
       </p:sp>
-      <p:sp>
-        <p:nvSpPr>
-          <p:cNvPr id="47" name="TextBox 46"/>
-          <p:cNvSpPr txBox="1"/>
-          <p:nvPr/>
-        </p:nvSpPr>
-        <p:spPr>
-          <a:xfrm>
-            <a:off x="4596740" y="1706044"/>
-            <a:ext cx="2376264" cy="369332"/>
-          </a:xfrm>
-          <a:prstGeom prst="rect">
-            <a:avLst/>
-          </a:prstGeom>
-          <a:solidFill>
-            <a:schemeClr val="accent5">
-              <a:lumMod val="40000"/>
-              <a:lumOff val="60000"/>
-            </a:schemeClr>
-          </a:solidFill>
-        </p:spPr>
-        <p:txBody>
-          <a:bodyPr wrap="square" rtlCol="0">
-            <a:spAutoFit/>
-          </a:bodyPr>
-          <a:lstStyle/>
-          <a:p>
-            <a:pPr algn="ctr"/>
-            <a:r>
-              <a:rPr lang="ko-KR" altLang="en-US" b="1" spc="-150" smtClean="0">
+      <p:grpSp>
+        <p:nvGrpSpPr>
+          <p:cNvPr id="4" name="그룹 3"/>
+          <p:cNvGrpSpPr/>
+          <p:nvPr/>
+        </p:nvGrpSpPr>
+        <p:grpSpPr>
+          <a:xfrm>
+            <a:off x="3419872" y="1706044"/>
+            <a:ext cx="5127357" cy="4356002"/>
+            <a:chOff x="3225063" y="1706044"/>
+            <a:chExt cx="5127357" cy="4356002"/>
+          </a:xfrm>
+        </p:grpSpPr>
+        <p:sp>
+          <p:nvSpPr>
+            <p:cNvPr id="47" name="TextBox 46"/>
+            <p:cNvSpPr txBox="1"/>
+            <p:nvPr/>
+          </p:nvSpPr>
+          <p:spPr>
+            <a:xfrm>
+              <a:off x="4596740" y="1706044"/>
+              <a:ext cx="2376264" cy="369332"/>
+            </a:xfrm>
+            <a:prstGeom prst="rect">
+              <a:avLst/>
+            </a:prstGeom>
+            <a:solidFill>
+              <a:schemeClr val="accent5">
+                <a:lumMod val="40000"/>
+                <a:lumOff val="60000"/>
+              </a:schemeClr>
+            </a:solidFill>
+          </p:spPr>
+          <p:txBody>
+            <a:bodyPr wrap="square" rtlCol="0">
+              <a:spAutoFit/>
+            </a:bodyPr>
+            <a:lstStyle/>
+            <a:p>
+              <a:pPr algn="ctr"/>
+              <a:r>
+                <a:rPr lang="ko-KR" altLang="en-US" b="1" spc="-150" dirty="0" smtClean="0">
+                  <a:solidFill>
+                    <a:schemeClr val="tx1">
+                      <a:lumMod val="75000"/>
+                      <a:lumOff val="25000"/>
+                    </a:schemeClr>
+                  </a:solidFill>
+                </a:rPr>
+                <a:t>고객이 상품을 검색</a:t>
+              </a:r>
+              <a:endParaRPr lang="ko-KR" altLang="en-US" b="1" spc="-150" dirty="0">
                 <a:solidFill>
                   <a:schemeClr val="tx1">
                     <a:lumMod val="75000"/>
                     <a:lumOff val="25000"/>
                   </a:schemeClr>
                 </a:solidFill>
-              </a:rPr>
-              <a:t>고객이 상품을 검색</a:t>
-            </a:r>
-            <a:endParaRPr lang="ko-KR" altLang="en-US" b="1" spc="-150" dirty="0">
-              <a:solidFill>
-                <a:schemeClr val="tx1">
-                  <a:lumMod val="75000"/>
-                  <a:lumOff val="25000"/>
-                </a:schemeClr>
-              </a:solidFill>
-            </a:endParaRPr>
-          </a:p>
-        </p:txBody>
-      </p:sp>
-      <p:sp>
-        <p:nvSpPr>
-          <p:cNvPr id="48" name="TextBox 47"/>
-          <p:cNvSpPr txBox="1"/>
-          <p:nvPr/>
-        </p:nvSpPr>
-        <p:spPr>
-          <a:xfrm>
-            <a:off x="3225063" y="2451144"/>
-            <a:ext cx="2376264" cy="369332"/>
-          </a:xfrm>
-          <a:prstGeom prst="rect">
-            <a:avLst/>
-          </a:prstGeom>
-          <a:solidFill>
-            <a:schemeClr val="accent5">
-              <a:lumMod val="40000"/>
-              <a:lumOff val="60000"/>
-            </a:schemeClr>
-          </a:solidFill>
-        </p:spPr>
-        <p:txBody>
-          <a:bodyPr wrap="square" rtlCol="0">
-            <a:spAutoFit/>
-          </a:bodyPr>
-          <a:lstStyle/>
-          <a:p>
-            <a:pPr algn="ctr"/>
-            <a:r>
-              <a:rPr lang="ko-KR" altLang="en-US" b="1" spc="-150" smtClean="0">
+              </a:endParaRPr>
+            </a:p>
+          </p:txBody>
+        </p:sp>
+        <p:sp>
+          <p:nvSpPr>
+            <p:cNvPr id="48" name="TextBox 47"/>
+            <p:cNvSpPr txBox="1"/>
+            <p:nvPr/>
+          </p:nvSpPr>
+          <p:spPr>
+            <a:xfrm>
+              <a:off x="3225063" y="2451144"/>
+              <a:ext cx="2376264" cy="369332"/>
+            </a:xfrm>
+            <a:prstGeom prst="rect">
+              <a:avLst/>
+            </a:prstGeom>
+            <a:solidFill>
+              <a:schemeClr val="accent5">
+                <a:lumMod val="40000"/>
+                <a:lumOff val="60000"/>
+              </a:schemeClr>
+            </a:solidFill>
+          </p:spPr>
+          <p:txBody>
+            <a:bodyPr wrap="square" rtlCol="0">
+              <a:spAutoFit/>
+            </a:bodyPr>
+            <a:lstStyle/>
+            <a:p>
+              <a:pPr algn="ctr"/>
+              <a:r>
+                <a:rPr lang="ko-KR" altLang="en-US" b="1" spc="-150" smtClean="0">
+                  <a:solidFill>
+                    <a:schemeClr val="tx1">
+                      <a:lumMod val="75000"/>
+                      <a:lumOff val="25000"/>
+                    </a:schemeClr>
+                  </a:solidFill>
+                </a:rPr>
+                <a:t>장바구니</a:t>
+              </a:r>
+              <a:endParaRPr lang="ko-KR" altLang="en-US" b="1" spc="-150" dirty="0">
                 <a:solidFill>
                   <a:schemeClr val="tx1">
                     <a:lumMod val="75000"/>
                     <a:lumOff val="25000"/>
                   </a:schemeClr>
                 </a:solidFill>
-              </a:rPr>
-              <a:t>장바구니</a:t>
-            </a:r>
-            <a:endParaRPr lang="ko-KR" altLang="en-US" b="1" spc="-150" dirty="0">
-              <a:solidFill>
-                <a:schemeClr val="tx1">
-                  <a:lumMod val="75000"/>
-                  <a:lumOff val="25000"/>
-                </a:schemeClr>
-              </a:solidFill>
-            </a:endParaRPr>
-          </a:p>
-        </p:txBody>
-      </p:sp>
-      <p:sp>
-        <p:nvSpPr>
-          <p:cNvPr id="49" name="TextBox 48"/>
-          <p:cNvSpPr txBox="1"/>
-          <p:nvPr/>
-        </p:nvSpPr>
-        <p:spPr>
-          <a:xfrm>
-            <a:off x="5976156" y="2451144"/>
-            <a:ext cx="2376264" cy="369332"/>
-          </a:xfrm>
-          <a:prstGeom prst="rect">
-            <a:avLst/>
-          </a:prstGeom>
-          <a:solidFill>
-            <a:schemeClr val="accent5">
-              <a:lumMod val="40000"/>
-              <a:lumOff val="60000"/>
-            </a:schemeClr>
-          </a:solidFill>
-        </p:spPr>
-        <p:txBody>
-          <a:bodyPr wrap="square" rtlCol="0">
-            <a:spAutoFit/>
-          </a:bodyPr>
-          <a:lstStyle/>
-          <a:p>
-            <a:pPr algn="ctr"/>
-            <a:r>
-              <a:rPr lang="ko-KR" altLang="en-US" b="1" spc="-150" smtClean="0">
+              </a:endParaRPr>
+            </a:p>
+          </p:txBody>
+        </p:sp>
+        <p:sp>
+          <p:nvSpPr>
+            <p:cNvPr id="49" name="TextBox 48"/>
+            <p:cNvSpPr txBox="1"/>
+            <p:nvPr/>
+          </p:nvSpPr>
+          <p:spPr>
+            <a:xfrm>
+              <a:off x="5976156" y="2451144"/>
+              <a:ext cx="2376264" cy="369332"/>
+            </a:xfrm>
+            <a:prstGeom prst="rect">
+              <a:avLst/>
+            </a:prstGeom>
+            <a:solidFill>
+              <a:schemeClr val="accent5">
+                <a:lumMod val="40000"/>
+                <a:lumOff val="60000"/>
+              </a:schemeClr>
+            </a:solidFill>
+          </p:spPr>
+          <p:txBody>
+            <a:bodyPr wrap="square" rtlCol="0">
+              <a:spAutoFit/>
+            </a:bodyPr>
+            <a:lstStyle/>
+            <a:p>
+              <a:pPr algn="ctr"/>
+              <a:r>
+                <a:rPr lang="ko-KR" altLang="en-US" b="1" spc="-150" smtClean="0">
+                  <a:solidFill>
+                    <a:schemeClr val="tx1">
+                      <a:lumMod val="75000"/>
+                      <a:lumOff val="25000"/>
+                    </a:schemeClr>
+                  </a:solidFill>
+                </a:rPr>
+                <a:t>예약 </a:t>
+              </a:r>
+              <a:endParaRPr lang="ko-KR" altLang="en-US" b="1" spc="-150" dirty="0">
                 <a:solidFill>
                   <a:schemeClr val="tx1">
                     <a:lumMod val="75000"/>
                     <a:lumOff val="25000"/>
                   </a:schemeClr>
                 </a:solidFill>
-              </a:rPr>
-              <a:t>예약 </a:t>
-            </a:r>
-            <a:endParaRPr lang="ko-KR" altLang="en-US" b="1" spc="-150" dirty="0">
-              <a:solidFill>
-                <a:schemeClr val="tx1">
-                  <a:lumMod val="75000"/>
-                  <a:lumOff val="25000"/>
-                </a:schemeClr>
-              </a:solidFill>
-            </a:endParaRPr>
-          </a:p>
-        </p:txBody>
-      </p:sp>
-      <p:sp>
-        <p:nvSpPr>
-          <p:cNvPr id="50" name="TextBox 49"/>
-          <p:cNvSpPr txBox="1"/>
-          <p:nvPr/>
-        </p:nvSpPr>
-        <p:spPr>
-          <a:xfrm>
-            <a:off x="3225063" y="3134642"/>
-            <a:ext cx="1130913" cy="369332"/>
-          </a:xfrm>
-          <a:prstGeom prst="rect">
-            <a:avLst/>
-          </a:prstGeom>
-          <a:solidFill>
-            <a:schemeClr val="accent5">
-              <a:lumMod val="40000"/>
-              <a:lumOff val="60000"/>
-            </a:schemeClr>
-          </a:solidFill>
-        </p:spPr>
-        <p:txBody>
-          <a:bodyPr wrap="square" rtlCol="0">
-            <a:spAutoFit/>
-          </a:bodyPr>
-          <a:lstStyle/>
-          <a:p>
-            <a:pPr algn="ctr"/>
-            <a:r>
-              <a:rPr lang="ko-KR" altLang="en-US" b="1" spc="-150" smtClean="0">
+              </a:endParaRPr>
+            </a:p>
+          </p:txBody>
+        </p:sp>
+        <p:sp>
+          <p:nvSpPr>
+            <p:cNvPr id="50" name="TextBox 49"/>
+            <p:cNvSpPr txBox="1"/>
+            <p:nvPr/>
+          </p:nvSpPr>
+          <p:spPr>
+            <a:xfrm>
+              <a:off x="3225063" y="3134642"/>
+              <a:ext cx="1130913" cy="369332"/>
+            </a:xfrm>
+            <a:prstGeom prst="rect">
+              <a:avLst/>
+            </a:prstGeom>
+            <a:solidFill>
+              <a:schemeClr val="accent5">
+                <a:lumMod val="40000"/>
+                <a:lumOff val="60000"/>
+              </a:schemeClr>
+            </a:solidFill>
+          </p:spPr>
+          <p:txBody>
+            <a:bodyPr wrap="square" rtlCol="0">
+              <a:spAutoFit/>
+            </a:bodyPr>
+            <a:lstStyle/>
+            <a:p>
+              <a:pPr algn="ctr"/>
+              <a:r>
+                <a:rPr lang="ko-KR" altLang="en-US" b="1" spc="-150" smtClean="0">
+                  <a:solidFill>
+                    <a:schemeClr val="tx1">
+                      <a:lumMod val="75000"/>
+                      <a:lumOff val="25000"/>
+                    </a:schemeClr>
+                  </a:solidFill>
+                </a:rPr>
+                <a:t>예약 하기</a:t>
+              </a:r>
+              <a:endParaRPr lang="ko-KR" altLang="en-US" b="1" spc="-150" dirty="0">
                 <a:solidFill>
                   <a:schemeClr val="tx1">
                     <a:lumMod val="75000"/>
                     <a:lumOff val="25000"/>
                   </a:schemeClr>
                 </a:solidFill>
-              </a:rPr>
-              <a:t>예약 하기</a:t>
-            </a:r>
-            <a:endParaRPr lang="ko-KR" altLang="en-US" b="1" spc="-150" dirty="0">
-              <a:solidFill>
-                <a:schemeClr val="tx1">
-                  <a:lumMod val="75000"/>
-                  <a:lumOff val="25000"/>
-                </a:schemeClr>
-              </a:solidFill>
-            </a:endParaRPr>
-          </a:p>
-        </p:txBody>
-      </p:sp>
-      <p:sp>
-        <p:nvSpPr>
-          <p:cNvPr id="51" name="TextBox 50"/>
-          <p:cNvSpPr txBox="1"/>
-          <p:nvPr/>
-        </p:nvSpPr>
-        <p:spPr>
-          <a:xfrm>
-            <a:off x="4485795" y="3126800"/>
-            <a:ext cx="1130913" cy="369332"/>
-          </a:xfrm>
-          <a:prstGeom prst="rect">
-            <a:avLst/>
-          </a:prstGeom>
-          <a:solidFill>
-            <a:schemeClr val="accent5">
-              <a:lumMod val="40000"/>
-              <a:lumOff val="60000"/>
-            </a:schemeClr>
-          </a:solidFill>
-        </p:spPr>
-        <p:txBody>
-          <a:bodyPr wrap="square" rtlCol="0">
-            <a:spAutoFit/>
-          </a:bodyPr>
-          <a:lstStyle/>
-          <a:p>
-            <a:pPr algn="ctr"/>
-            <a:r>
-              <a:rPr lang="ko-KR" altLang="en-US" b="1" spc="-150" smtClean="0">
+              </a:endParaRPr>
+            </a:p>
+          </p:txBody>
+        </p:sp>
+        <p:sp>
+          <p:nvSpPr>
+            <p:cNvPr id="51" name="TextBox 50"/>
+            <p:cNvSpPr txBox="1"/>
+            <p:nvPr/>
+          </p:nvSpPr>
+          <p:spPr>
+            <a:xfrm>
+              <a:off x="4485795" y="3126800"/>
+              <a:ext cx="1130913" cy="369332"/>
+            </a:xfrm>
+            <a:prstGeom prst="rect">
+              <a:avLst/>
+            </a:prstGeom>
+            <a:solidFill>
+              <a:schemeClr val="accent5">
+                <a:lumMod val="40000"/>
+                <a:lumOff val="60000"/>
+              </a:schemeClr>
+            </a:solidFill>
+          </p:spPr>
+          <p:txBody>
+            <a:bodyPr wrap="square" rtlCol="0">
+              <a:spAutoFit/>
+            </a:bodyPr>
+            <a:lstStyle/>
+            <a:p>
+              <a:pPr algn="ctr"/>
+              <a:r>
+                <a:rPr lang="ko-KR" altLang="en-US" b="1" spc="-150" smtClean="0">
+                  <a:solidFill>
+                    <a:schemeClr val="tx1">
+                      <a:lumMod val="75000"/>
+                      <a:lumOff val="25000"/>
+                    </a:schemeClr>
+                  </a:solidFill>
+                </a:rPr>
+                <a:t>삭제 하기</a:t>
+              </a:r>
+              <a:endParaRPr lang="ko-KR" altLang="en-US" b="1" spc="-150" dirty="0">
                 <a:solidFill>
                   <a:schemeClr val="tx1">
                     <a:lumMod val="75000"/>
                     <a:lumOff val="25000"/>
                   </a:schemeClr>
                 </a:solidFill>
-              </a:rPr>
-              <a:t>삭제 하기</a:t>
-            </a:r>
-            <a:endParaRPr lang="ko-KR" altLang="en-US" b="1" spc="-150" dirty="0">
-              <a:solidFill>
-                <a:schemeClr val="tx1">
-                  <a:lumMod val="75000"/>
-                  <a:lumOff val="25000"/>
-                </a:schemeClr>
-              </a:solidFill>
-            </a:endParaRPr>
-          </a:p>
-        </p:txBody>
-      </p:sp>
-      <p:sp>
-        <p:nvSpPr>
-          <p:cNvPr id="52" name="TextBox 51"/>
-          <p:cNvSpPr txBox="1"/>
-          <p:nvPr/>
-        </p:nvSpPr>
-        <p:spPr>
-          <a:xfrm>
-            <a:off x="3225063" y="3751902"/>
-            <a:ext cx="1130913" cy="369332"/>
-          </a:xfrm>
-          <a:prstGeom prst="rect">
-            <a:avLst/>
-          </a:prstGeom>
-          <a:solidFill>
-            <a:schemeClr val="accent5">
-              <a:lumMod val="40000"/>
-              <a:lumOff val="60000"/>
-            </a:schemeClr>
-          </a:solidFill>
-        </p:spPr>
-        <p:txBody>
-          <a:bodyPr wrap="square" rtlCol="0">
-            <a:spAutoFit/>
-          </a:bodyPr>
-          <a:lstStyle/>
-          <a:p>
-            <a:pPr algn="ctr"/>
-            <a:r>
-              <a:rPr lang="ko-KR" altLang="en-US" b="1" spc="-150" smtClean="0">
+              </a:endParaRPr>
+            </a:p>
+          </p:txBody>
+        </p:sp>
+        <p:sp>
+          <p:nvSpPr>
+            <p:cNvPr id="52" name="TextBox 51"/>
+            <p:cNvSpPr txBox="1"/>
+            <p:nvPr/>
+          </p:nvSpPr>
+          <p:spPr>
+            <a:xfrm>
+              <a:off x="3225063" y="3751902"/>
+              <a:ext cx="1130913" cy="369332"/>
+            </a:xfrm>
+            <a:prstGeom prst="rect">
+              <a:avLst/>
+            </a:prstGeom>
+            <a:solidFill>
+              <a:schemeClr val="accent5">
+                <a:lumMod val="40000"/>
+                <a:lumOff val="60000"/>
+              </a:schemeClr>
+            </a:solidFill>
+          </p:spPr>
+          <p:txBody>
+            <a:bodyPr wrap="square" rtlCol="0">
+              <a:spAutoFit/>
+            </a:bodyPr>
+            <a:lstStyle/>
+            <a:p>
+              <a:pPr algn="ctr"/>
+              <a:r>
+                <a:rPr lang="ko-KR" altLang="en-US" b="1" spc="-150" smtClean="0">
+                  <a:solidFill>
+                    <a:schemeClr val="tx1">
+                      <a:lumMod val="75000"/>
+                      <a:lumOff val="25000"/>
+                    </a:schemeClr>
+                  </a:solidFill>
+                </a:rPr>
+                <a:t>예약 </a:t>
+              </a:r>
+              <a:endParaRPr lang="ko-KR" altLang="en-US" b="1" spc="-150" dirty="0">
                 <a:solidFill>
                   <a:schemeClr val="tx1">
                     <a:lumMod val="75000"/>
                     <a:lumOff val="25000"/>
                   </a:schemeClr>
                 </a:solidFill>
-              </a:rPr>
-              <a:t>예약 </a:t>
-            </a:r>
-            <a:endParaRPr lang="ko-KR" altLang="en-US" b="1" spc="-150" dirty="0">
-              <a:solidFill>
-                <a:schemeClr val="tx1">
-                  <a:lumMod val="75000"/>
-                  <a:lumOff val="25000"/>
-                </a:schemeClr>
-              </a:solidFill>
-            </a:endParaRPr>
-          </a:p>
-        </p:txBody>
-      </p:sp>
-      <p:sp>
-        <p:nvSpPr>
-          <p:cNvPr id="53" name="TextBox 52"/>
-          <p:cNvSpPr txBox="1"/>
-          <p:nvPr/>
-        </p:nvSpPr>
-        <p:spPr>
-          <a:xfrm>
-            <a:off x="3225063" y="4384480"/>
-            <a:ext cx="1130913" cy="369332"/>
-          </a:xfrm>
-          <a:prstGeom prst="rect">
-            <a:avLst/>
-          </a:prstGeom>
-          <a:solidFill>
-            <a:schemeClr val="accent5">
-              <a:lumMod val="40000"/>
-              <a:lumOff val="60000"/>
-            </a:schemeClr>
-          </a:solidFill>
-        </p:spPr>
-        <p:txBody>
-          <a:bodyPr wrap="square" rtlCol="0">
-            <a:spAutoFit/>
-          </a:bodyPr>
-          <a:lstStyle/>
-          <a:p>
-            <a:pPr algn="ctr"/>
-            <a:r>
-              <a:rPr lang="ko-KR" altLang="en-US" b="1" spc="-150" smtClean="0">
+              </a:endParaRPr>
+            </a:p>
+          </p:txBody>
+        </p:sp>
+        <p:sp>
+          <p:nvSpPr>
+            <p:cNvPr id="53" name="TextBox 52"/>
+            <p:cNvSpPr txBox="1"/>
+            <p:nvPr/>
+          </p:nvSpPr>
+          <p:spPr>
+            <a:xfrm>
+              <a:off x="3225063" y="4384480"/>
+              <a:ext cx="1130913" cy="369332"/>
+            </a:xfrm>
+            <a:prstGeom prst="rect">
+              <a:avLst/>
+            </a:prstGeom>
+            <a:solidFill>
+              <a:schemeClr val="accent5">
+                <a:lumMod val="40000"/>
+                <a:lumOff val="60000"/>
+              </a:schemeClr>
+            </a:solidFill>
+          </p:spPr>
+          <p:txBody>
+            <a:bodyPr wrap="square" rtlCol="0">
+              <a:spAutoFit/>
+            </a:bodyPr>
+            <a:lstStyle/>
+            <a:p>
+              <a:pPr algn="ctr"/>
+              <a:r>
+                <a:rPr lang="ko-KR" altLang="en-US" b="1" spc="-150" smtClean="0">
+                  <a:solidFill>
+                    <a:schemeClr val="tx1">
+                      <a:lumMod val="75000"/>
+                      <a:lumOff val="25000"/>
+                    </a:schemeClr>
+                  </a:solidFill>
+                </a:rPr>
+                <a:t>결제 </a:t>
+              </a:r>
+              <a:endParaRPr lang="ko-KR" altLang="en-US" b="1" spc="-150" dirty="0">
                 <a:solidFill>
                   <a:schemeClr val="tx1">
                     <a:lumMod val="75000"/>
                     <a:lumOff val="25000"/>
                   </a:schemeClr>
                 </a:solidFill>
-              </a:rPr>
-              <a:t>결제 </a:t>
-            </a:r>
-            <a:endParaRPr lang="ko-KR" altLang="en-US" b="1" spc="-150" dirty="0">
-              <a:solidFill>
-                <a:schemeClr val="tx1">
-                  <a:lumMod val="75000"/>
-                  <a:lumOff val="25000"/>
-                </a:schemeClr>
-              </a:solidFill>
-            </a:endParaRPr>
-          </a:p>
-        </p:txBody>
-      </p:sp>
-      <p:sp>
-        <p:nvSpPr>
-          <p:cNvPr id="54" name="TextBox 53"/>
-          <p:cNvSpPr txBox="1"/>
-          <p:nvPr/>
-        </p:nvSpPr>
-        <p:spPr>
-          <a:xfrm>
-            <a:off x="3225063" y="5017058"/>
-            <a:ext cx="1130913" cy="369332"/>
-          </a:xfrm>
-          <a:prstGeom prst="rect">
-            <a:avLst/>
-          </a:prstGeom>
-          <a:solidFill>
-            <a:schemeClr val="accent5">
-              <a:lumMod val="40000"/>
-              <a:lumOff val="60000"/>
-            </a:schemeClr>
-          </a:solidFill>
-        </p:spPr>
-        <p:txBody>
-          <a:bodyPr wrap="square" rtlCol="0">
-            <a:spAutoFit/>
-          </a:bodyPr>
-          <a:lstStyle/>
-          <a:p>
-            <a:pPr algn="ctr"/>
-            <a:r>
-              <a:rPr lang="ko-KR" altLang="en-US" b="1" spc="-150" smtClean="0">
+              </a:endParaRPr>
+            </a:p>
+          </p:txBody>
+        </p:sp>
+        <p:sp>
+          <p:nvSpPr>
+            <p:cNvPr id="54" name="TextBox 53"/>
+            <p:cNvSpPr txBox="1"/>
+            <p:nvPr/>
+          </p:nvSpPr>
+          <p:spPr>
+            <a:xfrm>
+              <a:off x="3225063" y="5017058"/>
+              <a:ext cx="1130913" cy="369332"/>
+            </a:xfrm>
+            <a:prstGeom prst="rect">
+              <a:avLst/>
+            </a:prstGeom>
+            <a:solidFill>
+              <a:schemeClr val="accent5">
+                <a:lumMod val="40000"/>
+                <a:lumOff val="60000"/>
+              </a:schemeClr>
+            </a:solidFill>
+          </p:spPr>
+          <p:txBody>
+            <a:bodyPr wrap="square" rtlCol="0">
+              <a:spAutoFit/>
+            </a:bodyPr>
+            <a:lstStyle/>
+            <a:p>
+              <a:pPr algn="ctr"/>
+              <a:r>
+                <a:rPr lang="ko-KR" altLang="en-US" b="1" spc="-150" smtClean="0">
+                  <a:solidFill>
+                    <a:schemeClr val="tx1">
+                      <a:lumMod val="75000"/>
+                      <a:lumOff val="25000"/>
+                    </a:schemeClr>
+                  </a:solidFill>
+                </a:rPr>
+                <a:t>예약 확정 </a:t>
+              </a:r>
+              <a:endParaRPr lang="ko-KR" altLang="en-US" b="1" spc="-150" dirty="0">
                 <a:solidFill>
                   <a:schemeClr val="tx1">
                     <a:lumMod val="75000"/>
                     <a:lumOff val="25000"/>
                   </a:schemeClr>
                 </a:solidFill>
-              </a:rPr>
-              <a:t>예약 확정 </a:t>
-            </a:r>
-            <a:endParaRPr lang="ko-KR" altLang="en-US" b="1" spc="-150" dirty="0">
-              <a:solidFill>
-                <a:schemeClr val="tx1">
-                  <a:lumMod val="75000"/>
-                  <a:lumOff val="25000"/>
-                </a:schemeClr>
-              </a:solidFill>
-            </a:endParaRPr>
-          </a:p>
-        </p:txBody>
-      </p:sp>
-      <p:sp>
-        <p:nvSpPr>
-          <p:cNvPr id="55" name="TextBox 54"/>
-          <p:cNvSpPr txBox="1"/>
-          <p:nvPr/>
-        </p:nvSpPr>
-        <p:spPr>
-          <a:xfrm>
-            <a:off x="3225063" y="5692714"/>
-            <a:ext cx="1130913" cy="369332"/>
-          </a:xfrm>
-          <a:prstGeom prst="rect">
-            <a:avLst/>
-          </a:prstGeom>
-          <a:solidFill>
-            <a:schemeClr val="accent5">
-              <a:lumMod val="40000"/>
-              <a:lumOff val="60000"/>
-            </a:schemeClr>
-          </a:solidFill>
-        </p:spPr>
-        <p:txBody>
-          <a:bodyPr wrap="square" rtlCol="0">
-            <a:spAutoFit/>
-          </a:bodyPr>
-          <a:lstStyle/>
-          <a:p>
-            <a:pPr algn="ctr"/>
-            <a:r>
-              <a:rPr lang="ko-KR" altLang="en-US" b="1" spc="-150" smtClean="0">
+              </a:endParaRPr>
+            </a:p>
+          </p:txBody>
+        </p:sp>
+        <p:sp>
+          <p:nvSpPr>
+            <p:cNvPr id="55" name="TextBox 54"/>
+            <p:cNvSpPr txBox="1"/>
+            <p:nvPr/>
+          </p:nvSpPr>
+          <p:spPr>
+            <a:xfrm>
+              <a:off x="3225063" y="5692714"/>
+              <a:ext cx="1130913" cy="369332"/>
+            </a:xfrm>
+            <a:prstGeom prst="rect">
+              <a:avLst/>
+            </a:prstGeom>
+            <a:solidFill>
+              <a:schemeClr val="accent5">
+                <a:lumMod val="40000"/>
+                <a:lumOff val="60000"/>
+              </a:schemeClr>
+            </a:solidFill>
+          </p:spPr>
+          <p:txBody>
+            <a:bodyPr wrap="square" rtlCol="0">
+              <a:spAutoFit/>
+            </a:bodyPr>
+            <a:lstStyle/>
+            <a:p>
+              <a:pPr algn="ctr"/>
+              <a:r>
+                <a:rPr lang="ko-KR" altLang="en-US" b="1" spc="-150" smtClean="0">
+                  <a:solidFill>
+                    <a:schemeClr val="tx1">
+                      <a:lumMod val="75000"/>
+                      <a:lumOff val="25000"/>
+                    </a:schemeClr>
+                  </a:solidFill>
+                </a:rPr>
+                <a:t>여행</a:t>
+              </a:r>
+              <a:endParaRPr lang="ko-KR" altLang="en-US" b="1" spc="-150" dirty="0">
                 <a:solidFill>
                   <a:schemeClr val="tx1">
                     <a:lumMod val="75000"/>
                     <a:lumOff val="25000"/>
                   </a:schemeClr>
                 </a:solidFill>
-              </a:rPr>
-              <a:t>여행</a:t>
-            </a:r>
-            <a:endParaRPr lang="ko-KR" altLang="en-US" b="1" spc="-150" dirty="0">
-              <a:solidFill>
-                <a:schemeClr val="tx1">
-                  <a:lumMod val="75000"/>
-                  <a:lumOff val="25000"/>
-                </a:schemeClr>
-              </a:solidFill>
-            </a:endParaRPr>
-          </a:p>
-        </p:txBody>
-      </p:sp>
-      <p:sp>
-        <p:nvSpPr>
-          <p:cNvPr id="56" name="TextBox 55"/>
-          <p:cNvSpPr txBox="1"/>
-          <p:nvPr/>
-        </p:nvSpPr>
-        <p:spPr>
-          <a:xfrm>
-            <a:off x="5976156" y="3136382"/>
-            <a:ext cx="1130913" cy="369332"/>
-          </a:xfrm>
-          <a:prstGeom prst="rect">
-            <a:avLst/>
-          </a:prstGeom>
-          <a:solidFill>
-            <a:schemeClr val="accent5">
-              <a:lumMod val="40000"/>
-              <a:lumOff val="60000"/>
-            </a:schemeClr>
-          </a:solidFill>
-        </p:spPr>
-        <p:txBody>
-          <a:bodyPr wrap="square" rtlCol="0">
-            <a:spAutoFit/>
-          </a:bodyPr>
-          <a:lstStyle/>
-          <a:p>
-            <a:pPr algn="ctr"/>
-            <a:r>
-              <a:rPr lang="ko-KR" altLang="en-US" b="1" spc="-150" smtClean="0">
+              </a:endParaRPr>
+            </a:p>
+          </p:txBody>
+        </p:sp>
+        <p:sp>
+          <p:nvSpPr>
+            <p:cNvPr id="56" name="TextBox 55"/>
+            <p:cNvSpPr txBox="1"/>
+            <p:nvPr/>
+          </p:nvSpPr>
+          <p:spPr>
+            <a:xfrm>
+              <a:off x="5976156" y="3136382"/>
+              <a:ext cx="1130913" cy="369332"/>
+            </a:xfrm>
+            <a:prstGeom prst="rect">
+              <a:avLst/>
+            </a:prstGeom>
+            <a:solidFill>
+              <a:schemeClr val="accent5">
+                <a:lumMod val="40000"/>
+                <a:lumOff val="60000"/>
+              </a:schemeClr>
+            </a:solidFill>
+          </p:spPr>
+          <p:txBody>
+            <a:bodyPr wrap="square" rtlCol="0">
+              <a:spAutoFit/>
+            </a:bodyPr>
+            <a:lstStyle/>
+            <a:p>
+              <a:pPr algn="ctr"/>
+              <a:r>
+                <a:rPr lang="ko-KR" altLang="en-US" b="1" spc="-150" smtClean="0">
+                  <a:solidFill>
+                    <a:schemeClr val="tx1">
+                      <a:lumMod val="75000"/>
+                      <a:lumOff val="25000"/>
+                    </a:schemeClr>
+                  </a:solidFill>
+                </a:rPr>
+                <a:t>결제 </a:t>
+              </a:r>
+              <a:endParaRPr lang="ko-KR" altLang="en-US" b="1" spc="-150" dirty="0">
                 <a:solidFill>
                   <a:schemeClr val="tx1">
                     <a:lumMod val="75000"/>
                     <a:lumOff val="25000"/>
                   </a:schemeClr>
                 </a:solidFill>
-              </a:rPr>
-              <a:t>결제 </a:t>
-            </a:r>
-            <a:endParaRPr lang="ko-KR" altLang="en-US" b="1" spc="-150" dirty="0">
-              <a:solidFill>
-                <a:schemeClr val="tx1">
-                  <a:lumMod val="75000"/>
-                  <a:lumOff val="25000"/>
-                </a:schemeClr>
-              </a:solidFill>
-            </a:endParaRPr>
-          </a:p>
-        </p:txBody>
-      </p:sp>
-      <p:sp>
-        <p:nvSpPr>
-          <p:cNvPr id="57" name="TextBox 56"/>
-          <p:cNvSpPr txBox="1"/>
-          <p:nvPr/>
-        </p:nvSpPr>
-        <p:spPr>
-          <a:xfrm>
-            <a:off x="5963724" y="3757929"/>
-            <a:ext cx="1130913" cy="369332"/>
-          </a:xfrm>
-          <a:prstGeom prst="rect">
-            <a:avLst/>
-          </a:prstGeom>
-          <a:solidFill>
-            <a:schemeClr val="accent5">
-              <a:lumMod val="40000"/>
-              <a:lumOff val="60000"/>
-            </a:schemeClr>
-          </a:solidFill>
-        </p:spPr>
-        <p:txBody>
-          <a:bodyPr wrap="square" rtlCol="0">
-            <a:spAutoFit/>
-          </a:bodyPr>
-          <a:lstStyle/>
-          <a:p>
-            <a:pPr algn="ctr"/>
-            <a:r>
-              <a:rPr lang="ko-KR" altLang="en-US" b="1" spc="-150" smtClean="0">
+              </a:endParaRPr>
+            </a:p>
+          </p:txBody>
+        </p:sp>
+        <p:sp>
+          <p:nvSpPr>
+            <p:cNvPr id="57" name="TextBox 56"/>
+            <p:cNvSpPr txBox="1"/>
+            <p:nvPr/>
+          </p:nvSpPr>
+          <p:spPr>
+            <a:xfrm>
+              <a:off x="5963724" y="3757929"/>
+              <a:ext cx="1130913" cy="369332"/>
+            </a:xfrm>
+            <a:prstGeom prst="rect">
+              <a:avLst/>
+            </a:prstGeom>
+            <a:solidFill>
+              <a:schemeClr val="accent5">
+                <a:lumMod val="40000"/>
+                <a:lumOff val="60000"/>
+              </a:schemeClr>
+            </a:solidFill>
+          </p:spPr>
+          <p:txBody>
+            <a:bodyPr wrap="square" rtlCol="0">
+              <a:spAutoFit/>
+            </a:bodyPr>
+            <a:lstStyle/>
+            <a:p>
+              <a:pPr algn="ctr"/>
+              <a:r>
+                <a:rPr lang="ko-KR" altLang="en-US" b="1" spc="-150" smtClean="0">
+                  <a:solidFill>
+                    <a:schemeClr val="tx1">
+                      <a:lumMod val="75000"/>
+                      <a:lumOff val="25000"/>
+                    </a:schemeClr>
+                  </a:solidFill>
+                </a:rPr>
+                <a:t>예약 확정 </a:t>
+              </a:r>
+              <a:endParaRPr lang="ko-KR" altLang="en-US" b="1" spc="-150" dirty="0">
                 <a:solidFill>
                   <a:schemeClr val="tx1">
                     <a:lumMod val="75000"/>
                     <a:lumOff val="25000"/>
                   </a:schemeClr>
                 </a:solidFill>
-              </a:rPr>
-              <a:t>예약 확정 </a:t>
-            </a:r>
-            <a:endParaRPr lang="ko-KR" altLang="en-US" b="1" spc="-150" dirty="0">
-              <a:solidFill>
-                <a:schemeClr val="tx1">
-                  <a:lumMod val="75000"/>
-                  <a:lumOff val="25000"/>
-                </a:schemeClr>
-              </a:solidFill>
-            </a:endParaRPr>
-          </a:p>
-        </p:txBody>
-      </p:sp>
-      <p:sp>
-        <p:nvSpPr>
-          <p:cNvPr id="58" name="TextBox 57"/>
-          <p:cNvSpPr txBox="1"/>
-          <p:nvPr/>
-        </p:nvSpPr>
-        <p:spPr>
-          <a:xfrm>
-            <a:off x="5956920" y="4379476"/>
-            <a:ext cx="1130913" cy="369332"/>
-          </a:xfrm>
-          <a:prstGeom prst="rect">
-            <a:avLst/>
-          </a:prstGeom>
-          <a:solidFill>
-            <a:schemeClr val="accent5">
-              <a:lumMod val="40000"/>
-              <a:lumOff val="60000"/>
-            </a:schemeClr>
-          </a:solidFill>
-        </p:spPr>
-        <p:txBody>
-          <a:bodyPr wrap="square" rtlCol="0">
-            <a:spAutoFit/>
-          </a:bodyPr>
-          <a:lstStyle/>
-          <a:p>
-            <a:pPr algn="ctr"/>
-            <a:r>
-              <a:rPr lang="ko-KR" altLang="en-US" b="1" spc="-150" smtClean="0">
+              </a:endParaRPr>
+            </a:p>
+          </p:txBody>
+        </p:sp>
+        <p:sp>
+          <p:nvSpPr>
+            <p:cNvPr id="58" name="TextBox 57"/>
+            <p:cNvSpPr txBox="1"/>
+            <p:nvPr/>
+          </p:nvSpPr>
+          <p:spPr>
+            <a:xfrm>
+              <a:off x="5956920" y="4379476"/>
+              <a:ext cx="1130913" cy="369332"/>
+            </a:xfrm>
+            <a:prstGeom prst="rect">
+              <a:avLst/>
+            </a:prstGeom>
+            <a:solidFill>
+              <a:schemeClr val="accent5">
+                <a:lumMod val="40000"/>
+                <a:lumOff val="60000"/>
+              </a:schemeClr>
+            </a:solidFill>
+          </p:spPr>
+          <p:txBody>
+            <a:bodyPr wrap="square" rtlCol="0">
+              <a:spAutoFit/>
+            </a:bodyPr>
+            <a:lstStyle/>
+            <a:p>
+              <a:pPr algn="ctr"/>
+              <a:r>
+                <a:rPr lang="ko-KR" altLang="en-US" b="1" spc="-150" smtClean="0">
+                  <a:solidFill>
+                    <a:schemeClr val="tx1">
+                      <a:lumMod val="75000"/>
+                      <a:lumOff val="25000"/>
+                    </a:schemeClr>
+                  </a:solidFill>
+                </a:rPr>
+                <a:t>여행</a:t>
+              </a:r>
+              <a:endParaRPr lang="ko-KR" altLang="en-US" b="1" spc="-150" dirty="0">
                 <a:solidFill>
                   <a:schemeClr val="tx1">
                     <a:lumMod val="75000"/>
                     <a:lumOff val="25000"/>
                   </a:schemeClr>
                 </a:solidFill>
-              </a:rPr>
-              <a:t>여행</a:t>
-            </a:r>
-            <a:endParaRPr lang="ko-KR" altLang="en-US" b="1" spc="-150" dirty="0">
-              <a:solidFill>
-                <a:schemeClr val="tx1">
-                  <a:lumMod val="75000"/>
-                  <a:lumOff val="25000"/>
-                </a:schemeClr>
-              </a:solidFill>
-            </a:endParaRPr>
-          </a:p>
-        </p:txBody>
-      </p:sp>
-      <p:cxnSp>
-        <p:nvCxnSpPr>
-          <p:cNvPr id="7" name="직선 화살표 연결선 6"/>
-          <p:cNvCxnSpPr/>
-          <p:nvPr/>
-        </p:nvCxnSpPr>
-        <p:spPr>
-          <a:xfrm flipH="1">
-            <a:off x="5076056" y="2075376"/>
-            <a:ext cx="288032" cy="375768"/>
-          </a:xfrm>
-          <a:prstGeom prst="straightConnector1">
-            <a:avLst/>
-          </a:prstGeom>
-          <a:ln>
-            <a:tailEnd type="triangle"/>
-          </a:ln>
-        </p:spPr>
-        <p:style>
-          <a:lnRef idx="1">
-            <a:schemeClr val="accent1"/>
-          </a:lnRef>
-          <a:fillRef idx="0">
-            <a:schemeClr val="accent1"/>
-          </a:fillRef>
-          <a:effectRef idx="0">
-            <a:schemeClr val="accent1"/>
-          </a:effectRef>
-          <a:fontRef idx="minor">
-            <a:schemeClr val="tx1"/>
-          </a:fontRef>
-        </p:style>
-      </p:cxnSp>
-      <p:cxnSp>
-        <p:nvCxnSpPr>
-          <p:cNvPr id="59" name="직선 화살표 연결선 58"/>
-          <p:cNvCxnSpPr/>
-          <p:nvPr/>
-        </p:nvCxnSpPr>
-        <p:spPr>
-          <a:xfrm>
-            <a:off x="6088522" y="2082899"/>
-            <a:ext cx="283678" cy="367836"/>
-          </a:xfrm>
-          <a:prstGeom prst="straightConnector1">
-            <a:avLst/>
-          </a:prstGeom>
-          <a:ln>
-            <a:tailEnd type="triangle"/>
-          </a:ln>
-        </p:spPr>
-        <p:style>
-          <a:lnRef idx="1">
-            <a:schemeClr val="accent1"/>
-          </a:lnRef>
-          <a:fillRef idx="0">
-            <a:schemeClr val="accent1"/>
-          </a:fillRef>
-          <a:effectRef idx="0">
-            <a:schemeClr val="accent1"/>
-          </a:effectRef>
-          <a:fontRef idx="minor">
-            <a:schemeClr val="tx1"/>
-          </a:fontRef>
-        </p:style>
-      </p:cxnSp>
-      <p:cxnSp>
-        <p:nvCxnSpPr>
-          <p:cNvPr id="60" name="직선 화살표 연결선 59"/>
-          <p:cNvCxnSpPr/>
-          <p:nvPr/>
-        </p:nvCxnSpPr>
-        <p:spPr>
-          <a:xfrm flipH="1">
-            <a:off x="3776940" y="2828318"/>
-            <a:ext cx="4241" cy="289428"/>
-          </a:xfrm>
-          <a:prstGeom prst="straightConnector1">
-            <a:avLst/>
-          </a:prstGeom>
-          <a:ln>
-            <a:tailEnd type="triangle"/>
-          </a:ln>
-        </p:spPr>
-        <p:style>
-          <a:lnRef idx="1">
-            <a:schemeClr val="accent1"/>
-          </a:lnRef>
-          <a:fillRef idx="0">
-            <a:schemeClr val="accent1"/>
-          </a:fillRef>
-          <a:effectRef idx="0">
-            <a:schemeClr val="accent1"/>
-          </a:effectRef>
-          <a:fontRef idx="minor">
-            <a:schemeClr val="tx1"/>
-          </a:fontRef>
-        </p:style>
-      </p:cxnSp>
-      <p:cxnSp>
-        <p:nvCxnSpPr>
-          <p:cNvPr id="61" name="직선 화살표 연결선 60"/>
-          <p:cNvCxnSpPr/>
-          <p:nvPr/>
-        </p:nvCxnSpPr>
-        <p:spPr>
-          <a:xfrm flipH="1">
-            <a:off x="5066135" y="2828318"/>
-            <a:ext cx="4241" cy="289428"/>
-          </a:xfrm>
-          <a:prstGeom prst="straightConnector1">
-            <a:avLst/>
-          </a:prstGeom>
-          <a:ln>
-            <a:tailEnd type="triangle"/>
-          </a:ln>
-        </p:spPr>
-        <p:style>
-          <a:lnRef idx="1">
-            <a:schemeClr val="accent1"/>
-          </a:lnRef>
-          <a:fillRef idx="0">
-            <a:schemeClr val="accent1"/>
-          </a:fillRef>
-          <a:effectRef idx="0">
-            <a:schemeClr val="accent1"/>
-          </a:effectRef>
-          <a:fontRef idx="minor">
-            <a:schemeClr val="tx1"/>
-          </a:fontRef>
-        </p:style>
-      </p:cxnSp>
-      <p:cxnSp>
-        <p:nvCxnSpPr>
-          <p:cNvPr id="62" name="직선 화살표 연결선 61"/>
-          <p:cNvCxnSpPr/>
-          <p:nvPr/>
-        </p:nvCxnSpPr>
-        <p:spPr>
-          <a:xfrm flipH="1">
-            <a:off x="3783068" y="3483224"/>
-            <a:ext cx="4241" cy="289428"/>
-          </a:xfrm>
-          <a:prstGeom prst="straightConnector1">
-            <a:avLst/>
-          </a:prstGeom>
-          <a:ln>
-            <a:tailEnd type="triangle"/>
-          </a:ln>
-        </p:spPr>
-        <p:style>
-          <a:lnRef idx="1">
-            <a:schemeClr val="accent1"/>
-          </a:lnRef>
-          <a:fillRef idx="0">
-            <a:schemeClr val="accent1"/>
-          </a:fillRef>
-          <a:effectRef idx="0">
-            <a:schemeClr val="accent1"/>
-          </a:effectRef>
-          <a:fontRef idx="minor">
-            <a:schemeClr val="tx1"/>
-          </a:fontRef>
-        </p:style>
-      </p:cxnSp>
-      <p:cxnSp>
-        <p:nvCxnSpPr>
-          <p:cNvPr id="63" name="직선 화살표 연결선 62"/>
-          <p:cNvCxnSpPr/>
-          <p:nvPr/>
-        </p:nvCxnSpPr>
-        <p:spPr>
-          <a:xfrm flipH="1">
-            <a:off x="3785188" y="4090048"/>
-            <a:ext cx="4241" cy="289428"/>
-          </a:xfrm>
-          <a:prstGeom prst="straightConnector1">
-            <a:avLst/>
-          </a:prstGeom>
-          <a:ln>
-            <a:tailEnd type="triangle"/>
-          </a:ln>
-        </p:spPr>
-        <p:style>
-          <a:lnRef idx="1">
-            <a:schemeClr val="accent1"/>
-          </a:lnRef>
-          <a:fillRef idx="0">
-            <a:schemeClr val="accent1"/>
-          </a:fillRef>
-          <a:effectRef idx="0">
-            <a:schemeClr val="accent1"/>
-          </a:effectRef>
-          <a:fontRef idx="minor">
-            <a:schemeClr val="tx1"/>
-          </a:fontRef>
-        </p:style>
-      </p:cxnSp>
-      <p:cxnSp>
-        <p:nvCxnSpPr>
-          <p:cNvPr id="64" name="직선 화살표 연결선 63"/>
-          <p:cNvCxnSpPr/>
-          <p:nvPr/>
-        </p:nvCxnSpPr>
-        <p:spPr>
-          <a:xfrm flipH="1">
-            <a:off x="3776940" y="4739420"/>
-            <a:ext cx="4241" cy="289428"/>
-          </a:xfrm>
-          <a:prstGeom prst="straightConnector1">
-            <a:avLst/>
-          </a:prstGeom>
-          <a:ln>
-            <a:tailEnd type="triangle"/>
-          </a:ln>
-        </p:spPr>
-        <p:style>
-          <a:lnRef idx="1">
-            <a:schemeClr val="accent1"/>
-          </a:lnRef>
-          <a:fillRef idx="0">
-            <a:schemeClr val="accent1"/>
-          </a:fillRef>
-          <a:effectRef idx="0">
-            <a:schemeClr val="accent1"/>
-          </a:effectRef>
-          <a:fontRef idx="minor">
-            <a:schemeClr val="tx1"/>
-          </a:fontRef>
-        </p:style>
-      </p:cxnSp>
-      <p:cxnSp>
-        <p:nvCxnSpPr>
-          <p:cNvPr id="65" name="직선 화살표 연결선 64"/>
-          <p:cNvCxnSpPr/>
-          <p:nvPr/>
-        </p:nvCxnSpPr>
-        <p:spPr>
-          <a:xfrm flipH="1">
-            <a:off x="3763640" y="5394838"/>
-            <a:ext cx="4241" cy="289428"/>
-          </a:xfrm>
-          <a:prstGeom prst="straightConnector1">
-            <a:avLst/>
-          </a:prstGeom>
-          <a:ln>
-            <a:tailEnd type="triangle"/>
-          </a:ln>
-        </p:spPr>
-        <p:style>
-          <a:lnRef idx="1">
-            <a:schemeClr val="accent1"/>
-          </a:lnRef>
-          <a:fillRef idx="0">
-            <a:schemeClr val="accent1"/>
-          </a:fillRef>
-          <a:effectRef idx="0">
-            <a:schemeClr val="accent1"/>
-          </a:effectRef>
-          <a:fontRef idx="minor">
-            <a:schemeClr val="tx1"/>
-          </a:fontRef>
-        </p:style>
-      </p:cxnSp>
-      <p:cxnSp>
-        <p:nvCxnSpPr>
-          <p:cNvPr id="66" name="직선 화살표 연결선 65"/>
-          <p:cNvCxnSpPr/>
-          <p:nvPr/>
-        </p:nvCxnSpPr>
-        <p:spPr>
-          <a:xfrm flipH="1">
-            <a:off x="6535932" y="2857151"/>
-            <a:ext cx="4241" cy="289428"/>
-          </a:xfrm>
-          <a:prstGeom prst="straightConnector1">
-            <a:avLst/>
-          </a:prstGeom>
-          <a:ln>
-            <a:tailEnd type="triangle"/>
-          </a:ln>
-        </p:spPr>
-        <p:style>
-          <a:lnRef idx="1">
-            <a:schemeClr val="accent1"/>
-          </a:lnRef>
-          <a:fillRef idx="0">
-            <a:schemeClr val="accent1"/>
-          </a:fillRef>
-          <a:effectRef idx="0">
-            <a:schemeClr val="accent1"/>
-          </a:effectRef>
-          <a:fontRef idx="minor">
-            <a:schemeClr val="tx1"/>
-          </a:fontRef>
-        </p:style>
-      </p:cxnSp>
-      <p:cxnSp>
-        <p:nvCxnSpPr>
-          <p:cNvPr id="67" name="직선 화살표 연결선 66"/>
-          <p:cNvCxnSpPr/>
-          <p:nvPr/>
-        </p:nvCxnSpPr>
-        <p:spPr>
-          <a:xfrm flipH="1">
-            <a:off x="6535932" y="3483741"/>
-            <a:ext cx="4241" cy="289428"/>
-          </a:xfrm>
-          <a:prstGeom prst="straightConnector1">
-            <a:avLst/>
-          </a:prstGeom>
-          <a:ln>
-            <a:tailEnd type="triangle"/>
-          </a:ln>
-        </p:spPr>
-        <p:style>
-          <a:lnRef idx="1">
-            <a:schemeClr val="accent1"/>
-          </a:lnRef>
-          <a:fillRef idx="0">
-            <a:schemeClr val="accent1"/>
-          </a:fillRef>
-          <a:effectRef idx="0">
-            <a:schemeClr val="accent1"/>
-          </a:effectRef>
-          <a:fontRef idx="minor">
-            <a:schemeClr val="tx1"/>
-          </a:fontRef>
-        </p:style>
-      </p:cxnSp>
-      <p:cxnSp>
-        <p:nvCxnSpPr>
-          <p:cNvPr id="68" name="직선 화살표 연결선 67"/>
-          <p:cNvCxnSpPr/>
-          <p:nvPr/>
-        </p:nvCxnSpPr>
-        <p:spPr>
-          <a:xfrm flipH="1">
-            <a:off x="6520075" y="4112232"/>
-            <a:ext cx="4241" cy="289428"/>
-          </a:xfrm>
-          <a:prstGeom prst="straightConnector1">
-            <a:avLst/>
-          </a:prstGeom>
-          <a:ln>
-            <a:tailEnd type="triangle"/>
-          </a:ln>
-        </p:spPr>
-        <p:style>
-          <a:lnRef idx="1">
-            <a:schemeClr val="accent1"/>
-          </a:lnRef>
-          <a:fillRef idx="0">
-            <a:schemeClr val="accent1"/>
-          </a:fillRef>
-          <a:effectRef idx="0">
-            <a:schemeClr val="accent1"/>
-          </a:effectRef>
-          <a:fontRef idx="minor">
-            <a:schemeClr val="tx1"/>
-          </a:fontRef>
-        </p:style>
-      </p:cxnSp>
+              </a:endParaRPr>
+            </a:p>
+          </p:txBody>
+        </p:sp>
+        <p:cxnSp>
+          <p:nvCxnSpPr>
+            <p:cNvPr id="7" name="직선 화살표 연결선 6"/>
+            <p:cNvCxnSpPr/>
+            <p:nvPr/>
+          </p:nvCxnSpPr>
+          <p:spPr>
+            <a:xfrm flipH="1">
+              <a:off x="5076056" y="2075376"/>
+              <a:ext cx="288032" cy="375768"/>
+            </a:xfrm>
+            <a:prstGeom prst="straightConnector1">
+              <a:avLst/>
+            </a:prstGeom>
+            <a:ln>
+              <a:tailEnd type="triangle"/>
+            </a:ln>
+          </p:spPr>
+          <p:style>
+            <a:lnRef idx="1">
+              <a:schemeClr val="accent1"/>
+            </a:lnRef>
+            <a:fillRef idx="0">
+              <a:schemeClr val="accent1"/>
+            </a:fillRef>
+            <a:effectRef idx="0">
+              <a:schemeClr val="accent1"/>
+            </a:effectRef>
+            <a:fontRef idx="minor">
+              <a:schemeClr val="tx1"/>
+            </a:fontRef>
+          </p:style>
+        </p:cxnSp>
+        <p:cxnSp>
+          <p:nvCxnSpPr>
+            <p:cNvPr id="59" name="직선 화살표 연결선 58"/>
+            <p:cNvCxnSpPr/>
+            <p:nvPr/>
+          </p:nvCxnSpPr>
+          <p:spPr>
+            <a:xfrm>
+              <a:off x="6088522" y="2082899"/>
+              <a:ext cx="283678" cy="367836"/>
+            </a:xfrm>
+            <a:prstGeom prst="straightConnector1">
+              <a:avLst/>
+            </a:prstGeom>
+            <a:ln>
+              <a:tailEnd type="triangle"/>
+            </a:ln>
+          </p:spPr>
+          <p:style>
+            <a:lnRef idx="1">
+              <a:schemeClr val="accent1"/>
+            </a:lnRef>
+            <a:fillRef idx="0">
+              <a:schemeClr val="accent1"/>
+            </a:fillRef>
+            <a:effectRef idx="0">
+              <a:schemeClr val="accent1"/>
+            </a:effectRef>
+            <a:fontRef idx="minor">
+              <a:schemeClr val="tx1"/>
+            </a:fontRef>
+          </p:style>
+        </p:cxnSp>
+        <p:cxnSp>
+          <p:nvCxnSpPr>
+            <p:cNvPr id="60" name="직선 화살표 연결선 59"/>
+            <p:cNvCxnSpPr/>
+            <p:nvPr/>
+          </p:nvCxnSpPr>
+          <p:spPr>
+            <a:xfrm flipH="1">
+              <a:off x="3776940" y="2828318"/>
+              <a:ext cx="4241" cy="289428"/>
+            </a:xfrm>
+            <a:prstGeom prst="straightConnector1">
+              <a:avLst/>
+            </a:prstGeom>
+            <a:ln>
+              <a:tailEnd type="triangle"/>
+            </a:ln>
+          </p:spPr>
+          <p:style>
+            <a:lnRef idx="1">
+              <a:schemeClr val="accent1"/>
+            </a:lnRef>
+            <a:fillRef idx="0">
+              <a:schemeClr val="accent1"/>
+            </a:fillRef>
+            <a:effectRef idx="0">
+              <a:schemeClr val="accent1"/>
+            </a:effectRef>
+            <a:fontRef idx="minor">
+              <a:schemeClr val="tx1"/>
+            </a:fontRef>
+          </p:style>
+        </p:cxnSp>
+        <p:cxnSp>
+          <p:nvCxnSpPr>
+            <p:cNvPr id="61" name="직선 화살표 연결선 60"/>
+            <p:cNvCxnSpPr/>
+            <p:nvPr/>
+          </p:nvCxnSpPr>
+          <p:spPr>
+            <a:xfrm flipH="1">
+              <a:off x="5066135" y="2828318"/>
+              <a:ext cx="4241" cy="289428"/>
+            </a:xfrm>
+            <a:prstGeom prst="straightConnector1">
+              <a:avLst/>
+            </a:prstGeom>
+            <a:ln>
+              <a:tailEnd type="triangle"/>
+            </a:ln>
+          </p:spPr>
+          <p:style>
+            <a:lnRef idx="1">
+              <a:schemeClr val="accent1"/>
+            </a:lnRef>
+            <a:fillRef idx="0">
+              <a:schemeClr val="accent1"/>
+            </a:fillRef>
+            <a:effectRef idx="0">
+              <a:schemeClr val="accent1"/>
+            </a:effectRef>
+            <a:fontRef idx="minor">
+              <a:schemeClr val="tx1"/>
+            </a:fontRef>
+          </p:style>
+        </p:cxnSp>
+        <p:cxnSp>
+          <p:nvCxnSpPr>
+            <p:cNvPr id="62" name="직선 화살표 연결선 61"/>
+            <p:cNvCxnSpPr/>
+            <p:nvPr/>
+          </p:nvCxnSpPr>
+          <p:spPr>
+            <a:xfrm flipH="1">
+              <a:off x="3783068" y="3483224"/>
+              <a:ext cx="4241" cy="289428"/>
+            </a:xfrm>
+            <a:prstGeom prst="straightConnector1">
+              <a:avLst/>
+            </a:prstGeom>
+            <a:ln>
+              <a:tailEnd type="triangle"/>
+            </a:ln>
+          </p:spPr>
+          <p:style>
+            <a:lnRef idx="1">
+              <a:schemeClr val="accent1"/>
+            </a:lnRef>
+            <a:fillRef idx="0">
+              <a:schemeClr val="accent1"/>
+            </a:fillRef>
+            <a:effectRef idx="0">
+              <a:schemeClr val="accent1"/>
+            </a:effectRef>
+            <a:fontRef idx="minor">
+              <a:schemeClr val="tx1"/>
+            </a:fontRef>
+          </p:style>
+        </p:cxnSp>
+        <p:cxnSp>
+          <p:nvCxnSpPr>
+            <p:cNvPr id="63" name="직선 화살표 연결선 62"/>
+            <p:cNvCxnSpPr/>
+            <p:nvPr/>
+          </p:nvCxnSpPr>
+          <p:spPr>
+            <a:xfrm flipH="1">
+              <a:off x="3785188" y="4090048"/>
+              <a:ext cx="4241" cy="289428"/>
+            </a:xfrm>
+            <a:prstGeom prst="straightConnector1">
+              <a:avLst/>
+            </a:prstGeom>
+            <a:ln>
+              <a:tailEnd type="triangle"/>
+            </a:ln>
+          </p:spPr>
+          <p:style>
+            <a:lnRef idx="1">
+              <a:schemeClr val="accent1"/>
+            </a:lnRef>
+            <a:fillRef idx="0">
+              <a:schemeClr val="accent1"/>
+            </a:fillRef>
+            <a:effectRef idx="0">
+              <a:schemeClr val="accent1"/>
+            </a:effectRef>
+            <a:fontRef idx="minor">
+              <a:schemeClr val="tx1"/>
+            </a:fontRef>
+          </p:style>
+        </p:cxnSp>
+        <p:cxnSp>
+          <p:nvCxnSpPr>
+            <p:cNvPr id="64" name="직선 화살표 연결선 63"/>
+            <p:cNvCxnSpPr/>
+            <p:nvPr/>
+          </p:nvCxnSpPr>
+          <p:spPr>
+            <a:xfrm flipH="1">
+              <a:off x="3776940" y="4739420"/>
+              <a:ext cx="4241" cy="289428"/>
+            </a:xfrm>
+            <a:prstGeom prst="straightConnector1">
+              <a:avLst/>
+            </a:prstGeom>
+            <a:ln>
+              <a:tailEnd type="triangle"/>
+            </a:ln>
+          </p:spPr>
+          <p:style>
+            <a:lnRef idx="1">
+              <a:schemeClr val="accent1"/>
+            </a:lnRef>
+            <a:fillRef idx="0">
+              <a:schemeClr val="accent1"/>
+            </a:fillRef>
+            <a:effectRef idx="0">
+              <a:schemeClr val="accent1"/>
+            </a:effectRef>
+            <a:fontRef idx="minor">
+              <a:schemeClr val="tx1"/>
+            </a:fontRef>
+          </p:style>
+        </p:cxnSp>
+        <p:cxnSp>
+          <p:nvCxnSpPr>
+            <p:cNvPr id="65" name="직선 화살표 연결선 64"/>
+            <p:cNvCxnSpPr/>
+            <p:nvPr/>
+          </p:nvCxnSpPr>
+          <p:spPr>
+            <a:xfrm flipH="1">
+              <a:off x="3763640" y="5394838"/>
+              <a:ext cx="4241" cy="289428"/>
+            </a:xfrm>
+            <a:prstGeom prst="straightConnector1">
+              <a:avLst/>
+            </a:prstGeom>
+            <a:ln>
+              <a:tailEnd type="triangle"/>
+            </a:ln>
+          </p:spPr>
+          <p:style>
+            <a:lnRef idx="1">
+              <a:schemeClr val="accent1"/>
+            </a:lnRef>
+            <a:fillRef idx="0">
+              <a:schemeClr val="accent1"/>
+            </a:fillRef>
+            <a:effectRef idx="0">
+              <a:schemeClr val="accent1"/>
+            </a:effectRef>
+            <a:fontRef idx="minor">
+              <a:schemeClr val="tx1"/>
+            </a:fontRef>
+          </p:style>
+        </p:cxnSp>
+        <p:cxnSp>
+          <p:nvCxnSpPr>
+            <p:cNvPr id="66" name="직선 화살표 연결선 65"/>
+            <p:cNvCxnSpPr/>
+            <p:nvPr/>
+          </p:nvCxnSpPr>
+          <p:spPr>
+            <a:xfrm flipH="1">
+              <a:off x="6535932" y="2857151"/>
+              <a:ext cx="4241" cy="289428"/>
+            </a:xfrm>
+            <a:prstGeom prst="straightConnector1">
+              <a:avLst/>
+            </a:prstGeom>
+            <a:ln>
+              <a:tailEnd type="triangle"/>
+            </a:ln>
+          </p:spPr>
+          <p:style>
+            <a:lnRef idx="1">
+              <a:schemeClr val="accent1"/>
+            </a:lnRef>
+            <a:fillRef idx="0">
+              <a:schemeClr val="accent1"/>
+            </a:fillRef>
+            <a:effectRef idx="0">
+              <a:schemeClr val="accent1"/>
+            </a:effectRef>
+            <a:fontRef idx="minor">
+              <a:schemeClr val="tx1"/>
+            </a:fontRef>
+          </p:style>
+        </p:cxnSp>
+        <p:cxnSp>
+          <p:nvCxnSpPr>
+            <p:cNvPr id="67" name="직선 화살표 연결선 66"/>
+            <p:cNvCxnSpPr/>
+            <p:nvPr/>
+          </p:nvCxnSpPr>
+          <p:spPr>
+            <a:xfrm flipH="1">
+              <a:off x="6535932" y="3483741"/>
+              <a:ext cx="4241" cy="289428"/>
+            </a:xfrm>
+            <a:prstGeom prst="straightConnector1">
+              <a:avLst/>
+            </a:prstGeom>
+            <a:ln>
+              <a:tailEnd type="triangle"/>
+            </a:ln>
+          </p:spPr>
+          <p:style>
+            <a:lnRef idx="1">
+              <a:schemeClr val="accent1"/>
+            </a:lnRef>
+            <a:fillRef idx="0">
+              <a:schemeClr val="accent1"/>
+            </a:fillRef>
+            <a:effectRef idx="0">
+              <a:schemeClr val="accent1"/>
+            </a:effectRef>
+            <a:fontRef idx="minor">
+              <a:schemeClr val="tx1"/>
+            </a:fontRef>
+          </p:style>
+        </p:cxnSp>
+        <p:cxnSp>
+          <p:nvCxnSpPr>
+            <p:cNvPr id="68" name="직선 화살표 연결선 67"/>
+            <p:cNvCxnSpPr/>
+            <p:nvPr/>
+          </p:nvCxnSpPr>
+          <p:spPr>
+            <a:xfrm flipH="1">
+              <a:off x="6520075" y="4112232"/>
+              <a:ext cx="4241" cy="289428"/>
+            </a:xfrm>
+            <a:prstGeom prst="straightConnector1">
+              <a:avLst/>
+            </a:prstGeom>
+            <a:ln>
+              <a:tailEnd type="triangle"/>
+            </a:ln>
+          </p:spPr>
+          <p:style>
+            <a:lnRef idx="1">
+              <a:schemeClr val="accent1"/>
+            </a:lnRef>
+            <a:fillRef idx="0">
+              <a:schemeClr val="accent1"/>
+            </a:fillRef>
+            <a:effectRef idx="0">
+              <a:schemeClr val="accent1"/>
+            </a:effectRef>
+            <a:fontRef idx="minor">
+              <a:schemeClr val="tx1"/>
+            </a:fontRef>
+          </p:style>
+        </p:cxnSp>
+      </p:grpSp>
       <p:sp>
         <p:nvSpPr>
           <p:cNvPr id="45" name="TextBox 44"/>
@@ -14486,13 +14393,13 @@
       </p:sp>
       <p:sp>
         <p:nvSpPr>
-          <p:cNvPr id="27" name="TextBox 26"/>
+          <p:cNvPr id="28" name="TextBox 27"/>
           <p:cNvSpPr txBox="1"/>
           <p:nvPr/>
         </p:nvSpPr>
         <p:spPr>
           <a:xfrm>
-            <a:off x="971600" y="2555612"/>
+            <a:off x="971600" y="3131676"/>
             <a:ext cx="936104" cy="369332"/>
           </a:xfrm>
           <a:prstGeom prst="rect">
@@ -14507,12 +14414,12 @@
           <a:lstStyle/>
           <a:p>
             <a:r>
-              <a:rPr lang="ko-KR" altLang="en-US" b="1" smtClean="0">
+              <a:rPr lang="ko-KR" altLang="en-US" b="1" dirty="0" smtClean="0">
                 <a:solidFill>
                   <a:schemeClr val="bg1"/>
                 </a:solidFill>
               </a:rPr>
-              <a:t>소제</a:t>
+              <a:t>소제목</a:t>
             </a:r>
             <a:endParaRPr lang="ko-KR" altLang="en-US" b="1" dirty="0">
               <a:solidFill>
@@ -14524,44 +14431,6 @@
       </p:sp>
       <p:sp>
         <p:nvSpPr>
-          <p:cNvPr id="28" name="TextBox 27"/>
-          <p:cNvSpPr txBox="1"/>
-          <p:nvPr/>
-        </p:nvSpPr>
-        <p:spPr>
-          <a:xfrm>
-            <a:off x="971600" y="3131676"/>
-            <a:ext cx="936104" cy="369332"/>
-          </a:xfrm>
-          <a:prstGeom prst="rect">
-            <a:avLst/>
-          </a:prstGeom>
-          <a:noFill/>
-        </p:spPr>
-        <p:txBody>
-          <a:bodyPr wrap="square" rtlCol="0">
-            <a:spAutoFit/>
-          </a:bodyPr>
-          <a:lstStyle/>
-          <a:p>
-            <a:r>
-              <a:rPr lang="ko-KR" altLang="en-US" b="1" dirty="0" smtClean="0">
-                <a:solidFill>
-                  <a:schemeClr val="bg1"/>
-                </a:solidFill>
-              </a:rPr>
-              <a:t>소제목</a:t>
-            </a:r>
-            <a:endParaRPr lang="ko-KR" altLang="en-US" b="1" dirty="0">
-              <a:solidFill>
-                <a:schemeClr val="bg1"/>
-              </a:solidFill>
-            </a:endParaRPr>
-          </a:p>
-        </p:txBody>
-      </p:sp>
-      <p:sp>
-        <p:nvSpPr>
           <p:cNvPr id="31" name="직사각형 30"/>
           <p:cNvSpPr/>
           <p:nvPr/>
@@ -14588,15 +14457,7 @@
                   <a:schemeClr val="bg1"/>
                 </a:solidFill>
               </a:rPr>
-              <a:t>관리자 페이</a:t>
-            </a:r>
-            <a:r>
-              <a:rPr lang="ko-KR" altLang="en-US" sz="1200" b="1" spc="-150" smtClean="0">
-                <a:solidFill>
-                  <a:schemeClr val="bg1"/>
-                </a:solidFill>
-              </a:rPr>
-              <a:t>지</a:t>
+              <a:t>관리자 페이지</a:t>
             </a:r>
             <a:endParaRPr lang="ko-KR" altLang="en-US" sz="1200" b="1" spc="-150" dirty="0">
               <a:solidFill>
@@ -14643,18 +14504,7 @@
                   </a:schemeClr>
                 </a:solidFill>
               </a:rPr>
-              <a:t>관리자 </a:t>
-            </a:r>
-            <a:r>
-              <a:rPr lang="ko-KR" altLang="en-US" b="1" spc="-150" smtClean="0">
-                <a:solidFill>
-                  <a:schemeClr val="tx1">
-                    <a:lumMod val="75000"/>
-                    <a:lumOff val="25000"/>
-                  </a:schemeClr>
-                </a:solidFill>
-              </a:rPr>
-              <a:t>페이지</a:t>
+              <a:t>관리자 페이지</a:t>
             </a:r>
             <a:endParaRPr lang="ko-KR" altLang="en-US" b="1" spc="-150" dirty="0">
               <a:solidFill>
@@ -14675,7 +14525,7 @@
         </p:nvSpPr>
         <p:spPr>
           <a:xfrm>
-            <a:off x="479007" y="1818258"/>
+            <a:off x="479007" y="1484784"/>
             <a:ext cx="1932753" cy="369332"/>
           </a:xfrm>
           <a:prstGeom prst="rect">
@@ -14690,7 +14540,7 @@
           <a:lstStyle/>
           <a:p>
             <a:r>
-              <a:rPr lang="en-US" altLang="ko-KR" b="1" spc="-150">
+              <a:rPr lang="en-US" altLang="ko-KR" b="1" spc="-150" dirty="0">
                 <a:solidFill>
                   <a:schemeClr val="tx1">
                     <a:lumMod val="75000"/>
@@ -14701,7 +14551,7 @@
               <a:t>1</a:t>
             </a:r>
             <a:r>
-              <a:rPr lang="en-US" altLang="ko-KR" b="1" spc="-150" smtClean="0">
+              <a:rPr lang="en-US" altLang="ko-KR" b="1" spc="-150" dirty="0" smtClean="0">
                 <a:solidFill>
                   <a:schemeClr val="tx1">
                     <a:lumMod val="75000"/>
@@ -14712,7 +14562,7 @@
               <a:t>. </a:t>
             </a:r>
             <a:r>
-              <a:rPr lang="ko-KR" altLang="en-US" b="1" spc="-150" smtClean="0">
+              <a:rPr lang="ko-KR" altLang="en-US" b="1" spc="-150" dirty="0" smtClean="0">
                 <a:solidFill>
                   <a:schemeClr val="tx1">
                     <a:lumMod val="75000"/>
@@ -14741,7 +14591,7 @@
         </p:nvSpPr>
         <p:spPr>
           <a:xfrm>
-            <a:off x="479007" y="2520730"/>
+            <a:off x="479007" y="2348880"/>
             <a:ext cx="1932753" cy="369332"/>
           </a:xfrm>
           <a:prstGeom prst="rect">
@@ -14756,15 +14606,23 @@
           <a:lstStyle/>
           <a:p>
             <a:r>
-              <a:rPr lang="en-US" altLang="ko-KR" b="1" spc="-150" smtClean="0">
+              <a:rPr lang="en-US" altLang="ko-KR" b="1" spc="-150" dirty="0" smtClean="0">
                 <a:solidFill>
                   <a:srgbClr val="C00000"/>
                 </a:solidFill>
               </a:rPr>
-              <a:t>3. </a:t>
-            </a:r>
-            <a:r>
-              <a:rPr lang="ko-KR" altLang="en-US" b="1" spc="-150" smtClean="0">
+              <a:t>  3</a:t>
+            </a:r>
+            <a:r>
+              <a:rPr lang="en-US" altLang="ko-KR" b="1" spc="-150" dirty="0" smtClean="0">
+                <a:solidFill>
+                  <a:srgbClr val="C00000"/>
+                </a:solidFill>
+              </a:rPr>
+              <a:t>. </a:t>
+            </a:r>
+            <a:r>
+              <a:rPr lang="ko-KR" altLang="en-US" b="1" spc="-150" dirty="0" smtClean="0">
                 <a:solidFill>
                   <a:srgbClr val="C00000"/>
                 </a:solidFill>
@@ -14787,7 +14645,7 @@
         </p:nvSpPr>
         <p:spPr>
           <a:xfrm>
-            <a:off x="462912" y="2900042"/>
+            <a:off x="462912" y="2780928"/>
             <a:ext cx="1305928" cy="369332"/>
           </a:xfrm>
           <a:prstGeom prst="rect">
@@ -14804,7 +14662,7 @@
           <a:lstStyle/>
           <a:p>
             <a:r>
-              <a:rPr lang="en-US" altLang="ko-KR" b="1" spc="-150" smtClean="0">
+              <a:rPr lang="en-US" altLang="ko-KR" b="1" spc="-150" dirty="0" smtClean="0">
                 <a:solidFill>
                   <a:schemeClr val="tx1">
                     <a:lumMod val="75000"/>
@@ -14815,7 +14673,7 @@
               <a:t>4. </a:t>
             </a:r>
             <a:r>
-              <a:rPr lang="ko-KR" altLang="en-US" b="1" spc="-150" smtClean="0">
+              <a:rPr lang="ko-KR" altLang="en-US" b="1" spc="-150" dirty="0" smtClean="0">
                 <a:solidFill>
                   <a:schemeClr val="tx1">
                     <a:lumMod val="75000"/>
@@ -14844,7 +14702,7 @@
         </p:nvSpPr>
         <p:spPr>
           <a:xfrm>
-            <a:off x="454204" y="3733142"/>
+            <a:off x="454204" y="3645024"/>
             <a:ext cx="1519598" cy="369332"/>
           </a:xfrm>
           <a:prstGeom prst="rect">
@@ -14861,7 +14719,7 @@
           <a:lstStyle/>
           <a:p>
             <a:r>
-              <a:rPr lang="en-US" altLang="ko-KR" b="1" spc="-150" smtClean="0">
+              <a:rPr lang="en-US" altLang="ko-KR" b="1" spc="-150" dirty="0" smtClean="0">
                 <a:solidFill>
                   <a:schemeClr val="tx1">
                     <a:lumMod val="75000"/>
@@ -14872,7 +14730,7 @@
               <a:t>6. </a:t>
             </a:r>
             <a:r>
-              <a:rPr lang="ko-KR" altLang="en-US" b="1" spc="-150" smtClean="0">
+              <a:rPr lang="ko-KR" altLang="en-US" b="1" spc="-150" dirty="0" smtClean="0">
                 <a:solidFill>
                   <a:schemeClr val="tx1">
                     <a:lumMod val="75000"/>
@@ -14901,7 +14759,7 @@
         </p:nvSpPr>
         <p:spPr>
           <a:xfrm>
-            <a:off x="456940" y="3319308"/>
+            <a:off x="456940" y="3212976"/>
             <a:ext cx="1932753" cy="369332"/>
           </a:xfrm>
           <a:prstGeom prst="rect">
@@ -14916,7 +14774,7 @@
           <a:lstStyle/>
           <a:p>
             <a:r>
-              <a:rPr lang="en-US" altLang="ko-KR" b="1" spc="-150" smtClean="0">
+              <a:rPr lang="en-US" altLang="ko-KR" b="1" spc="-150" dirty="0" smtClean="0">
                 <a:solidFill>
                   <a:schemeClr val="tx1">
                     <a:lumMod val="75000"/>
@@ -14927,7 +14785,7 @@
               <a:t>5. </a:t>
             </a:r>
             <a:r>
-              <a:rPr lang="ko-KR" altLang="en-US" b="1" spc="-150" smtClean="0">
+              <a:rPr lang="ko-KR" altLang="en-US" b="1" spc="-150" dirty="0" smtClean="0">
                 <a:solidFill>
                   <a:schemeClr val="tx1">
                     <a:lumMod val="75000"/>
@@ -14956,7 +14814,7 @@
         </p:nvSpPr>
         <p:spPr>
           <a:xfrm>
-            <a:off x="454204" y="4146080"/>
+            <a:off x="454204" y="4139788"/>
             <a:ext cx="1519598" cy="369332"/>
           </a:xfrm>
           <a:prstGeom prst="rect">
@@ -14973,7 +14831,7 @@
           <a:lstStyle/>
           <a:p>
             <a:r>
-              <a:rPr lang="en-US" altLang="ko-KR" b="1" spc="-150" smtClean="0">
+              <a:rPr lang="en-US" altLang="ko-KR" b="1" spc="-150" dirty="0" smtClean="0">
                 <a:solidFill>
                   <a:schemeClr val="tx1">
                     <a:lumMod val="75000"/>
@@ -14984,7 +14842,7 @@
               <a:t>7. </a:t>
             </a:r>
             <a:r>
-              <a:rPr lang="ko-KR" altLang="en-US" b="1" spc="-150" smtClean="0">
+              <a:rPr lang="ko-KR" altLang="en-US" b="1" spc="-150" dirty="0" smtClean="0">
                 <a:solidFill>
                   <a:schemeClr val="tx1">
                     <a:lumMod val="75000"/>
@@ -15062,9 +14920,9 @@
           <p:nvPr/>
         </p:nvCxnSpPr>
         <p:spPr>
-          <a:xfrm flipV="1">
-            <a:off x="1978043" y="3909550"/>
-            <a:ext cx="696765" cy="12988"/>
+          <a:xfrm>
+            <a:off x="1973801" y="3825657"/>
+            <a:ext cx="701007" cy="35391"/>
           </a:xfrm>
           <a:prstGeom prst="straightConnector1">
             <a:avLst/>
@@ -15096,8 +14954,8 @@
         </p:nvCxnSpPr>
         <p:spPr>
           <a:xfrm flipV="1">
-            <a:off x="1768839" y="2979917"/>
-            <a:ext cx="618116" cy="102718"/>
+            <a:off x="1782481" y="2902870"/>
+            <a:ext cx="814375" cy="47718"/>
           </a:xfrm>
           <a:prstGeom prst="straightConnector1">
             <a:avLst/>
@@ -15129,7 +14987,7 @@
         </p:nvSpPr>
         <p:spPr>
           <a:xfrm>
-            <a:off x="461312" y="2180518"/>
+            <a:off x="461312" y="1916832"/>
             <a:ext cx="1932753" cy="369332"/>
           </a:xfrm>
           <a:prstGeom prst="rect">
@@ -15144,7 +15002,7 @@
           <a:lstStyle/>
           <a:p>
             <a:r>
-              <a:rPr lang="en-US" altLang="ko-KR" b="1" spc="-150" smtClean="0">
+              <a:rPr lang="en-US" altLang="ko-KR" b="1" spc="-150" dirty="0" smtClean="0">
                 <a:solidFill>
                   <a:schemeClr val="tx1">
                     <a:lumMod val="75000"/>
@@ -15152,10 +15010,10 @@
                   </a:schemeClr>
                 </a:solidFill>
               </a:rPr>
-              <a:t>2</a:t>
-            </a:r>
-            <a:r>
-              <a:rPr lang="en-US" altLang="ko-KR" b="1" spc="-150" smtClean="0">
+              <a:t>2. </a:t>
+            </a:r>
+            <a:r>
+              <a:rPr lang="ko-KR" altLang="en-US" b="1" spc="-150" dirty="0" smtClean="0">
                 <a:solidFill>
                   <a:schemeClr val="tx1">
                     <a:lumMod val="75000"/>
@@ -15163,29 +15021,7 @@
                   </a:schemeClr>
                 </a:solidFill>
               </a:rPr>
-              <a:t>. </a:t>
-            </a:r>
-            <a:r>
-              <a:rPr lang="ko-KR" altLang="en-US" b="1" spc="-150" smtClean="0">
-                <a:solidFill>
-                  <a:schemeClr val="tx1">
-                    <a:lumMod val="75000"/>
-                    <a:lumOff val="25000"/>
-                  </a:schemeClr>
-                </a:solidFill>
-              </a:rPr>
-              <a:t>고객</a:t>
-            </a:r>
-            <a:r>
-              <a:rPr lang="ko-KR" altLang="en-US" b="1" spc="-150" smtClean="0">
-                <a:solidFill>
-                  <a:schemeClr val="tx1">
-                    <a:lumMod val="75000"/>
-                    <a:lumOff val="25000"/>
-                  </a:schemeClr>
-                </a:solidFill>
-              </a:rPr>
-              <a:t> 관리</a:t>
+              <a:t>고객 관리</a:t>
             </a:r>
             <a:endParaRPr lang="ko-KR" altLang="en-US" b="1" spc="-150" dirty="0">
               <a:solidFill>
@@ -15206,7 +15042,7 @@
         </p:nvSpPr>
         <p:spPr>
           <a:xfrm>
-            <a:off x="454202" y="4588998"/>
+            <a:off x="454202" y="4581128"/>
             <a:ext cx="1932753" cy="369332"/>
           </a:xfrm>
           <a:prstGeom prst="rect">
@@ -15221,7 +15057,7 @@
           <a:lstStyle/>
           <a:p>
             <a:r>
-              <a:rPr lang="en-US" altLang="ko-KR" b="1" spc="-150" smtClean="0">
+              <a:rPr lang="en-US" altLang="ko-KR" b="1" spc="-150" dirty="0" smtClean="0">
                 <a:solidFill>
                   <a:schemeClr val="tx1">
                     <a:lumMod val="75000"/>
@@ -15232,7 +15068,7 @@
               <a:t>8. </a:t>
             </a:r>
             <a:r>
-              <a:rPr lang="ko-KR" altLang="en-US" b="1" spc="-150" smtClean="0">
+              <a:rPr lang="ko-KR" altLang="en-US" b="1" spc="-150" dirty="0" smtClean="0">
                 <a:solidFill>
                   <a:schemeClr val="tx1">
                     <a:lumMod val="75000"/>
@@ -15261,7 +15097,7 @@
         </p:nvSpPr>
         <p:spPr>
           <a:xfrm>
-            <a:off x="444671" y="5002384"/>
+            <a:off x="444671" y="5013176"/>
             <a:ext cx="1932753" cy="369332"/>
           </a:xfrm>
           <a:prstGeom prst="rect">
@@ -15276,7 +15112,7 @@
           <a:lstStyle/>
           <a:p>
             <a:r>
-              <a:rPr lang="en-US" altLang="ko-KR" b="1" spc="-150">
+              <a:rPr lang="en-US" altLang="ko-KR" b="1" spc="-150" dirty="0">
                 <a:solidFill>
                   <a:schemeClr val="tx1">
                     <a:lumMod val="75000"/>
@@ -15287,7 +15123,7 @@
               <a:t>9</a:t>
             </a:r>
             <a:r>
-              <a:rPr lang="en-US" altLang="ko-KR" b="1" spc="-150" smtClean="0">
+              <a:rPr lang="en-US" altLang="ko-KR" b="1" spc="-150" dirty="0" smtClean="0">
                 <a:solidFill>
                   <a:schemeClr val="tx1">
                     <a:lumMod val="75000"/>
@@ -15298,7 +15134,7 @@
               <a:t>. </a:t>
             </a:r>
             <a:r>
-              <a:rPr lang="ko-KR" altLang="en-US" b="1" spc="-150" smtClean="0">
+              <a:rPr lang="ko-KR" altLang="en-US" b="1" spc="-150" dirty="0" smtClean="0">
                 <a:solidFill>
                   <a:schemeClr val="tx1">
                     <a:lumMod val="75000"/>
@@ -15327,7 +15163,7 @@
         </p:nvSpPr>
         <p:spPr>
           <a:xfrm>
-            <a:off x="419927" y="5430536"/>
+            <a:off x="419927" y="5445224"/>
             <a:ext cx="1932753" cy="369332"/>
           </a:xfrm>
           <a:prstGeom prst="rect">
@@ -15342,7 +15178,7 @@
           <a:lstStyle/>
           <a:p>
             <a:r>
-              <a:rPr lang="en-US" altLang="ko-KR" b="1" spc="-150" smtClean="0">
+              <a:rPr lang="en-US" altLang="ko-KR" b="1" spc="-150" dirty="0" smtClean="0">
                 <a:solidFill>
                   <a:schemeClr val="tx1">
                     <a:lumMod val="75000"/>
@@ -15353,7 +15189,7 @@
               <a:t>10. </a:t>
             </a:r>
             <a:r>
-              <a:rPr lang="ko-KR" altLang="en-US" b="1" spc="-150" smtClean="0">
+              <a:rPr lang="ko-KR" altLang="en-US" b="1" spc="-150" dirty="0" smtClean="0">
                 <a:solidFill>
                   <a:schemeClr val="tx1">
                     <a:lumMod val="75000"/>
@@ -15374,67 +15210,6 @@
           </a:p>
         </p:txBody>
       </p:sp>
-      <p:sp>
-        <p:nvSpPr>
-          <p:cNvPr id="47" name="TextBox 46"/>
-          <p:cNvSpPr txBox="1"/>
-          <p:nvPr/>
-        </p:nvSpPr>
-        <p:spPr>
-          <a:xfrm>
-            <a:off x="2776550" y="3663374"/>
-            <a:ext cx="1467585" cy="369332"/>
-          </a:xfrm>
-          <a:prstGeom prst="rect">
-            <a:avLst/>
-          </a:prstGeom>
-          <a:solidFill>
-            <a:schemeClr val="accent1">
-              <a:lumMod val="40000"/>
-              <a:lumOff val="60000"/>
-            </a:schemeClr>
-          </a:solidFill>
-        </p:spPr>
-        <p:txBody>
-          <a:bodyPr wrap="square" rtlCol="0">
-            <a:spAutoFit/>
-          </a:bodyPr>
-          <a:lstStyle/>
-          <a:p>
-            <a:pPr algn="ctr"/>
-            <a:r>
-              <a:rPr lang="en-US" altLang="ko-KR" b="1" spc="-150" smtClean="0">
-                <a:solidFill>
-                  <a:schemeClr val="tx1">
-                    <a:lumMod val="75000"/>
-                    <a:lumOff val="25000"/>
-                  </a:schemeClr>
-                </a:solidFill>
-              </a:rPr>
-              <a:t>FAQ</a:t>
-            </a:r>
-            <a:r>
-              <a:rPr lang="ko-KR" altLang="en-US" b="1" spc="-150" smtClean="0">
-                <a:solidFill>
-                  <a:schemeClr val="tx1">
-                    <a:lumMod val="75000"/>
-                    <a:lumOff val="25000"/>
-                  </a:schemeClr>
-                </a:solidFill>
-              </a:rPr>
-              <a:t> 관리</a:t>
-            </a:r>
-            <a:endParaRPr lang="ko-KR" altLang="en-US" b="1" spc="-150" dirty="0">
-              <a:solidFill>
-                <a:schemeClr val="tx1">
-                  <a:lumMod val="75000"/>
-                  <a:lumOff val="25000"/>
-                </a:schemeClr>
-              </a:solidFill>
-            </a:endParaRPr>
-          </a:p>
-        </p:txBody>
-      </p:sp>
       <p:grpSp>
         <p:nvGrpSpPr>
           <p:cNvPr id="76" name="그룹 75"/>
@@ -15443,7 +15218,7 @@
         </p:nvGrpSpPr>
         <p:grpSpPr>
           <a:xfrm>
-            <a:off x="2738789" y="2644999"/>
+            <a:off x="2699792" y="2420888"/>
             <a:ext cx="5378469" cy="837240"/>
             <a:chOff x="2271594" y="1955074"/>
             <a:chExt cx="5378469" cy="837240"/>
@@ -15478,7 +15253,7 @@
             <a:p>
               <a:pPr algn="ctr"/>
               <a:r>
-                <a:rPr lang="ko-KR" altLang="en-US" b="1" spc="-150" smtClean="0">
+                <a:rPr lang="ko-KR" altLang="en-US" b="1" spc="-150" dirty="0" smtClean="0">
                   <a:solidFill>
                     <a:schemeClr val="tx1">
                       <a:lumMod val="75000"/>
@@ -15569,18 +15344,7 @@
                     </a:schemeClr>
                   </a:solidFill>
                 </a:rPr>
-                <a:t>투어</a:t>
-              </a:r>
-              <a:r>
-                <a:rPr lang="ko-KR" altLang="en-US" b="1" spc="-150" smtClean="0">
-                  <a:solidFill>
-                    <a:schemeClr val="tx1">
-                      <a:lumMod val="75000"/>
-                      <a:lumOff val="25000"/>
-                    </a:schemeClr>
-                  </a:solidFill>
-                </a:rPr>
-                <a:t> 관리</a:t>
+                <a:t>투어 관리</a:t>
               </a:r>
               <a:endParaRPr lang="ko-KR" altLang="en-US" b="1" spc="-150" dirty="0">
                 <a:solidFill>
@@ -15622,7 +15386,7 @@
             <a:p>
               <a:pPr algn="ctr"/>
               <a:r>
-                <a:rPr lang="ko-KR" altLang="en-US" b="1" spc="-150" smtClean="0">
+                <a:rPr lang="ko-KR" altLang="en-US" b="1" spc="-150" dirty="0" smtClean="0">
                   <a:solidFill>
                     <a:schemeClr val="tx1">
                       <a:lumMod val="75000"/>
@@ -15680,18 +15444,7 @@
                     </a:schemeClr>
                   </a:solidFill>
                 </a:rPr>
-                <a:t>렌터카 </a:t>
-              </a:r>
-              <a:r>
-                <a:rPr lang="ko-KR" altLang="en-US" b="1" spc="-150" smtClean="0">
-                  <a:solidFill>
-                    <a:schemeClr val="tx1">
-                      <a:lumMod val="75000"/>
-                      <a:lumOff val="25000"/>
-                    </a:schemeClr>
-                  </a:solidFill>
-                </a:rPr>
-                <a:t>관리</a:t>
+                <a:t>렌터카 관리</a:t>
               </a:r>
               <a:endParaRPr lang="ko-KR" altLang="en-US" b="1" spc="-150" dirty="0">
                 <a:solidFill>
@@ -15741,7 +15494,72 @@
                     </a:schemeClr>
                   </a:solidFill>
                 </a:rPr>
-                <a:t>상품</a:t>
+                <a:t>상품 관리</a:t>
+              </a:r>
+              <a:endParaRPr lang="ko-KR" altLang="en-US" b="1" spc="-150" dirty="0">
+                <a:solidFill>
+                  <a:schemeClr val="tx1">
+                    <a:lumMod val="75000"/>
+                    <a:lumOff val="25000"/>
+                  </a:schemeClr>
+                </a:solidFill>
+              </a:endParaRPr>
+            </a:p>
+          </p:txBody>
+        </p:sp>
+      </p:grpSp>
+      <p:grpSp>
+        <p:nvGrpSpPr>
+          <p:cNvPr id="4" name="그룹 3"/>
+          <p:cNvGrpSpPr/>
+          <p:nvPr/>
+        </p:nvGrpSpPr>
+        <p:grpSpPr>
+          <a:xfrm>
+            <a:off x="2699792" y="3645024"/>
+            <a:ext cx="3629503" cy="820584"/>
+            <a:chOff x="2776550" y="3663374"/>
+            <a:chExt cx="3629503" cy="820584"/>
+          </a:xfrm>
+        </p:grpSpPr>
+        <p:sp>
+          <p:nvSpPr>
+            <p:cNvPr id="47" name="TextBox 46"/>
+            <p:cNvSpPr txBox="1"/>
+            <p:nvPr/>
+          </p:nvSpPr>
+          <p:spPr>
+            <a:xfrm>
+              <a:off x="2776550" y="3663374"/>
+              <a:ext cx="1467585" cy="369332"/>
+            </a:xfrm>
+            <a:prstGeom prst="rect">
+              <a:avLst/>
+            </a:prstGeom>
+            <a:solidFill>
+              <a:schemeClr val="accent1">
+                <a:lumMod val="40000"/>
+                <a:lumOff val="60000"/>
+              </a:schemeClr>
+            </a:solidFill>
+          </p:spPr>
+          <p:txBody>
+            <a:bodyPr wrap="square" rtlCol="0">
+              <a:spAutoFit/>
+            </a:bodyPr>
+            <a:lstStyle/>
+            <a:p>
+              <a:pPr algn="ctr"/>
+              <a:r>
+                <a:rPr lang="en-US" altLang="ko-KR" b="1" spc="-150" smtClean="0">
+                  <a:solidFill>
+                    <a:schemeClr val="tx1">
+                      <a:lumMod val="75000"/>
+                      <a:lumOff val="25000"/>
+                    </a:schemeClr>
+                  </a:solidFill>
+                </a:rPr>
+                <a:t>FAQ</a:t>
               </a:r>
               <a:r>
                 <a:rPr lang="ko-KR" altLang="en-US" b="1" spc="-150" smtClean="0">
@@ -15765,229 +15583,222 @@
             </a:p>
           </p:txBody>
         </p:sp>
-      </p:grpSp>
-      <p:sp>
-        <p:nvSpPr>
-          <p:cNvPr id="84" name="TextBox 83"/>
-          <p:cNvSpPr txBox="1"/>
-          <p:nvPr/>
-        </p:nvSpPr>
-        <p:spPr>
-          <a:xfrm>
-            <a:off x="4342263" y="3670878"/>
-            <a:ext cx="2063790" cy="369332"/>
-          </a:xfrm>
-          <a:prstGeom prst="rect">
-            <a:avLst/>
-          </a:prstGeom>
-          <a:solidFill>
-            <a:schemeClr val="accent1">
-              <a:lumMod val="40000"/>
-              <a:lumOff val="60000"/>
-            </a:schemeClr>
-          </a:solidFill>
-        </p:spPr>
-        <p:txBody>
-          <a:bodyPr wrap="square" rtlCol="0">
-            <a:spAutoFit/>
-          </a:bodyPr>
-          <a:lstStyle/>
-          <a:p>
-            <a:pPr algn="ctr"/>
-            <a:r>
-              <a:rPr lang="ko-KR" altLang="en-US" b="1" spc="-150" smtClean="0">
+        <p:sp>
+          <p:nvSpPr>
+            <p:cNvPr id="84" name="TextBox 83"/>
+            <p:cNvSpPr txBox="1"/>
+            <p:nvPr/>
+          </p:nvSpPr>
+          <p:spPr>
+            <a:xfrm>
+              <a:off x="4342263" y="3670878"/>
+              <a:ext cx="2063790" cy="369332"/>
+            </a:xfrm>
+            <a:prstGeom prst="rect">
+              <a:avLst/>
+            </a:prstGeom>
+            <a:solidFill>
+              <a:schemeClr val="accent1">
+                <a:lumMod val="40000"/>
+                <a:lumOff val="60000"/>
+              </a:schemeClr>
+            </a:solidFill>
+          </p:spPr>
+          <p:txBody>
+            <a:bodyPr wrap="square" rtlCol="0">
+              <a:spAutoFit/>
+            </a:bodyPr>
+            <a:lstStyle/>
+            <a:p>
+              <a:pPr algn="ctr"/>
+              <a:r>
+                <a:rPr lang="ko-KR" altLang="en-US" b="1" spc="-150" smtClean="0">
+                  <a:solidFill>
+                    <a:schemeClr val="tx1">
+                      <a:lumMod val="75000"/>
+                      <a:lumOff val="25000"/>
+                    </a:schemeClr>
+                  </a:solidFill>
+                </a:rPr>
+                <a:t>고객의 소리 관리</a:t>
+              </a:r>
+              <a:endParaRPr lang="ko-KR" altLang="en-US" b="1" spc="-150" dirty="0">
                 <a:solidFill>
                   <a:schemeClr val="tx1">
                     <a:lumMod val="75000"/>
                     <a:lumOff val="25000"/>
                   </a:schemeClr>
                 </a:solidFill>
-              </a:rPr>
-              <a:t>고객의 소리 관리</a:t>
-            </a:r>
-            <a:endParaRPr lang="ko-KR" altLang="en-US" b="1" spc="-150" dirty="0">
-              <a:solidFill>
-                <a:schemeClr val="tx1">
-                  <a:lumMod val="75000"/>
-                  <a:lumOff val="25000"/>
-                </a:schemeClr>
-              </a:solidFill>
-            </a:endParaRPr>
-          </a:p>
-        </p:txBody>
-      </p:sp>
-      <p:sp>
-        <p:nvSpPr>
-          <p:cNvPr id="85" name="TextBox 84"/>
-          <p:cNvSpPr txBox="1"/>
-          <p:nvPr/>
-        </p:nvSpPr>
-        <p:spPr>
-          <a:xfrm>
-            <a:off x="4332193" y="4114626"/>
-            <a:ext cx="2063790" cy="369332"/>
-          </a:xfrm>
-          <a:prstGeom prst="rect">
-            <a:avLst/>
-          </a:prstGeom>
-          <a:solidFill>
-            <a:schemeClr val="accent1">
-              <a:lumMod val="40000"/>
-              <a:lumOff val="60000"/>
-            </a:schemeClr>
-          </a:solidFill>
-        </p:spPr>
-        <p:txBody>
-          <a:bodyPr wrap="square" rtlCol="0">
-            <a:spAutoFit/>
-          </a:bodyPr>
-          <a:lstStyle/>
-          <a:p>
-            <a:pPr algn="ctr"/>
-            <a:r>
-              <a:rPr lang="ko-KR" altLang="en-US" b="1" spc="-150" smtClean="0">
+              </a:endParaRPr>
+            </a:p>
+          </p:txBody>
+        </p:sp>
+        <p:sp>
+          <p:nvSpPr>
+            <p:cNvPr id="85" name="TextBox 84"/>
+            <p:cNvSpPr txBox="1"/>
+            <p:nvPr/>
+          </p:nvSpPr>
+          <p:spPr>
+            <a:xfrm>
+              <a:off x="4332193" y="4114626"/>
+              <a:ext cx="2063790" cy="369332"/>
+            </a:xfrm>
+            <a:prstGeom prst="rect">
+              <a:avLst/>
+            </a:prstGeom>
+            <a:solidFill>
+              <a:schemeClr val="accent1">
+                <a:lumMod val="40000"/>
+                <a:lumOff val="60000"/>
+              </a:schemeClr>
+            </a:solidFill>
+          </p:spPr>
+          <p:txBody>
+            <a:bodyPr wrap="square" rtlCol="0">
+              <a:spAutoFit/>
+            </a:bodyPr>
+            <a:lstStyle/>
+            <a:p>
+              <a:pPr algn="ctr"/>
+              <a:r>
+                <a:rPr lang="ko-KR" altLang="en-US" b="1" spc="-150" smtClean="0">
+                  <a:solidFill>
+                    <a:schemeClr val="tx1">
+                      <a:lumMod val="75000"/>
+                      <a:lumOff val="25000"/>
+                    </a:schemeClr>
+                  </a:solidFill>
+                </a:rPr>
+                <a:t>상품 문의사항 관리</a:t>
+              </a:r>
+              <a:endParaRPr lang="ko-KR" altLang="en-US" b="1" spc="-150" dirty="0">
                 <a:solidFill>
                   <a:schemeClr val="tx1">
                     <a:lumMod val="75000"/>
                     <a:lumOff val="25000"/>
                   </a:schemeClr>
                 </a:solidFill>
-              </a:rPr>
-              <a:t>상품 문의사항</a:t>
-            </a:r>
-            <a:r>
-              <a:rPr lang="ko-KR" altLang="en-US" b="1" spc="-150" smtClean="0">
+              </a:endParaRPr>
+            </a:p>
+          </p:txBody>
+        </p:sp>
+      </p:grpSp>
+      <p:grpSp>
+        <p:nvGrpSpPr>
+          <p:cNvPr id="5" name="그룹 4"/>
+          <p:cNvGrpSpPr/>
+          <p:nvPr/>
+        </p:nvGrpSpPr>
+        <p:grpSpPr>
+          <a:xfrm>
+            <a:off x="2720269" y="5075892"/>
+            <a:ext cx="3075867" cy="369332"/>
+            <a:chOff x="2776550" y="4893481"/>
+            <a:chExt cx="3075867" cy="369332"/>
+          </a:xfrm>
+        </p:grpSpPr>
+        <p:sp>
+          <p:nvSpPr>
+            <p:cNvPr id="86" name="TextBox 85"/>
+            <p:cNvSpPr txBox="1"/>
+            <p:nvPr/>
+          </p:nvSpPr>
+          <p:spPr>
+            <a:xfrm>
+              <a:off x="2776550" y="4893481"/>
+              <a:ext cx="1467585" cy="369332"/>
+            </a:xfrm>
+            <a:prstGeom prst="rect">
+              <a:avLst/>
+            </a:prstGeom>
+            <a:solidFill>
+              <a:schemeClr val="accent2">
+                <a:lumMod val="20000"/>
+                <a:lumOff val="80000"/>
+              </a:schemeClr>
+            </a:solidFill>
+          </p:spPr>
+          <p:txBody>
+            <a:bodyPr wrap="square" rtlCol="0">
+              <a:spAutoFit/>
+            </a:bodyPr>
+            <a:lstStyle/>
+            <a:p>
+              <a:pPr algn="ctr"/>
+              <a:r>
+                <a:rPr lang="ko-KR" altLang="en-US" b="1" spc="-150" dirty="0" smtClean="0">
+                  <a:solidFill>
+                    <a:schemeClr val="tx1">
+                      <a:lumMod val="75000"/>
+                      <a:lumOff val="25000"/>
+                    </a:schemeClr>
+                  </a:solidFill>
+                </a:rPr>
+                <a:t>팝업 관리</a:t>
+              </a:r>
+              <a:endParaRPr lang="ko-KR" altLang="en-US" b="1" spc="-150" dirty="0">
                 <a:solidFill>
                   <a:schemeClr val="tx1">
                     <a:lumMod val="75000"/>
                     <a:lumOff val="25000"/>
                   </a:schemeClr>
                 </a:solidFill>
-              </a:rPr>
-              <a:t> 관리</a:t>
-            </a:r>
-            <a:endParaRPr lang="ko-KR" altLang="en-US" b="1" spc="-150" dirty="0">
-              <a:solidFill>
-                <a:schemeClr val="tx1">
-                  <a:lumMod val="75000"/>
-                  <a:lumOff val="25000"/>
-                </a:schemeClr>
-              </a:solidFill>
-            </a:endParaRPr>
-          </a:p>
-        </p:txBody>
-      </p:sp>
-      <p:sp>
-        <p:nvSpPr>
-          <p:cNvPr id="86" name="TextBox 85"/>
-          <p:cNvSpPr txBox="1"/>
-          <p:nvPr/>
-        </p:nvSpPr>
-        <p:spPr>
-          <a:xfrm>
-            <a:off x="2776550" y="4893481"/>
-            <a:ext cx="1467585" cy="369332"/>
-          </a:xfrm>
-          <a:prstGeom prst="rect">
-            <a:avLst/>
-          </a:prstGeom>
-          <a:solidFill>
-            <a:schemeClr val="accent2">
-              <a:lumMod val="20000"/>
-              <a:lumOff val="80000"/>
-            </a:schemeClr>
-          </a:solidFill>
-        </p:spPr>
-        <p:txBody>
-          <a:bodyPr wrap="square" rtlCol="0">
-            <a:spAutoFit/>
-          </a:bodyPr>
-          <a:lstStyle/>
-          <a:p>
-            <a:pPr algn="ctr"/>
-            <a:r>
-              <a:rPr lang="ko-KR" altLang="en-US" b="1" spc="-150" smtClean="0">
+              </a:endParaRPr>
+            </a:p>
+          </p:txBody>
+        </p:sp>
+        <p:sp>
+          <p:nvSpPr>
+            <p:cNvPr id="89" name="TextBox 88"/>
+            <p:cNvSpPr txBox="1"/>
+            <p:nvPr/>
+          </p:nvSpPr>
+          <p:spPr>
+            <a:xfrm>
+              <a:off x="4384832" y="4893481"/>
+              <a:ext cx="1467585" cy="369332"/>
+            </a:xfrm>
+            <a:prstGeom prst="rect">
+              <a:avLst/>
+            </a:prstGeom>
+            <a:solidFill>
+              <a:schemeClr val="accent2">
+                <a:lumMod val="20000"/>
+                <a:lumOff val="80000"/>
+              </a:schemeClr>
+            </a:solidFill>
+          </p:spPr>
+          <p:txBody>
+            <a:bodyPr wrap="square" rtlCol="0">
+              <a:spAutoFit/>
+            </a:bodyPr>
+            <a:lstStyle/>
+            <a:p>
+              <a:pPr algn="ctr"/>
+              <a:r>
+                <a:rPr lang="ko-KR" altLang="en-US" b="1" spc="-150" smtClean="0">
+                  <a:solidFill>
+                    <a:schemeClr val="tx1">
+                      <a:lumMod val="75000"/>
+                      <a:lumOff val="25000"/>
+                    </a:schemeClr>
+                  </a:solidFill>
+                </a:rPr>
+                <a:t>배너 관리</a:t>
+              </a:r>
+              <a:endParaRPr lang="ko-KR" altLang="en-US" b="1" spc="-150" dirty="0">
                 <a:solidFill>
                   <a:schemeClr val="tx1">
                     <a:lumMod val="75000"/>
                     <a:lumOff val="25000"/>
                   </a:schemeClr>
                 </a:solidFill>
-              </a:rPr>
-              <a:t>팝업 관리</a:t>
-            </a:r>
-            <a:endParaRPr lang="ko-KR" altLang="en-US" b="1" spc="-150" dirty="0">
-              <a:solidFill>
-                <a:schemeClr val="tx1">
-                  <a:lumMod val="75000"/>
-                  <a:lumOff val="25000"/>
-                </a:schemeClr>
-              </a:solidFill>
-            </a:endParaRPr>
-          </a:p>
-        </p:txBody>
-      </p:sp>
-      <p:sp>
-        <p:nvSpPr>
-          <p:cNvPr id="89" name="TextBox 88"/>
-          <p:cNvSpPr txBox="1"/>
-          <p:nvPr/>
-        </p:nvSpPr>
-        <p:spPr>
-          <a:xfrm>
-            <a:off x="4384832" y="4893481"/>
-            <a:ext cx="1467585" cy="369332"/>
-          </a:xfrm>
-          <a:prstGeom prst="rect">
-            <a:avLst/>
-          </a:prstGeom>
-          <a:solidFill>
-            <a:schemeClr val="accent2">
-              <a:lumMod val="20000"/>
-              <a:lumOff val="80000"/>
-            </a:schemeClr>
-          </a:solidFill>
-        </p:spPr>
-        <p:txBody>
-          <a:bodyPr wrap="square" rtlCol="0">
-            <a:spAutoFit/>
-          </a:bodyPr>
-          <a:lstStyle/>
-          <a:p>
-            <a:pPr algn="ctr"/>
-            <a:r>
-              <a:rPr lang="ko-KR" altLang="en-US" b="1" spc="-150" smtClean="0">
-                <a:solidFill>
-                  <a:schemeClr val="tx1">
-                    <a:lumMod val="75000"/>
-                    <a:lumOff val="25000"/>
-                  </a:schemeClr>
-                </a:solidFill>
-              </a:rPr>
-              <a:t>배너 </a:t>
-            </a:r>
-            <a:r>
-              <a:rPr lang="ko-KR" altLang="en-US" b="1" spc="-150" smtClean="0">
-                <a:solidFill>
-                  <a:schemeClr val="tx1">
-                    <a:lumMod val="75000"/>
-                    <a:lumOff val="25000"/>
-                  </a:schemeClr>
-                </a:solidFill>
-              </a:rPr>
-              <a:t>관리</a:t>
-            </a:r>
-            <a:endParaRPr lang="ko-KR" altLang="en-US" b="1" spc="-150" dirty="0">
-              <a:solidFill>
-                <a:schemeClr val="tx1">
-                  <a:lumMod val="75000"/>
-                  <a:lumOff val="25000"/>
-                </a:schemeClr>
-              </a:solidFill>
-            </a:endParaRPr>
-          </a:p>
-        </p:txBody>
-      </p:sp>
+              </a:endParaRPr>
+            </a:p>
+          </p:txBody>
+        </p:sp>
+      </p:grpSp>
       <p:cxnSp>
         <p:nvCxnSpPr>
           <p:cNvPr id="90" name="직선 화살표 연결선 89"/>
@@ -15996,8 +15807,8 @@
         </p:nvCxnSpPr>
         <p:spPr>
           <a:xfrm>
-            <a:off x="2030552" y="4394023"/>
-            <a:ext cx="644256" cy="636315"/>
+            <a:off x="1973801" y="4324454"/>
+            <a:ext cx="701007" cy="677930"/>
           </a:xfrm>
           <a:prstGeom prst="straightConnector1">
             <a:avLst/>

--- a/file/PPT.pptx
+++ b/file/PPT.pptx
@@ -6294,15 +6294,7 @@
             </a:r>
             <a:r>
               <a:rPr lang="ko-KR" altLang="en-US" sz="1200" b="1" spc="-150" dirty="0" smtClean="0"/>
-              <a:t>사용한 </a:t>
-            </a:r>
-            <a:r>
-              <a:rPr lang="ko-KR" altLang="en-US" sz="1200" b="1" spc="-150" dirty="0" smtClean="0"/>
-              <a:t>도구 </a:t>
-            </a:r>
-            <a:r>
-              <a:rPr lang="ko-KR" altLang="en-US" sz="1200" b="1" spc="-150" dirty="0" smtClean="0"/>
-              <a:t>소개</a:t>
+              <a:t>사용한 도구 소개</a:t>
             </a:r>
             <a:endParaRPr lang="en-US" altLang="ko-KR" sz="1200" b="1" spc="-150" dirty="0" smtClean="0"/>
           </a:p>
@@ -8738,7 +8730,7 @@
           <p:cNvPr id="30" name="직사각형 29">
             <a:extLst>
               <a:ext uri="{FF2B5EF4-FFF2-40B4-BE49-F238E27FC236}">
-                <a16:creationId xmlns:a16="http://schemas.microsoft.com/office/drawing/2014/main" xmlns="" id="{3FA00699-5178-465A-9F3F-130CF1431F70}"/>
+                <a16:creationId xmlns="" xmlns:a16="http://schemas.microsoft.com/office/drawing/2014/main" id="{3FA00699-5178-465A-9F3F-130CF1431F70}"/>
               </a:ext>
             </a:extLst>
           </p:cNvPr>
@@ -8799,7 +8791,7 @@
           <p:cNvPr id="31" name="직사각형 30">
             <a:extLst>
               <a:ext uri="{FF2B5EF4-FFF2-40B4-BE49-F238E27FC236}">
-                <a16:creationId xmlns:a16="http://schemas.microsoft.com/office/drawing/2014/main" xmlns="" id="{3FA00699-5178-465A-9F3F-130CF1431F70}"/>
+                <a16:creationId xmlns="" xmlns:a16="http://schemas.microsoft.com/office/drawing/2014/main" id="{3FA00699-5178-465A-9F3F-130CF1431F70}"/>
               </a:ext>
             </a:extLst>
           </p:cNvPr>
@@ -8852,7 +8844,7 @@
           <p:cNvPr id="32" name="직사각형 31">
             <a:extLst>
               <a:ext uri="{FF2B5EF4-FFF2-40B4-BE49-F238E27FC236}">
-                <a16:creationId xmlns:a16="http://schemas.microsoft.com/office/drawing/2014/main" xmlns="" id="{3FA00699-5178-465A-9F3F-130CF1431F70}"/>
+                <a16:creationId xmlns="" xmlns:a16="http://schemas.microsoft.com/office/drawing/2014/main" id="{3FA00699-5178-465A-9F3F-130CF1431F70}"/>
               </a:ext>
             </a:extLst>
           </p:cNvPr>
@@ -8933,7 +8925,7 @@
           <p:cNvPr id="33" name="직사각형 32">
             <a:extLst>
               <a:ext uri="{FF2B5EF4-FFF2-40B4-BE49-F238E27FC236}">
-                <a16:creationId xmlns:a16="http://schemas.microsoft.com/office/drawing/2014/main" xmlns="" id="{3FA00699-5178-465A-9F3F-130CF1431F70}"/>
+                <a16:creationId xmlns="" xmlns:a16="http://schemas.microsoft.com/office/drawing/2014/main" id="{3FA00699-5178-465A-9F3F-130CF1431F70}"/>
               </a:ext>
             </a:extLst>
           </p:cNvPr>
@@ -8986,7 +8978,7 @@
           <p:cNvPr id="34" name="직사각형 33">
             <a:extLst>
               <a:ext uri="{FF2B5EF4-FFF2-40B4-BE49-F238E27FC236}">
-                <a16:creationId xmlns:a16="http://schemas.microsoft.com/office/drawing/2014/main" xmlns="" id="{3FA00699-5178-465A-9F3F-130CF1431F70}"/>
+                <a16:creationId xmlns="" xmlns:a16="http://schemas.microsoft.com/office/drawing/2014/main" id="{3FA00699-5178-465A-9F3F-130CF1431F70}"/>
               </a:ext>
             </a:extLst>
           </p:cNvPr>
@@ -9044,7 +9036,7 @@
           <p:cNvPr id="35" name="직사각형 34">
             <a:extLst>
               <a:ext uri="{FF2B5EF4-FFF2-40B4-BE49-F238E27FC236}">
-                <a16:creationId xmlns:a16="http://schemas.microsoft.com/office/drawing/2014/main" xmlns="" id="{3FA00699-5178-465A-9F3F-130CF1431F70}"/>
+                <a16:creationId xmlns="" xmlns:a16="http://schemas.microsoft.com/office/drawing/2014/main" id="{3FA00699-5178-465A-9F3F-130CF1431F70}"/>
               </a:ext>
             </a:extLst>
           </p:cNvPr>
@@ -9133,7 +9125,7 @@
           <p:cNvPr id="36" name="직사각형 35">
             <a:extLst>
               <a:ext uri="{FF2B5EF4-FFF2-40B4-BE49-F238E27FC236}">
-                <a16:creationId xmlns:a16="http://schemas.microsoft.com/office/drawing/2014/main" xmlns="" id="{3FA00699-5178-465A-9F3F-130CF1431F70}"/>
+                <a16:creationId xmlns="" xmlns:a16="http://schemas.microsoft.com/office/drawing/2014/main" id="{3FA00699-5178-465A-9F3F-130CF1431F70}"/>
               </a:ext>
             </a:extLst>
           </p:cNvPr>
@@ -9210,7 +9202,7 @@
           <p:cNvPr id="37" name="직사각형 36">
             <a:extLst>
               <a:ext uri="{FF2B5EF4-FFF2-40B4-BE49-F238E27FC236}">
-                <a16:creationId xmlns:a16="http://schemas.microsoft.com/office/drawing/2014/main" xmlns="" id="{3FA00699-5178-465A-9F3F-130CF1431F70}"/>
+                <a16:creationId xmlns="" xmlns:a16="http://schemas.microsoft.com/office/drawing/2014/main" id="{3FA00699-5178-465A-9F3F-130CF1431F70}"/>
               </a:ext>
             </a:extLst>
           </p:cNvPr>
@@ -10024,8 +10016,8 @@
         </p:nvSpPr>
         <p:spPr>
           <a:xfrm>
-            <a:off x="251520" y="620688"/>
-            <a:ext cx="8640960" cy="5976664"/>
+            <a:off x="251520" y="441685"/>
+            <a:ext cx="8640960" cy="6227675"/>
           </a:xfrm>
           <a:prstGeom prst="rect">
             <a:avLst/>
@@ -10062,74 +10054,96 @@
           </a:p>
         </p:txBody>
       </p:sp>
-      <p:sp>
-        <p:nvSpPr>
-          <p:cNvPr id="15" name="TextBox 14"/>
-          <p:cNvSpPr txBox="1"/>
-          <p:nvPr/>
-        </p:nvSpPr>
-        <p:spPr>
-          <a:xfrm>
-            <a:off x="971600" y="1196752"/>
-            <a:ext cx="7200800" cy="1015663"/>
+      <p:pic>
+        <p:nvPicPr>
+          <p:cNvPr id="4" name="그림 3"/>
+          <p:cNvPicPr>
+            <a:picLocks noChangeAspect="1"/>
+          </p:cNvPicPr>
+          <p:nvPr/>
+        </p:nvPicPr>
+        <p:blipFill>
+          <a:blip r:embed="rId3"/>
+          <a:stretch>
+            <a:fillRect/>
+          </a:stretch>
+        </p:blipFill>
+        <p:spPr>
+          <a:xfrm>
+            <a:off x="323528" y="544887"/>
+            <a:ext cx="8471943" cy="6124473"/>
           </a:xfrm>
           <a:prstGeom prst="rect">
             <a:avLst/>
           </a:prstGeom>
-          <a:noFill/>
-        </p:spPr>
-        <p:txBody>
-          <a:bodyPr wrap="square" rtlCol="0">
+        </p:spPr>
+      </p:pic>
+      <p:sp>
+        <p:nvSpPr>
+          <p:cNvPr id="17" name="직사각형 16"/>
+          <p:cNvSpPr/>
+          <p:nvPr/>
+        </p:nvSpPr>
+        <p:spPr>
+          <a:xfrm>
+            <a:off x="179512" y="109130"/>
+            <a:ext cx="1009991" cy="338554"/>
+          </a:xfrm>
+          <a:prstGeom prst="rect">
+            <a:avLst/>
+          </a:prstGeom>
+        </p:spPr>
+        <p:txBody>
+          <a:bodyPr wrap="square">
             <a:spAutoFit/>
           </a:bodyPr>
           <a:lstStyle/>
           <a:p>
             <a:pPr algn="ctr"/>
             <a:r>
-              <a:rPr lang="en-US" altLang="ko-KR" sz="6000" dirty="0" smtClean="0">
-                <a:solidFill>
-                  <a:schemeClr val="bg1">
-                    <a:lumMod val="75000"/>
-                  </a:schemeClr>
-                </a:solidFill>
-                <a:latin typeface="HY헤드라인M" pitchFamily="18" charset="-127"/>
-                <a:ea typeface="HY헤드라인M" pitchFamily="18" charset="-127"/>
-              </a:rPr>
-              <a:t>“           ”</a:t>
-            </a:r>
-            <a:endParaRPr lang="ko-KR" altLang="en-US" sz="6000" dirty="0">
+              <a:rPr lang="en-US" altLang="ko-KR" sz="1600" b="1" spc="-150" dirty="0" smtClean="0">
+                <a:solidFill>
+                  <a:schemeClr val="bg1"/>
+                </a:solidFill>
+              </a:rPr>
+              <a:t>DB </a:t>
+            </a:r>
+            <a:r>
+              <a:rPr lang="ko-KR" altLang="en-US" sz="1600" b="1" spc="-150" dirty="0" smtClean="0">
+                <a:solidFill>
+                  <a:schemeClr val="bg1"/>
+                </a:solidFill>
+              </a:rPr>
+              <a:t>설계</a:t>
+            </a:r>
+            <a:endParaRPr lang="ko-KR" altLang="en-US" sz="1600" b="1" spc="-150" dirty="0">
               <a:solidFill>
-                <a:schemeClr val="bg1">
-                  <a:lumMod val="75000"/>
-                </a:schemeClr>
+                <a:schemeClr val="bg1"/>
               </a:solidFill>
-              <a:latin typeface="HY헤드라인M" pitchFamily="18" charset="-127"/>
-              <a:ea typeface="HY헤드라인M" pitchFamily="18" charset="-127"/>
             </a:endParaRPr>
           </a:p>
         </p:txBody>
       </p:sp>
       <p:sp>
         <p:nvSpPr>
-          <p:cNvPr id="3" name="타원 2"/>
+          <p:cNvPr id="38" name="직사각형 37"/>
           <p:cNvSpPr/>
           <p:nvPr/>
         </p:nvSpPr>
         <p:spPr>
           <a:xfrm>
-            <a:off x="4067944" y="74100"/>
-            <a:ext cx="936104" cy="936104"/>
-          </a:xfrm>
-          <a:prstGeom prst="ellipse">
-            <a:avLst/>
-          </a:prstGeom>
-          <a:solidFill>
-            <a:schemeClr val="tx2">
-              <a:lumMod val="75000"/>
-            </a:schemeClr>
-          </a:solidFill>
+            <a:off x="375534" y="548680"/>
+            <a:ext cx="596066" cy="253045"/>
+          </a:xfrm>
+          <a:prstGeom prst="rect">
+            <a:avLst/>
+          </a:prstGeom>
           <a:ln>
-            <a:noFill/>
+            <a:solidFill>
+              <a:schemeClr val="accent1">
+                <a:lumMod val="75000"/>
+              </a:schemeClr>
+            </a:solidFill>
           </a:ln>
         </p:spPr>
         <p:style>
@@ -10153,187 +10167,23 @@
           <a:lstStyle/>
           <a:p>
             <a:pPr algn="ctr"/>
-            <a:endParaRPr lang="ko-KR" altLang="en-US"/>
-          </a:p>
-        </p:txBody>
-      </p:sp>
-      <p:sp>
-        <p:nvSpPr>
-          <p:cNvPr id="9" name="TextBox 8"/>
-          <p:cNvSpPr txBox="1"/>
-          <p:nvPr/>
-        </p:nvSpPr>
-        <p:spPr>
-          <a:xfrm>
-            <a:off x="3995936" y="479095"/>
-            <a:ext cx="1080120" cy="461665"/>
-          </a:xfrm>
-          <a:prstGeom prst="rect">
-            <a:avLst/>
-          </a:prstGeom>
-          <a:noFill/>
-        </p:spPr>
-        <p:txBody>
-          <a:bodyPr wrap="square" rtlCol="0">
-            <a:spAutoFit/>
-          </a:bodyPr>
-          <a:lstStyle/>
-          <a:p>
-            <a:pPr algn="ctr"/>
-            <a:r>
-              <a:rPr lang="en-US" altLang="ko-KR" sz="2400" dirty="0" smtClean="0">
+            <a:r>
+              <a:rPr lang="ko-KR" altLang="en-US" sz="1400" dirty="0">
                 <a:solidFill>
                   <a:schemeClr val="bg1"/>
                 </a:solidFill>
-                <a:latin typeface="HY헤드라인M" pitchFamily="18" charset="-127"/>
-                <a:ea typeface="HY헤드라인M" pitchFamily="18" charset="-127"/>
-              </a:rPr>
-              <a:t>01</a:t>
-            </a:r>
-            <a:endParaRPr lang="ko-KR" altLang="en-US" sz="2400" dirty="0">
-              <a:solidFill>
-                <a:schemeClr val="bg1"/>
-              </a:solidFill>
-              <a:latin typeface="HY헤드라인M" pitchFamily="18" charset="-127"/>
-              <a:ea typeface="HY헤드라인M" pitchFamily="18" charset="-127"/>
-            </a:endParaRPr>
-          </a:p>
-        </p:txBody>
-      </p:sp>
-      <p:sp>
-        <p:nvSpPr>
-          <p:cNvPr id="12" name="TextBox 11"/>
-          <p:cNvSpPr txBox="1"/>
-          <p:nvPr/>
-        </p:nvSpPr>
-        <p:spPr>
-          <a:xfrm>
-            <a:off x="2411760" y="1268760"/>
-            <a:ext cx="4320480" cy="584775"/>
-          </a:xfrm>
-          <a:prstGeom prst="rect">
-            <a:avLst/>
-          </a:prstGeom>
-          <a:noFill/>
-        </p:spPr>
-        <p:txBody>
-          <a:bodyPr wrap="square" rtlCol="0">
-            <a:spAutoFit/>
-          </a:bodyPr>
-          <a:lstStyle/>
-          <a:p>
-            <a:pPr algn="ctr"/>
-            <a:r>
-              <a:rPr lang="en-US" altLang="ko-KR" sz="3200" b="1" spc="-150" smtClean="0">
-                <a:solidFill>
-                  <a:schemeClr val="tx2">
-                    <a:lumMod val="75000"/>
-                  </a:schemeClr>
-                </a:solidFill>
-                <a:latin typeface="+mj-lt"/>
-                <a:ea typeface="HY헤드라인M" pitchFamily="18" charset="-127"/>
-              </a:rPr>
-              <a:t>TOURLAND</a:t>
-            </a:r>
-            <a:endParaRPr lang="ko-KR" altLang="en-US" sz="3200" b="1" spc="-150" dirty="0">
-              <a:solidFill>
-                <a:schemeClr val="tx2">
-                  <a:lumMod val="75000"/>
-                </a:schemeClr>
-              </a:solidFill>
-              <a:latin typeface="+mj-lt"/>
-              <a:ea typeface="HY헤드라인M" pitchFamily="18" charset="-127"/>
-            </a:endParaRPr>
-          </a:p>
-        </p:txBody>
-      </p:sp>
-      <p:cxnSp>
-        <p:nvCxnSpPr>
-          <p:cNvPr id="14" name="직선 연결선 13"/>
-          <p:cNvCxnSpPr/>
-          <p:nvPr/>
-        </p:nvCxnSpPr>
-        <p:spPr>
-          <a:xfrm>
-            <a:off x="2123728" y="1916832"/>
-            <a:ext cx="4824536" cy="0"/>
-          </a:xfrm>
-          <a:prstGeom prst="line">
-            <a:avLst/>
-          </a:prstGeom>
-          <a:ln>
-            <a:gradFill>
-              <a:gsLst>
-                <a:gs pos="0">
+              </a:rPr>
+              <a:t>직</a:t>
+            </a:r>
+            <a:r>
+              <a:rPr lang="ko-KR" altLang="en-US" sz="1400" dirty="0" smtClean="0">
+                <a:solidFill>
                   <a:schemeClr val="bg1"/>
-                </a:gs>
-                <a:gs pos="50000">
-                  <a:schemeClr val="bg1">
-                    <a:lumMod val="50000"/>
-                  </a:schemeClr>
-                </a:gs>
-                <a:gs pos="100000">
-                  <a:schemeClr val="bg1"/>
-                </a:gs>
-              </a:gsLst>
-              <a:lin ang="10800000" scaled="0"/>
-            </a:gradFill>
-          </a:ln>
-        </p:spPr>
-        <p:style>
-          <a:lnRef idx="1">
-            <a:schemeClr val="dk1"/>
-          </a:lnRef>
-          <a:fillRef idx="0">
-            <a:schemeClr val="dk1"/>
-          </a:fillRef>
-          <a:effectRef idx="0">
-            <a:schemeClr val="dk1"/>
-          </a:effectRef>
-          <a:fontRef idx="minor">
-            <a:schemeClr val="tx1"/>
-          </a:fontRef>
-        </p:style>
-      </p:cxnSp>
-      <p:sp>
-        <p:nvSpPr>
-          <p:cNvPr id="17" name="직사각형 16"/>
-          <p:cNvSpPr/>
-          <p:nvPr/>
-        </p:nvSpPr>
-        <p:spPr>
-          <a:xfrm>
-            <a:off x="414595" y="179270"/>
-            <a:ext cx="663964" cy="276999"/>
-          </a:xfrm>
-          <a:prstGeom prst="rect">
-            <a:avLst/>
-          </a:prstGeom>
-        </p:spPr>
-        <p:txBody>
-          <a:bodyPr wrap="none">
-            <a:spAutoFit/>
-          </a:bodyPr>
-          <a:lstStyle/>
-          <a:p>
-            <a:pPr algn="ctr"/>
-            <a:r>
-              <a:rPr lang="en-US" altLang="ko-KR" sz="1200" b="1" spc="-150" smtClean="0">
-                <a:solidFill>
-                  <a:schemeClr val="bg1"/>
-                </a:solidFill>
-              </a:rPr>
-              <a:t>DB </a:t>
-            </a:r>
-            <a:r>
-              <a:rPr lang="ko-KR" altLang="en-US" sz="1200" b="1" spc="-150" smtClean="0">
-                <a:solidFill>
-                  <a:schemeClr val="bg1"/>
-                </a:solidFill>
-              </a:rPr>
-              <a:t>설계</a:t>
-            </a:r>
-            <a:endParaRPr lang="ko-KR" altLang="en-US" sz="1200" b="1" spc="-150" dirty="0">
+                </a:solidFill>
+              </a:rPr>
+              <a:t>원</a:t>
+            </a:r>
+            <a:endParaRPr lang="ko-KR" altLang="en-US" sz="1400" dirty="0">
               <a:solidFill>
                 <a:schemeClr val="bg1"/>
               </a:solidFill>
@@ -10343,298 +10193,13 @@
       </p:sp>
       <p:sp>
         <p:nvSpPr>
-          <p:cNvPr id="21" name="TextBox 20"/>
-          <p:cNvSpPr txBox="1"/>
-          <p:nvPr/>
-        </p:nvSpPr>
-        <p:spPr>
-          <a:xfrm>
-            <a:off x="1115616" y="5013176"/>
-            <a:ext cx="1872208" cy="430887"/>
-          </a:xfrm>
-          <a:prstGeom prst="rect">
-            <a:avLst/>
-          </a:prstGeom>
-          <a:noFill/>
-        </p:spPr>
-        <p:txBody>
-          <a:bodyPr wrap="square" rtlCol="0">
-            <a:spAutoFit/>
-          </a:bodyPr>
-          <a:lstStyle/>
-          <a:p>
-            <a:pPr algn="ctr"/>
-            <a:r>
-              <a:rPr lang="ko-KR" altLang="en-US" sz="1100" dirty="0" err="1" smtClean="0">
-                <a:solidFill>
-                  <a:schemeClr val="bg1"/>
-                </a:solidFill>
-              </a:rPr>
-              <a:t>우클릭</a:t>
-            </a:r>
-            <a:r>
-              <a:rPr lang="ko-KR" altLang="en-US" sz="1100" dirty="0" smtClean="0">
-                <a:solidFill>
-                  <a:schemeClr val="bg1"/>
-                </a:solidFill>
-              </a:rPr>
-              <a:t> </a:t>
-            </a:r>
-            <a:r>
-              <a:rPr lang="ko-KR" altLang="en-US" sz="1100" dirty="0" err="1" smtClean="0">
-                <a:solidFill>
-                  <a:schemeClr val="bg1"/>
-                </a:solidFill>
-              </a:rPr>
-              <a:t>그림바꾸기로</a:t>
-            </a:r>
-            <a:r>
-              <a:rPr lang="ko-KR" altLang="en-US" sz="1100" dirty="0" smtClean="0">
-                <a:solidFill>
-                  <a:schemeClr val="bg1"/>
-                </a:solidFill>
-              </a:rPr>
-              <a:t> </a:t>
-            </a:r>
-            <a:endParaRPr lang="en-US" altLang="ko-KR" sz="1100" dirty="0" smtClean="0">
-              <a:solidFill>
-                <a:schemeClr val="bg1"/>
-              </a:solidFill>
-            </a:endParaRPr>
-          </a:p>
-          <a:p>
-            <a:pPr algn="ctr"/>
-            <a:r>
-              <a:rPr lang="ko-KR" altLang="en-US" sz="1100" dirty="0" err="1" smtClean="0">
-                <a:solidFill>
-                  <a:schemeClr val="bg1"/>
-                </a:solidFill>
-              </a:rPr>
-              <a:t>그림바꿔주세요</a:t>
-            </a:r>
-            <a:r>
-              <a:rPr lang="ko-KR" altLang="en-US" sz="1100" dirty="0" smtClean="0">
-                <a:solidFill>
-                  <a:schemeClr val="bg1"/>
-                </a:solidFill>
-              </a:rPr>
-              <a:t> </a:t>
-            </a:r>
-            <a:endParaRPr lang="ko-KR" altLang="en-US" sz="1100" dirty="0">
-              <a:solidFill>
-                <a:schemeClr val="bg1"/>
-              </a:solidFill>
-            </a:endParaRPr>
-          </a:p>
-        </p:txBody>
-      </p:sp>
-      <p:sp>
-        <p:nvSpPr>
-          <p:cNvPr id="22" name="TextBox 21"/>
-          <p:cNvSpPr txBox="1"/>
-          <p:nvPr/>
-        </p:nvSpPr>
-        <p:spPr>
-          <a:xfrm>
-            <a:off x="3707904" y="5013176"/>
-            <a:ext cx="1872208" cy="430887"/>
-          </a:xfrm>
-          <a:prstGeom prst="rect">
-            <a:avLst/>
-          </a:prstGeom>
-          <a:noFill/>
-        </p:spPr>
-        <p:txBody>
-          <a:bodyPr wrap="square" rtlCol="0">
-            <a:spAutoFit/>
-          </a:bodyPr>
-          <a:lstStyle/>
-          <a:p>
-            <a:pPr algn="ctr"/>
-            <a:r>
-              <a:rPr lang="ko-KR" altLang="en-US" sz="1100" dirty="0" err="1" smtClean="0">
-                <a:solidFill>
-                  <a:schemeClr val="bg1"/>
-                </a:solidFill>
-              </a:rPr>
-              <a:t>우클릭</a:t>
-            </a:r>
-            <a:r>
-              <a:rPr lang="ko-KR" altLang="en-US" sz="1100" dirty="0" smtClean="0">
-                <a:solidFill>
-                  <a:schemeClr val="bg1"/>
-                </a:solidFill>
-              </a:rPr>
-              <a:t> </a:t>
-            </a:r>
-            <a:r>
-              <a:rPr lang="ko-KR" altLang="en-US" sz="1100" dirty="0" err="1" smtClean="0">
-                <a:solidFill>
-                  <a:schemeClr val="bg1"/>
-                </a:solidFill>
-              </a:rPr>
-              <a:t>그림바꾸기로</a:t>
-            </a:r>
-            <a:r>
-              <a:rPr lang="ko-KR" altLang="en-US" sz="1100" dirty="0" smtClean="0">
-                <a:solidFill>
-                  <a:schemeClr val="bg1"/>
-                </a:solidFill>
-              </a:rPr>
-              <a:t> </a:t>
-            </a:r>
-            <a:endParaRPr lang="en-US" altLang="ko-KR" sz="1100" dirty="0" smtClean="0">
-              <a:solidFill>
-                <a:schemeClr val="bg1"/>
-              </a:solidFill>
-            </a:endParaRPr>
-          </a:p>
-          <a:p>
-            <a:pPr algn="ctr"/>
-            <a:r>
-              <a:rPr lang="ko-KR" altLang="en-US" sz="1100" dirty="0" err="1" smtClean="0">
-                <a:solidFill>
-                  <a:schemeClr val="bg1"/>
-                </a:solidFill>
-              </a:rPr>
-              <a:t>그림바꿔주세요</a:t>
-            </a:r>
-            <a:r>
-              <a:rPr lang="ko-KR" altLang="en-US" sz="1100" dirty="0" smtClean="0">
-                <a:solidFill>
-                  <a:schemeClr val="bg1"/>
-                </a:solidFill>
-              </a:rPr>
-              <a:t> </a:t>
-            </a:r>
-            <a:endParaRPr lang="ko-KR" altLang="en-US" sz="1100" dirty="0">
-              <a:solidFill>
-                <a:schemeClr val="bg1"/>
-              </a:solidFill>
-            </a:endParaRPr>
-          </a:p>
-        </p:txBody>
-      </p:sp>
-      <p:sp>
-        <p:nvSpPr>
-          <p:cNvPr id="23" name="TextBox 22"/>
-          <p:cNvSpPr txBox="1"/>
-          <p:nvPr/>
-        </p:nvSpPr>
-        <p:spPr>
-          <a:xfrm>
-            <a:off x="6228184" y="5013176"/>
-            <a:ext cx="1872208" cy="430887"/>
-          </a:xfrm>
-          <a:prstGeom prst="rect">
-            <a:avLst/>
-          </a:prstGeom>
-          <a:noFill/>
-        </p:spPr>
-        <p:txBody>
-          <a:bodyPr wrap="square" rtlCol="0">
-            <a:spAutoFit/>
-          </a:bodyPr>
-          <a:lstStyle/>
-          <a:p>
-            <a:pPr algn="ctr"/>
-            <a:r>
-              <a:rPr lang="ko-KR" altLang="en-US" sz="1100" dirty="0" err="1" smtClean="0">
-                <a:solidFill>
-                  <a:schemeClr val="bg1"/>
-                </a:solidFill>
-              </a:rPr>
-              <a:t>우클릭</a:t>
-            </a:r>
-            <a:r>
-              <a:rPr lang="ko-KR" altLang="en-US" sz="1100" dirty="0" smtClean="0">
-                <a:solidFill>
-                  <a:schemeClr val="bg1"/>
-                </a:solidFill>
-              </a:rPr>
-              <a:t> </a:t>
-            </a:r>
-            <a:r>
-              <a:rPr lang="ko-KR" altLang="en-US" sz="1100" dirty="0" err="1" smtClean="0">
-                <a:solidFill>
-                  <a:schemeClr val="bg1"/>
-                </a:solidFill>
-              </a:rPr>
-              <a:t>그림바꾸기로</a:t>
-            </a:r>
-            <a:r>
-              <a:rPr lang="ko-KR" altLang="en-US" sz="1100" dirty="0" smtClean="0">
-                <a:solidFill>
-                  <a:schemeClr val="bg1"/>
-                </a:solidFill>
-              </a:rPr>
-              <a:t> </a:t>
-            </a:r>
-            <a:endParaRPr lang="en-US" altLang="ko-KR" sz="1100" dirty="0" smtClean="0">
-              <a:solidFill>
-                <a:schemeClr val="bg1"/>
-              </a:solidFill>
-            </a:endParaRPr>
-          </a:p>
-          <a:p>
-            <a:pPr algn="ctr"/>
-            <a:r>
-              <a:rPr lang="ko-KR" altLang="en-US" sz="1100" dirty="0" err="1" smtClean="0">
-                <a:solidFill>
-                  <a:schemeClr val="bg1"/>
-                </a:solidFill>
-              </a:rPr>
-              <a:t>그림바꿔주세요</a:t>
-            </a:r>
-            <a:r>
-              <a:rPr lang="ko-KR" altLang="en-US" sz="1100" dirty="0" smtClean="0">
-                <a:solidFill>
-                  <a:schemeClr val="bg1"/>
-                </a:solidFill>
-              </a:rPr>
-              <a:t> </a:t>
-            </a:r>
-            <a:endParaRPr lang="ko-KR" altLang="en-US" sz="1100" dirty="0">
-              <a:solidFill>
-                <a:schemeClr val="bg1"/>
-              </a:solidFill>
-            </a:endParaRPr>
-          </a:p>
-        </p:txBody>
-      </p:sp>
-      <p:pic>
-        <p:nvPicPr>
-          <p:cNvPr id="7" name="그림 6"/>
-          <p:cNvPicPr>
-            <a:picLocks noChangeAspect="1"/>
-          </p:cNvPicPr>
-          <p:nvPr/>
-        </p:nvPicPr>
-        <p:blipFill>
-          <a:blip r:embed="rId3"/>
-          <a:stretch>
-            <a:fillRect/>
-          </a:stretch>
-        </p:blipFill>
-        <p:spPr>
-          <a:xfrm>
-            <a:off x="207611" y="594390"/>
-            <a:ext cx="8826179" cy="5978738"/>
-          </a:xfrm>
-          <a:prstGeom prst="rect">
-            <a:avLst/>
-          </a:prstGeom>
-        </p:spPr>
-      </p:pic>
-      <p:sp>
-        <p:nvSpPr>
-          <p:cNvPr id="38" name="직사각형 37"/>
+          <p:cNvPr id="39" name="직사각형 38"/>
           <p:cNvSpPr/>
           <p:nvPr/>
         </p:nvSpPr>
         <p:spPr>
           <a:xfrm>
-            <a:off x="243610" y="494165"/>
+            <a:off x="323528" y="1879811"/>
             <a:ext cx="596066" cy="253045"/>
           </a:xfrm>
           <a:prstGeom prst="rect">
@@ -10670,20 +10235,12 @@
           <a:p>
             <a:pPr algn="ctr"/>
             <a:r>
-              <a:rPr lang="ko-KR" altLang="en-US" sz="1400">
+              <a:rPr lang="ko-KR" altLang="en-US" sz="1400" smtClean="0">
                 <a:solidFill>
                   <a:schemeClr val="bg1"/>
                 </a:solidFill>
               </a:rPr>
-              <a:t>직</a:t>
-            </a:r>
-            <a:r>
-              <a:rPr lang="ko-KR" altLang="en-US" sz="1400" smtClean="0">
-                <a:solidFill>
-                  <a:schemeClr val="bg1"/>
-                </a:solidFill>
-              </a:rPr>
-              <a:t>원</a:t>
+              <a:t>예약</a:t>
             </a:r>
             <a:endParaRPr lang="ko-KR" altLang="en-US" sz="1400" dirty="0">
               <a:solidFill>
@@ -10695,13 +10252,13 @@
       </p:sp>
       <p:sp>
         <p:nvSpPr>
-          <p:cNvPr id="39" name="직사각형 38"/>
+          <p:cNvPr id="40" name="직사각형 39"/>
           <p:cNvSpPr/>
           <p:nvPr/>
         </p:nvSpPr>
         <p:spPr>
           <a:xfrm>
-            <a:off x="264017" y="1790309"/>
+            <a:off x="323528" y="2687044"/>
             <a:ext cx="596066" cy="253045"/>
           </a:xfrm>
           <a:prstGeom prst="rect">
@@ -10742,7 +10299,7 @@
                   <a:schemeClr val="bg1"/>
                 </a:solidFill>
               </a:rPr>
-              <a:t>예약</a:t>
+              <a:t>배너</a:t>
             </a:r>
             <a:endParaRPr lang="ko-KR" altLang="en-US" sz="1400" dirty="0">
               <a:solidFill>
@@ -10754,13 +10311,13 @@
       </p:sp>
       <p:sp>
         <p:nvSpPr>
-          <p:cNvPr id="40" name="직사각형 39"/>
+          <p:cNvPr id="41" name="직사각형 40"/>
           <p:cNvSpPr/>
           <p:nvPr/>
         </p:nvSpPr>
         <p:spPr>
           <a:xfrm>
-            <a:off x="264017" y="2687044"/>
+            <a:off x="323528" y="3645024"/>
             <a:ext cx="596066" cy="253045"/>
           </a:xfrm>
           <a:prstGeom prst="rect">
@@ -10801,7 +10358,7 @@
                   <a:schemeClr val="bg1"/>
                 </a:solidFill>
               </a:rPr>
-              <a:t>배너</a:t>
+              <a:t>팝업</a:t>
             </a:r>
             <a:endParaRPr lang="ko-KR" altLang="en-US" sz="1400" dirty="0">
               <a:solidFill>
@@ -10813,13 +10370,13 @@
       </p:sp>
       <p:sp>
         <p:nvSpPr>
-          <p:cNvPr id="41" name="직사각형 40"/>
+          <p:cNvPr id="42" name="직사각형 41"/>
           <p:cNvSpPr/>
           <p:nvPr/>
         </p:nvSpPr>
         <p:spPr>
           <a:xfrm>
-            <a:off x="256134" y="3726766"/>
+            <a:off x="323528" y="4797152"/>
             <a:ext cx="596066" cy="253045"/>
           </a:xfrm>
           <a:prstGeom prst="rect">
@@ -10860,7 +10417,7 @@
                   <a:schemeClr val="bg1"/>
                 </a:solidFill>
               </a:rPr>
-              <a:t>팝업</a:t>
+              <a:t>쿠폰</a:t>
             </a:r>
             <a:endParaRPr lang="ko-KR" altLang="en-US" sz="1400" dirty="0">
               <a:solidFill>
@@ -10872,22 +10429,25 @@
       </p:sp>
       <p:sp>
         <p:nvSpPr>
-          <p:cNvPr id="42" name="직사각형 41"/>
+          <p:cNvPr id="43" name="직사각형 42"/>
           <p:cNvSpPr/>
           <p:nvPr/>
         </p:nvSpPr>
         <p:spPr>
           <a:xfrm>
-            <a:off x="322903" y="4896902"/>
-            <a:ext cx="596066" cy="253045"/>
+            <a:off x="334577" y="5840251"/>
+            <a:ext cx="1141079" cy="253045"/>
           </a:xfrm>
           <a:prstGeom prst="rect">
             <a:avLst/>
           </a:prstGeom>
+          <a:solidFill>
+            <a:srgbClr val="FFC000"/>
+          </a:solidFill>
           <a:ln>
             <a:solidFill>
-              <a:schemeClr val="accent1">
-                <a:lumMod val="75000"/>
+              <a:schemeClr val="bg2">
+                <a:lumMod val="50000"/>
               </a:schemeClr>
             </a:solidFill>
           </a:ln>
@@ -10914,16 +10474,44 @@
           <a:p>
             <a:pPr algn="ctr"/>
             <a:r>
-              <a:rPr lang="ko-KR" altLang="en-US" sz="1400" smtClean="0">
-                <a:solidFill>
-                  <a:schemeClr val="bg1"/>
+              <a:rPr lang="ko-KR" altLang="en-US" sz="1400" b="1" dirty="0" smtClean="0">
+                <a:solidFill>
+                  <a:schemeClr val="tx1">
+                    <a:lumMod val="65000"/>
+                    <a:lumOff val="35000"/>
+                  </a:schemeClr>
+                </a:solidFill>
+              </a:rPr>
+              <a:t>회원</a:t>
+            </a:r>
+            <a:r>
+              <a:rPr lang="en-US" altLang="ko-KR" sz="1400" b="1" dirty="0" smtClean="0">
+                <a:solidFill>
+                  <a:schemeClr val="tx1">
+                    <a:lumMod val="65000"/>
+                    <a:lumOff val="35000"/>
+                  </a:schemeClr>
+                </a:solidFill>
+              </a:rPr>
+              <a:t>/</a:t>
+            </a:r>
+            <a:r>
+              <a:rPr lang="ko-KR" altLang="en-US" sz="1400" b="1" dirty="0" smtClean="0">
+                <a:solidFill>
+                  <a:schemeClr val="tx1">
+                    <a:lumMod val="65000"/>
+                    <a:lumOff val="35000"/>
+                  </a:schemeClr>
                 </a:solidFill>
               </a:rPr>
               <a:t>쿠폰</a:t>
             </a:r>
-            <a:endParaRPr lang="ko-KR" altLang="en-US" sz="1400" dirty="0">
+            <a:endParaRPr lang="ko-KR" altLang="en-US" sz="1400" b="1" dirty="0">
               <a:solidFill>
-                <a:schemeClr val="bg1"/>
+                <a:schemeClr val="tx1">
+                  <a:lumMod val="65000"/>
+                  <a:lumOff val="35000"/>
+                </a:schemeClr>
               </a:solidFill>
             </a:endParaRPr>
           </a:p>
@@ -10931,25 +10519,22 @@
       </p:sp>
       <p:sp>
         <p:nvSpPr>
-          <p:cNvPr id="43" name="직사각형 42"/>
+          <p:cNvPr id="44" name="직사각형 43"/>
           <p:cNvSpPr/>
           <p:nvPr/>
         </p:nvSpPr>
         <p:spPr>
           <a:xfrm>
-            <a:off x="375533" y="6021288"/>
-            <a:ext cx="1141079" cy="253045"/>
+            <a:off x="2478519" y="1663787"/>
+            <a:ext cx="797337" cy="253045"/>
           </a:xfrm>
           <a:prstGeom prst="rect">
             <a:avLst/>
           </a:prstGeom>
-          <a:solidFill>
-            <a:srgbClr val="FFC000"/>
-          </a:solidFill>
           <a:ln>
             <a:solidFill>
-              <a:schemeClr val="bg2">
-                <a:lumMod val="50000"/>
+              <a:schemeClr val="accent1">
+                <a:lumMod val="75000"/>
               </a:schemeClr>
             </a:solidFill>
           </a:ln>
@@ -10976,44 +10561,16 @@
           <a:p>
             <a:pPr algn="ctr"/>
             <a:r>
-              <a:rPr lang="ko-KR" altLang="en-US" sz="1400" b="1" smtClean="0">
-                <a:solidFill>
-                  <a:schemeClr val="tx1">
-                    <a:lumMod val="65000"/>
-                    <a:lumOff val="35000"/>
-                  </a:schemeClr>
-                </a:solidFill>
-              </a:rPr>
-              <a:t>회원</a:t>
-            </a:r>
-            <a:r>
-              <a:rPr lang="en-US" altLang="ko-KR" sz="1400" b="1" smtClean="0">
-                <a:solidFill>
-                  <a:schemeClr val="tx1">
-                    <a:lumMod val="65000"/>
-                    <a:lumOff val="35000"/>
-                  </a:schemeClr>
-                </a:solidFill>
-              </a:rPr>
-              <a:t>/</a:t>
-            </a:r>
-            <a:r>
-              <a:rPr lang="ko-KR" altLang="en-US" sz="1400" b="1" smtClean="0">
-                <a:solidFill>
-                  <a:schemeClr val="tx1">
-                    <a:lumMod val="65000"/>
-                    <a:lumOff val="35000"/>
-                  </a:schemeClr>
-                </a:solidFill>
-              </a:rPr>
-              <a:t>쿠폰</a:t>
-            </a:r>
-            <a:endParaRPr lang="ko-KR" altLang="en-US" sz="1400" b="1">
+              <a:rPr lang="ko-KR" altLang="en-US" sz="1400" dirty="0" err="1" smtClean="0">
+                <a:solidFill>
+                  <a:schemeClr val="bg1"/>
+                </a:solidFill>
+              </a:rPr>
+              <a:t>상품평</a:t>
+            </a:r>
+            <a:endParaRPr lang="ko-KR" altLang="en-US" sz="1400" dirty="0">
               <a:solidFill>
-                <a:schemeClr val="tx1">
-                  <a:lumMod val="65000"/>
-                  <a:lumOff val="35000"/>
-                </a:schemeClr>
+                <a:schemeClr val="bg1"/>
               </a:solidFill>
             </a:endParaRPr>
           </a:p>
@@ -11021,14 +10578,14 @@
       </p:sp>
       <p:sp>
         <p:nvSpPr>
-          <p:cNvPr id="44" name="직사각형 43"/>
+          <p:cNvPr id="45" name="직사각형 44"/>
           <p:cNvSpPr/>
           <p:nvPr/>
         </p:nvSpPr>
         <p:spPr>
           <a:xfrm>
-            <a:off x="2262494" y="1727012"/>
-            <a:ext cx="797337" cy="253045"/>
+            <a:off x="2319750" y="548680"/>
+            <a:ext cx="596066" cy="253045"/>
           </a:xfrm>
           <a:prstGeom prst="rect">
             <a:avLst/>
@@ -11068,7 +10625,7 @@
                   <a:schemeClr val="bg1"/>
                 </a:solidFill>
               </a:rPr>
-              <a:t>상품평</a:t>
+              <a:t>상품</a:t>
             </a:r>
             <a:endParaRPr lang="ko-KR" altLang="en-US" sz="1400" dirty="0">
               <a:solidFill>
@@ -11080,22 +10637,25 @@
       </p:sp>
       <p:sp>
         <p:nvSpPr>
-          <p:cNvPr id="45" name="직사각형 44"/>
+          <p:cNvPr id="46" name="직사각형 45"/>
           <p:cNvSpPr/>
           <p:nvPr/>
         </p:nvSpPr>
         <p:spPr>
           <a:xfrm>
-            <a:off x="2602857" y="529153"/>
-            <a:ext cx="596066" cy="253045"/>
+            <a:off x="2890246" y="2743907"/>
+            <a:ext cx="1177698" cy="253045"/>
           </a:xfrm>
           <a:prstGeom prst="rect">
             <a:avLst/>
           </a:prstGeom>
+          <a:solidFill>
+            <a:srgbClr val="FFC000"/>
+          </a:solidFill>
           <a:ln>
             <a:solidFill>
-              <a:schemeClr val="accent1">
-                <a:lumMod val="75000"/>
+              <a:schemeClr val="bg2">
+                <a:lumMod val="50000"/>
               </a:schemeClr>
             </a:solidFill>
           </a:ln>
@@ -11122,16 +10682,44 @@
           <a:p>
             <a:pPr algn="ctr"/>
             <a:r>
-              <a:rPr lang="ko-KR" altLang="en-US" sz="1400" smtClean="0">
-                <a:solidFill>
-                  <a:schemeClr val="bg1"/>
+              <a:rPr lang="ko-KR" altLang="en-US" sz="1400" b="1" smtClean="0">
+                <a:solidFill>
+                  <a:schemeClr val="tx1">
+                    <a:lumMod val="65000"/>
+                    <a:lumOff val="35000"/>
+                  </a:schemeClr>
+                </a:solidFill>
+              </a:rPr>
+              <a:t>회원</a:t>
+            </a:r>
+            <a:r>
+              <a:rPr lang="en-US" altLang="ko-KR" sz="1400" b="1" smtClean="0">
+                <a:solidFill>
+                  <a:schemeClr val="tx1">
+                    <a:lumMod val="65000"/>
+                    <a:lumOff val="35000"/>
+                  </a:schemeClr>
+                </a:solidFill>
+              </a:rPr>
+              <a:t>/</a:t>
+            </a:r>
+            <a:r>
+              <a:rPr lang="ko-KR" altLang="en-US" sz="1400" b="1" smtClean="0">
+                <a:solidFill>
+                  <a:schemeClr val="tx1">
+                    <a:lumMod val="65000"/>
+                    <a:lumOff val="35000"/>
+                  </a:schemeClr>
                 </a:solidFill>
               </a:rPr>
               <a:t>상품</a:t>
             </a:r>
-            <a:endParaRPr lang="ko-KR" altLang="en-US" sz="1400" dirty="0">
+            <a:endParaRPr lang="ko-KR" altLang="en-US" sz="1400" b="1" dirty="0">
               <a:solidFill>
-                <a:schemeClr val="bg1"/>
+                <a:schemeClr val="tx1">
+                  <a:lumMod val="65000"/>
+                  <a:lumOff val="35000"/>
+                </a:schemeClr>
               </a:solidFill>
             </a:endParaRPr>
           </a:p>
@@ -11139,25 +10727,22 @@
       </p:sp>
       <p:sp>
         <p:nvSpPr>
-          <p:cNvPr id="46" name="직사각형 45"/>
+          <p:cNvPr id="47" name="직사각형 46"/>
           <p:cNvSpPr/>
           <p:nvPr/>
         </p:nvSpPr>
         <p:spPr>
           <a:xfrm>
-            <a:off x="2602214" y="2637268"/>
-            <a:ext cx="1177698" cy="253045"/>
+            <a:off x="2535774" y="3391979"/>
+            <a:ext cx="596066" cy="253045"/>
           </a:xfrm>
           <a:prstGeom prst="rect">
             <a:avLst/>
           </a:prstGeom>
-          <a:solidFill>
-            <a:srgbClr val="FFC000"/>
-          </a:solidFill>
           <a:ln>
             <a:solidFill>
-              <a:schemeClr val="bg2">
-                <a:lumMod val="50000"/>
+              <a:schemeClr val="accent1">
+                <a:lumMod val="75000"/>
               </a:schemeClr>
             </a:solidFill>
           </a:ln>
@@ -11184,44 +10769,16 @@
           <a:p>
             <a:pPr algn="ctr"/>
             <a:r>
-              <a:rPr lang="ko-KR" altLang="en-US" sz="1400" b="1" smtClean="0">
-                <a:solidFill>
-                  <a:schemeClr val="tx1">
-                    <a:lumMod val="65000"/>
-                    <a:lumOff val="35000"/>
-                  </a:schemeClr>
+              <a:rPr lang="ko-KR" altLang="en-US" sz="1400" dirty="0" smtClean="0">
+                <a:solidFill>
+                  <a:schemeClr val="bg1"/>
                 </a:solidFill>
               </a:rPr>
               <a:t>회원</a:t>
             </a:r>
-            <a:r>
-              <a:rPr lang="en-US" altLang="ko-KR" sz="1400" b="1" smtClean="0">
-                <a:solidFill>
-                  <a:schemeClr val="tx1">
-                    <a:lumMod val="65000"/>
-                    <a:lumOff val="35000"/>
-                  </a:schemeClr>
-                </a:solidFill>
-              </a:rPr>
-              <a:t>/</a:t>
-            </a:r>
-            <a:r>
-              <a:rPr lang="ko-KR" altLang="en-US" sz="1400" b="1" smtClean="0">
-                <a:solidFill>
-                  <a:schemeClr val="tx1">
-                    <a:lumMod val="65000"/>
-                    <a:lumOff val="35000"/>
-                  </a:schemeClr>
-                </a:solidFill>
-              </a:rPr>
-              <a:t>상품</a:t>
-            </a:r>
-            <a:endParaRPr lang="ko-KR" altLang="en-US" sz="1400" b="1" dirty="0">
+            <a:endParaRPr lang="ko-KR" altLang="en-US" sz="1400" dirty="0">
               <a:solidFill>
-                <a:schemeClr val="tx1">
-                  <a:lumMod val="65000"/>
-                  <a:lumOff val="35000"/>
-                </a:schemeClr>
+                <a:schemeClr val="bg1"/>
               </a:solidFill>
             </a:endParaRPr>
           </a:p>
@@ -11229,14 +10786,14 @@
       </p:sp>
       <p:sp>
         <p:nvSpPr>
-          <p:cNvPr id="47" name="직사각형 46"/>
+          <p:cNvPr id="48" name="직사각형 47"/>
           <p:cNvSpPr/>
           <p:nvPr/>
         </p:nvSpPr>
         <p:spPr>
           <a:xfrm>
-            <a:off x="2262494" y="3313723"/>
-            <a:ext cx="596066" cy="253045"/>
+            <a:off x="2762112" y="4667600"/>
+            <a:ext cx="945792" cy="253045"/>
           </a:xfrm>
           <a:prstGeom prst="rect">
             <a:avLst/>
@@ -11276,7 +10833,7 @@
                   <a:schemeClr val="bg1"/>
                 </a:solidFill>
               </a:rPr>
-              <a:t>회원</a:t>
+              <a:t>이벤트</a:t>
             </a:r>
             <a:endParaRPr lang="ko-KR" altLang="en-US" sz="1400" dirty="0">
               <a:solidFill>
@@ -11288,13 +10845,13 @@
       </p:sp>
       <p:sp>
         <p:nvSpPr>
-          <p:cNvPr id="48" name="직사각형 47"/>
+          <p:cNvPr id="49" name="직사각형 48"/>
           <p:cNvSpPr/>
           <p:nvPr/>
         </p:nvSpPr>
         <p:spPr>
           <a:xfrm>
-            <a:off x="2395878" y="4667600"/>
+            <a:off x="2411760" y="5552219"/>
             <a:ext cx="1177698" cy="253045"/>
           </a:xfrm>
           <a:prstGeom prst="rect">
@@ -11330,12 +10887,12 @@
           <a:p>
             <a:pPr algn="ctr"/>
             <a:r>
-              <a:rPr lang="ko-KR" altLang="en-US" sz="1400" smtClean="0">
+              <a:rPr lang="en-US" altLang="ko-KR" sz="1400" smtClean="0">
                 <a:solidFill>
                   <a:schemeClr val="bg1"/>
                 </a:solidFill>
               </a:rPr>
-              <a:t>이벤트</a:t>
+              <a:t>FAQ</a:t>
             </a:r>
             <a:endParaRPr lang="ko-KR" altLang="en-US" sz="1400" dirty="0">
               <a:solidFill>
@@ -11347,14 +10904,14 @@
       </p:sp>
       <p:sp>
         <p:nvSpPr>
-          <p:cNvPr id="49" name="직사각형 48"/>
+          <p:cNvPr id="50" name="직사각형 49"/>
           <p:cNvSpPr/>
           <p:nvPr/>
         </p:nvSpPr>
         <p:spPr>
           <a:xfrm>
-            <a:off x="2470982" y="5690598"/>
-            <a:ext cx="1177698" cy="253045"/>
+            <a:off x="4427984" y="548680"/>
+            <a:ext cx="864096" cy="253045"/>
           </a:xfrm>
           <a:prstGeom prst="rect">
             <a:avLst/>
@@ -11389,12 +10946,12 @@
           <a:p>
             <a:pPr algn="ctr"/>
             <a:r>
-              <a:rPr lang="en-US" altLang="ko-KR" sz="1400" smtClean="0">
+              <a:rPr lang="ko-KR" altLang="en-US" sz="1400" dirty="0" smtClean="0">
                 <a:solidFill>
                   <a:schemeClr val="bg1"/>
                 </a:solidFill>
               </a:rPr>
-              <a:t>FAQ</a:t>
+              <a:t>항공편</a:t>
             </a:r>
             <a:endParaRPr lang="ko-KR" altLang="en-US" sz="1400" dirty="0">
               <a:solidFill>
@@ -11406,22 +10963,25 @@
       </p:sp>
       <p:sp>
         <p:nvSpPr>
-          <p:cNvPr id="50" name="직사각형 49"/>
+          <p:cNvPr id="51" name="직사각형 50"/>
           <p:cNvSpPr/>
           <p:nvPr/>
         </p:nvSpPr>
         <p:spPr>
           <a:xfrm>
-            <a:off x="4667227" y="528677"/>
-            <a:ext cx="1177698" cy="253045"/>
+            <a:off x="4716016" y="2132856"/>
+            <a:ext cx="1131260" cy="253045"/>
           </a:xfrm>
           <a:prstGeom prst="rect">
             <a:avLst/>
           </a:prstGeom>
+          <a:solidFill>
+            <a:srgbClr val="FFC000"/>
+          </a:solidFill>
           <a:ln>
             <a:solidFill>
-              <a:schemeClr val="accent1">
-                <a:lumMod val="75000"/>
+              <a:schemeClr val="bg2">
+                <a:lumMod val="50000"/>
               </a:schemeClr>
             </a:solidFill>
           </a:ln>
@@ -11448,31 +11008,64 @@
           <a:p>
             <a:pPr algn="ctr"/>
             <a:r>
-              <a:rPr lang="ko-KR" altLang="en-US" sz="1400" smtClean="0">
-                <a:solidFill>
-                  <a:schemeClr val="bg1"/>
-                </a:solidFill>
-              </a:rPr>
-              <a:t>항공편</a:t>
-            </a:r>
-            <a:endParaRPr lang="ko-KR" altLang="en-US" sz="1400" dirty="0">
+              <a:rPr lang="ko-KR" altLang="en-US" sz="1400" b="1" dirty="0" smtClean="0">
+                <a:solidFill>
+                  <a:schemeClr val="tx1">
+                    <a:lumMod val="65000"/>
+                    <a:lumOff val="35000"/>
+                  </a:schemeClr>
+                </a:solidFill>
+                <a:latin typeface="+mj-lt"/>
+              </a:rPr>
+              <a:t>상품</a:t>
+            </a:r>
+            <a:r>
+              <a:rPr lang="en-US" altLang="ko-KR" sz="1400" b="1" dirty="0" smtClean="0">
+                <a:solidFill>
+                  <a:schemeClr val="tx1">
+                    <a:lumMod val="65000"/>
+                    <a:lumOff val="35000"/>
+                  </a:schemeClr>
+                </a:solidFill>
+                <a:latin typeface="+mj-lt"/>
+                <a:ea typeface="Verdana" panose="020B0604030504040204" pitchFamily="34" charset="0"/>
+              </a:rPr>
+              <a:t>/</a:t>
+            </a:r>
+            <a:r>
+              <a:rPr lang="ko-KR" altLang="en-US" sz="1400" b="1" dirty="0" smtClean="0">
+                <a:solidFill>
+                  <a:schemeClr val="tx1">
+                    <a:lumMod val="65000"/>
+                    <a:lumOff val="35000"/>
+                  </a:schemeClr>
+                </a:solidFill>
+                <a:latin typeface="+mj-lt"/>
+              </a:rPr>
+              <a:t>항공</a:t>
+            </a:r>
+            <a:endParaRPr lang="ko-KR" altLang="en-US" sz="1400" b="1" dirty="0">
               <a:solidFill>
-                <a:schemeClr val="bg1"/>
+                <a:schemeClr val="tx1">
+                  <a:lumMod val="65000"/>
+                  <a:lumOff val="35000"/>
+                </a:schemeClr>
               </a:solidFill>
+              <a:latin typeface="+mj-lt"/>
             </a:endParaRPr>
           </a:p>
         </p:txBody>
       </p:sp>
       <p:sp>
         <p:nvSpPr>
-          <p:cNvPr id="51" name="직사각형 50"/>
+          <p:cNvPr id="52" name="직사각형 51"/>
           <p:cNvSpPr/>
           <p:nvPr/>
         </p:nvSpPr>
         <p:spPr>
           <a:xfrm>
-            <a:off x="4690446" y="2068152"/>
-            <a:ext cx="1177698" cy="253045"/>
+            <a:off x="4762454" y="2671899"/>
+            <a:ext cx="1131260" cy="253045"/>
           </a:xfrm>
           <a:prstGeom prst="rect">
             <a:avLst/>
@@ -11510,41 +11103,38 @@
           <a:p>
             <a:pPr algn="ctr"/>
             <a:r>
-              <a:rPr lang="ko-KR" altLang="en-US" sz="1400" b="1" smtClean="0">
+              <a:rPr lang="ko-KR" altLang="en-US" sz="1400" b="1" dirty="0">
                 <a:solidFill>
                   <a:schemeClr val="tx1">
                     <a:lumMod val="65000"/>
                     <a:lumOff val="35000"/>
                   </a:schemeClr>
                 </a:solidFill>
-                <a:latin typeface="+mj-lt"/>
               </a:rPr>
               <a:t>상품</a:t>
             </a:r>
             <a:r>
-              <a:rPr lang="en-US" altLang="ko-KR" sz="1400" b="1" smtClean="0">
+              <a:rPr lang="en-US" altLang="ko-KR" sz="1400" b="1" dirty="0" smtClean="0">
                 <a:solidFill>
                   <a:schemeClr val="tx1">
                     <a:lumMod val="65000"/>
                     <a:lumOff val="35000"/>
                   </a:schemeClr>
                 </a:solidFill>
-                <a:latin typeface="+mj-lt"/>
                 <a:ea typeface="Verdana" panose="020B0604030504040204" pitchFamily="34" charset="0"/>
               </a:rPr>
               <a:t>/</a:t>
             </a:r>
             <a:r>
-              <a:rPr lang="ko-KR" altLang="en-US" sz="1400" b="1" smtClean="0">
+              <a:rPr lang="ko-KR" altLang="en-US" sz="1400" b="1" dirty="0" smtClean="0">
                 <a:solidFill>
                   <a:schemeClr val="tx1">
                     <a:lumMod val="65000"/>
                     <a:lumOff val="35000"/>
                   </a:schemeClr>
                 </a:solidFill>
-                <a:latin typeface="+mj-lt"/>
-              </a:rPr>
-              <a:t>항공</a:t>
+              </a:rPr>
+              <a:t>호텔</a:t>
             </a:r>
             <a:endParaRPr lang="ko-KR" altLang="en-US" sz="1400" b="1" dirty="0">
               <a:solidFill>
@@ -11553,21 +11143,20 @@
                   <a:lumOff val="35000"/>
                 </a:schemeClr>
               </a:solidFill>
-              <a:latin typeface="+mj-lt"/>
             </a:endParaRPr>
           </a:p>
         </p:txBody>
       </p:sp>
       <p:sp>
         <p:nvSpPr>
-          <p:cNvPr id="52" name="직사각형 51"/>
+          <p:cNvPr id="53" name="직사각형 52"/>
           <p:cNvSpPr/>
           <p:nvPr/>
         </p:nvSpPr>
         <p:spPr>
           <a:xfrm>
-            <a:off x="4690446" y="2661595"/>
-            <a:ext cx="1177698" cy="253045"/>
+            <a:off x="4788024" y="3284984"/>
+            <a:ext cx="1131260" cy="253045"/>
           </a:xfrm>
           <a:prstGeom prst="rect">
             <a:avLst/>
@@ -11635,8 +11224,9 @@
                     <a:lumOff val="35000"/>
                   </a:schemeClr>
                 </a:solidFill>
-              </a:rPr>
-              <a:t>호텔</a:t>
+                <a:ea typeface="Verdana" panose="020B0604030504040204" pitchFamily="34" charset="0"/>
+              </a:rPr>
+              <a:t>투어</a:t>
             </a:r>
             <a:endParaRPr lang="ko-KR" altLang="en-US" sz="1400" b="1" dirty="0">
               <a:solidFill>
@@ -11651,14 +11241,14 @@
       </p:sp>
       <p:sp>
         <p:nvSpPr>
-          <p:cNvPr id="53" name="직사각형 52"/>
+          <p:cNvPr id="54" name="직사각형 53"/>
           <p:cNvSpPr/>
           <p:nvPr/>
         </p:nvSpPr>
         <p:spPr>
           <a:xfrm>
-            <a:off x="4690446" y="3237297"/>
-            <a:ext cx="1177698" cy="253045"/>
+            <a:off x="4788024" y="3896035"/>
+            <a:ext cx="1131260" cy="253045"/>
           </a:xfrm>
           <a:prstGeom prst="rect">
             <a:avLst/>
@@ -11696,7 +11286,7 @@
           <a:p>
             <a:pPr algn="ctr"/>
             <a:r>
-              <a:rPr lang="ko-KR" altLang="en-US" sz="1400" b="1">
+              <a:rPr lang="ko-KR" altLang="en-US" sz="1200" b="1" dirty="0">
                 <a:solidFill>
                   <a:schemeClr val="tx1">
                     <a:lumMod val="65000"/>
@@ -11707,7 +11297,7 @@
               <a:t>상품</a:t>
             </a:r>
             <a:r>
-              <a:rPr lang="en-US" altLang="ko-KR" sz="1400" b="1" smtClean="0">
+              <a:rPr lang="en-US" altLang="ko-KR" sz="1200" b="1" dirty="0" smtClean="0">
                 <a:solidFill>
                   <a:schemeClr val="tx1">
                     <a:lumMod val="65000"/>
@@ -11719,18 +11309,17 @@
               <a:t>/</a:t>
             </a:r>
             <a:r>
-              <a:rPr lang="ko-KR" altLang="en-US" sz="1400" b="1" smtClean="0">
+              <a:rPr lang="ko-KR" altLang="en-US" sz="1200" b="1" dirty="0" err="1" smtClean="0">
                 <a:solidFill>
                   <a:schemeClr val="tx1">
                     <a:lumMod val="65000"/>
                     <a:lumOff val="35000"/>
                   </a:schemeClr>
                 </a:solidFill>
-                <a:ea typeface="Verdana" panose="020B0604030504040204" pitchFamily="34" charset="0"/>
-              </a:rPr>
-              <a:t>투어</a:t>
-            </a:r>
-            <a:endParaRPr lang="ko-KR" altLang="en-US" sz="1400" b="1" dirty="0">
+              </a:rPr>
+              <a:t>렌트카</a:t>
+            </a:r>
+            <a:endParaRPr lang="ko-KR" altLang="en-US" sz="1200" b="1" dirty="0">
               <a:solidFill>
                 <a:schemeClr val="tx1">
                   <a:lumMod val="65000"/>
@@ -11743,25 +11332,22 @@
       </p:sp>
       <p:sp>
         <p:nvSpPr>
-          <p:cNvPr id="54" name="직사각형 53"/>
+          <p:cNvPr id="55" name="직사각형 54"/>
           <p:cNvSpPr/>
           <p:nvPr/>
         </p:nvSpPr>
         <p:spPr>
           <a:xfrm>
-            <a:off x="4690446" y="3816649"/>
+            <a:off x="4762454" y="4509120"/>
             <a:ext cx="1177698" cy="253045"/>
           </a:xfrm>
           <a:prstGeom prst="rect">
             <a:avLst/>
           </a:prstGeom>
-          <a:solidFill>
-            <a:srgbClr val="FFC000"/>
-          </a:solidFill>
           <a:ln>
             <a:solidFill>
-              <a:schemeClr val="bg2">
-                <a:lumMod val="50000"/>
+              <a:schemeClr val="accent1">
+                <a:lumMod val="75000"/>
               </a:schemeClr>
             </a:solidFill>
           </a:ln>
@@ -11788,45 +11374,16 @@
           <a:p>
             <a:pPr algn="ctr"/>
             <a:r>
-              <a:rPr lang="ko-KR" altLang="en-US" sz="1400" b="1" dirty="0">
-                <a:solidFill>
-                  <a:schemeClr val="tx1">
-                    <a:lumMod val="65000"/>
-                    <a:lumOff val="35000"/>
-                  </a:schemeClr>
-                </a:solidFill>
-              </a:rPr>
-              <a:t>상품</a:t>
-            </a:r>
-            <a:r>
-              <a:rPr lang="en-US" altLang="ko-KR" sz="1400" b="1" dirty="0" smtClean="0">
-                <a:solidFill>
-                  <a:schemeClr val="tx1">
-                    <a:lumMod val="65000"/>
-                    <a:lumOff val="35000"/>
-                  </a:schemeClr>
-                </a:solidFill>
-                <a:ea typeface="Verdana" panose="020B0604030504040204" pitchFamily="34" charset="0"/>
-              </a:rPr>
-              <a:t>/</a:t>
-            </a:r>
-            <a:r>
-              <a:rPr lang="ko-KR" altLang="en-US" sz="1400" b="1" dirty="0" err="1" smtClean="0">
-                <a:solidFill>
-                  <a:schemeClr val="tx1">
-                    <a:lumMod val="65000"/>
-                    <a:lumOff val="35000"/>
-                  </a:schemeClr>
-                </a:solidFill>
-              </a:rPr>
-              <a:t>렌트카</a:t>
-            </a:r>
-            <a:endParaRPr lang="ko-KR" altLang="en-US" sz="1400" b="1" dirty="0">
+              <a:rPr lang="ko-KR" altLang="en-US" sz="1400" dirty="0" smtClean="0">
+                <a:solidFill>
+                  <a:schemeClr val="bg1"/>
+                </a:solidFill>
+              </a:rPr>
+              <a:t>고객의 소리</a:t>
+            </a:r>
+            <a:endParaRPr lang="ko-KR" altLang="en-US" sz="1400" dirty="0">
               <a:solidFill>
-                <a:schemeClr val="tx1">
-                  <a:lumMod val="65000"/>
-                  <a:lumOff val="35000"/>
-                </a:schemeClr>
+                <a:schemeClr val="bg1"/>
               </a:solidFill>
             </a:endParaRPr>
           </a:p>
@@ -11834,13 +11391,13 @@
       </p:sp>
       <p:sp>
         <p:nvSpPr>
-          <p:cNvPr id="55" name="직사각형 54"/>
+          <p:cNvPr id="56" name="직사각형 55"/>
           <p:cNvSpPr/>
           <p:nvPr/>
         </p:nvSpPr>
         <p:spPr>
           <a:xfrm>
-            <a:off x="4551628" y="4503567"/>
+            <a:off x="4762454" y="5373216"/>
             <a:ext cx="1177698" cy="253045"/>
           </a:xfrm>
           <a:prstGeom prst="rect">
@@ -11881,7 +11438,7 @@
                   <a:schemeClr val="bg1"/>
                 </a:solidFill>
               </a:rPr>
-              <a:t>고객의 소리</a:t>
+              <a:t>공지사항</a:t>
             </a:r>
             <a:endParaRPr lang="ko-KR" altLang="en-US" sz="1400" dirty="0">
               <a:solidFill>
@@ -11893,14 +11450,14 @@
       </p:sp>
       <p:sp>
         <p:nvSpPr>
-          <p:cNvPr id="56" name="직사각형 55"/>
+          <p:cNvPr id="57" name="직사각형 56"/>
           <p:cNvSpPr/>
           <p:nvPr/>
         </p:nvSpPr>
         <p:spPr>
           <a:xfrm>
-            <a:off x="4602179" y="5538347"/>
-            <a:ext cx="1177698" cy="253045"/>
+            <a:off x="6444208" y="583667"/>
+            <a:ext cx="576064" cy="253045"/>
           </a:xfrm>
           <a:prstGeom prst="rect">
             <a:avLst/>
@@ -11935,12 +11492,12 @@
           <a:p>
             <a:pPr algn="ctr"/>
             <a:r>
-              <a:rPr lang="ko-KR" altLang="en-US" sz="1400" smtClean="0">
+              <a:rPr lang="ko-KR" altLang="en-US" sz="1400" dirty="0" smtClean="0">
                 <a:solidFill>
                   <a:schemeClr val="bg1"/>
                 </a:solidFill>
               </a:rPr>
-              <a:t>공지사항</a:t>
+              <a:t>호텔</a:t>
             </a:r>
             <a:endParaRPr lang="ko-KR" altLang="en-US" sz="1400" dirty="0">
               <a:solidFill>
@@ -11952,14 +11509,14 @@
       </p:sp>
       <p:sp>
         <p:nvSpPr>
-          <p:cNvPr id="57" name="직사각형 56"/>
+          <p:cNvPr id="58" name="직사각형 57"/>
           <p:cNvSpPr/>
           <p:nvPr/>
         </p:nvSpPr>
         <p:spPr>
           <a:xfrm>
-            <a:off x="6732240" y="508061"/>
-            <a:ext cx="1177698" cy="253045"/>
+            <a:off x="6698846" y="2352352"/>
+            <a:ext cx="1113514" cy="212552"/>
           </a:xfrm>
           <a:prstGeom prst="rect">
             <a:avLst/>
@@ -11994,12 +11551,12 @@
           <a:p>
             <a:pPr algn="ctr"/>
             <a:r>
-              <a:rPr lang="ko-KR" altLang="en-US" sz="1400" smtClean="0">
+              <a:rPr lang="ko-KR" altLang="en-US" sz="1400" dirty="0" smtClean="0">
                 <a:solidFill>
                   <a:schemeClr val="bg1"/>
                 </a:solidFill>
               </a:rPr>
-              <a:t>호텔</a:t>
+              <a:t>현지투어</a:t>
             </a:r>
             <a:endParaRPr lang="ko-KR" altLang="en-US" sz="1400" dirty="0">
               <a:solidFill>
@@ -12011,14 +11568,14 @@
       </p:sp>
       <p:sp>
         <p:nvSpPr>
-          <p:cNvPr id="58" name="직사각형 57"/>
+          <p:cNvPr id="59" name="직사각형 58"/>
           <p:cNvSpPr/>
           <p:nvPr/>
         </p:nvSpPr>
         <p:spPr>
           <a:xfrm>
-            <a:off x="6842862" y="2255856"/>
-            <a:ext cx="1113514" cy="212552"/>
+            <a:off x="6804248" y="3717032"/>
+            <a:ext cx="864096" cy="288032"/>
           </a:xfrm>
           <a:prstGeom prst="rect">
             <a:avLst/>
@@ -12058,7 +11615,7 @@
                   <a:schemeClr val="bg1"/>
                 </a:solidFill>
               </a:rPr>
-              <a:t>현지투어</a:t>
+              <a:t>렌트카</a:t>
             </a:r>
             <a:endParaRPr lang="ko-KR" altLang="en-US" sz="1400" dirty="0">
               <a:solidFill>
@@ -12070,14 +11627,14 @@
       </p:sp>
       <p:sp>
         <p:nvSpPr>
-          <p:cNvPr id="59" name="직사각형 58"/>
+          <p:cNvPr id="60" name="직사각형 59"/>
           <p:cNvSpPr/>
           <p:nvPr/>
         </p:nvSpPr>
         <p:spPr>
           <a:xfrm>
-            <a:off x="6948264" y="3649303"/>
-            <a:ext cx="1177698" cy="253045"/>
+            <a:off x="6804248" y="5317540"/>
+            <a:ext cx="1430726" cy="253045"/>
           </a:xfrm>
           <a:prstGeom prst="rect">
             <a:avLst/>
@@ -12112,12 +11669,12 @@
           <a:p>
             <a:pPr algn="ctr"/>
             <a:r>
-              <a:rPr lang="ko-KR" altLang="en-US" sz="1400" smtClean="0">
+              <a:rPr lang="ko-KR" altLang="en-US" sz="1400" dirty="0" smtClean="0">
                 <a:solidFill>
                   <a:schemeClr val="bg1"/>
                 </a:solidFill>
               </a:rPr>
-              <a:t>렌트카</a:t>
+              <a:t>상품 문의사항</a:t>
             </a:r>
             <a:endParaRPr lang="ko-KR" altLang="en-US" sz="1400" dirty="0">
               <a:solidFill>
@@ -12129,24 +11686,23 @@
       </p:sp>
       <p:sp>
         <p:nvSpPr>
-          <p:cNvPr id="60" name="직사각형 59"/>
+          <p:cNvPr id="61" name="직사각형 60"/>
           <p:cNvSpPr/>
           <p:nvPr/>
         </p:nvSpPr>
         <p:spPr>
           <a:xfrm>
-            <a:off x="6813682" y="5317540"/>
-            <a:ext cx="1430726" cy="253045"/>
+            <a:off x="1331640" y="116632"/>
+            <a:ext cx="1177698" cy="253045"/>
           </a:xfrm>
           <a:prstGeom prst="rect">
             <a:avLst/>
           </a:prstGeom>
+          <a:solidFill>
+            <a:srgbClr val="FFC000"/>
+          </a:solidFill>
           <a:ln>
-            <a:solidFill>
-              <a:schemeClr val="accent1">
-                <a:lumMod val="75000"/>
-              </a:schemeClr>
-            </a:solidFill>
+            <a:noFill/>
           </a:ln>
         </p:spPr>
         <p:style>
@@ -12171,38 +11727,43 @@
           <a:p>
             <a:pPr algn="ctr"/>
             <a:r>
-              <a:rPr lang="ko-KR" altLang="en-US" sz="1400" smtClean="0">
-                <a:solidFill>
-                  <a:schemeClr val="bg1"/>
-                </a:solidFill>
-              </a:rPr>
-              <a:t>상품 문의사항</a:t>
-            </a:r>
-            <a:endParaRPr lang="ko-KR" altLang="en-US" sz="1400" dirty="0">
+              <a:rPr lang="ko-KR" altLang="en-US" sz="1400" b="1" dirty="0" smtClean="0">
+                <a:solidFill>
+                  <a:schemeClr val="tx1">
+                    <a:lumMod val="65000"/>
+                    <a:lumOff val="35000"/>
+                  </a:schemeClr>
+                </a:solidFill>
+                <a:latin typeface="+mj-lt"/>
+              </a:rPr>
+              <a:t>연결 테이블</a:t>
+            </a:r>
+            <a:endParaRPr lang="ko-KR" altLang="en-US" sz="1400" b="1" dirty="0">
               <a:solidFill>
-                <a:schemeClr val="bg1"/>
+                <a:schemeClr val="tx1">
+                  <a:lumMod val="65000"/>
+                  <a:lumOff val="35000"/>
+                </a:schemeClr>
               </a:solidFill>
+              <a:latin typeface="+mj-lt"/>
             </a:endParaRPr>
           </a:p>
         </p:txBody>
       </p:sp>
       <p:sp>
         <p:nvSpPr>
-          <p:cNvPr id="61" name="직사각형 60"/>
+          <p:cNvPr id="62" name="직사각형 61"/>
           <p:cNvSpPr/>
           <p:nvPr/>
         </p:nvSpPr>
         <p:spPr>
           <a:xfrm>
-            <a:off x="1483464" y="189241"/>
-            <a:ext cx="1177698" cy="253045"/>
+            <a:off x="2627784" y="116632"/>
+            <a:ext cx="1174914" cy="253045"/>
           </a:xfrm>
           <a:prstGeom prst="rect">
             <a:avLst/>
           </a:prstGeom>
-          <a:solidFill>
-            <a:srgbClr val="FFC000"/>
-          </a:solidFill>
           <a:ln>
             <a:noFill/>
           </a:ln>
@@ -12229,70 +11790,7 @@
           <a:p>
             <a:pPr algn="ctr"/>
             <a:r>
-              <a:rPr lang="ko-KR" altLang="en-US" sz="1400" b="1" smtClean="0">
-                <a:solidFill>
-                  <a:schemeClr val="tx1">
-                    <a:lumMod val="65000"/>
-                    <a:lumOff val="35000"/>
-                  </a:schemeClr>
-                </a:solidFill>
-                <a:latin typeface="+mj-lt"/>
-              </a:rPr>
-              <a:t>연결 테이블</a:t>
-            </a:r>
-            <a:endParaRPr lang="ko-KR" altLang="en-US" sz="1400" b="1" dirty="0">
-              <a:solidFill>
-                <a:schemeClr val="tx1">
-                  <a:lumMod val="65000"/>
-                  <a:lumOff val="35000"/>
-                </a:schemeClr>
-              </a:solidFill>
-              <a:latin typeface="+mj-lt"/>
-            </a:endParaRPr>
-          </a:p>
-        </p:txBody>
-      </p:sp>
-      <p:sp>
-        <p:nvSpPr>
-          <p:cNvPr id="62" name="직사각형 61"/>
-          <p:cNvSpPr/>
-          <p:nvPr/>
-        </p:nvSpPr>
-        <p:spPr>
-          <a:xfrm>
-            <a:off x="2893030" y="189242"/>
-            <a:ext cx="1174914" cy="253045"/>
-          </a:xfrm>
-          <a:prstGeom prst="rect">
-            <a:avLst/>
-          </a:prstGeom>
-          <a:ln>
-            <a:noFill/>
-          </a:ln>
-        </p:spPr>
-        <p:style>
-          <a:lnRef idx="2">
-            <a:schemeClr val="accent1">
-              <a:shade val="50000"/>
-            </a:schemeClr>
-          </a:lnRef>
-          <a:fillRef idx="1">
-            <a:schemeClr val="accent1"/>
-          </a:fillRef>
-          <a:effectRef idx="0">
-            <a:schemeClr val="accent1"/>
-          </a:effectRef>
-          <a:fontRef idx="minor">
-            <a:schemeClr val="lt1"/>
-          </a:fontRef>
-        </p:style>
-        <p:txBody>
-          <a:bodyPr rtlCol="0" anchor="ctr"/>
-          <a:lstStyle/>
-          <a:p>
-            <a:pPr algn="ctr"/>
-            <a:r>
-              <a:rPr lang="ko-KR" altLang="en-US" sz="1400" smtClean="0">
+              <a:rPr lang="ko-KR" altLang="en-US" sz="1400" dirty="0" smtClean="0">
                 <a:solidFill>
                   <a:schemeClr val="bg1"/>
                 </a:solidFill>
@@ -12315,7 +11813,7 @@
         </p:nvSpPr>
         <p:spPr>
           <a:xfrm>
-            <a:off x="5364088" y="271681"/>
+            <a:off x="5364088" y="127665"/>
             <a:ext cx="3600400" cy="276999"/>
           </a:xfrm>
           <a:prstGeom prst="rect">
@@ -12331,7 +11829,7 @@
           <a:p>
             <a:pPr algn="dist"/>
             <a:r>
-              <a:rPr lang="en-US" altLang="ko-KR" sz="1200" smtClean="0">
+              <a:rPr lang="en-US" altLang="ko-KR" sz="1200" dirty="0" smtClean="0">
                 <a:solidFill>
                   <a:schemeClr val="bg1"/>
                 </a:solidFill>
@@ -12777,15 +12275,7 @@
                   <a:srgbClr val="C00000"/>
                 </a:solidFill>
               </a:rPr>
-              <a:t>    2</a:t>
-            </a:r>
-            <a:r>
-              <a:rPr lang="en-US" altLang="ko-KR" b="1" spc="-150" dirty="0" smtClean="0">
-                <a:solidFill>
-                  <a:srgbClr val="C00000"/>
-                </a:solidFill>
-              </a:rPr>
-              <a:t>. </a:t>
+              <a:t>    2. </a:t>
             </a:r>
             <a:r>
               <a:rPr lang="ko-KR" altLang="en-US" b="1" spc="-150" dirty="0" smtClean="0">
@@ -14611,15 +14101,7 @@
                   <a:srgbClr val="C00000"/>
                 </a:solidFill>
               </a:rPr>
-              <a:t>  3</a:t>
-            </a:r>
-            <a:r>
-              <a:rPr lang="en-US" altLang="ko-KR" b="1" spc="-150" dirty="0" smtClean="0">
-                <a:solidFill>
-                  <a:srgbClr val="C00000"/>
-                </a:solidFill>
-              </a:rPr>
-              <a:t>. </a:t>
+              <a:t>  3. </a:t>
             </a:r>
             <a:r>
               <a:rPr lang="ko-KR" altLang="en-US" b="1" spc="-150" dirty="0" smtClean="0">
